--- a/doc/3_ 설계서/Class Design_6_blossom.pptx
+++ b/doc/3_ 설계서/Class Design_6_blossom.pptx
@@ -1110,7 +1110,7 @@
           <p:nvPr userDrawn="1">
             <p:extLst>
               <p:ext uri="{D42A27DB-BD31-4B8C-83A1-F6EECF244321}">
-                <p14:modId xmlns:p14="http://schemas.microsoft.com/office/powerpoint/2010/main" val="3385421182"/>
+                <p14:modId xmlns:p14="http://schemas.microsoft.com/office/powerpoint/2010/main" val="2848931998"/>
               </p:ext>
             </p:extLst>
           </p:nvPr>
@@ -1271,6 +1271,20 @@
                         <a:buNone/>
                         <a:tabLst/>
                       </a:pPr>
+                      <a:r>
+                        <a:rPr kumimoji="1" lang="en-US" altLang="ko-KR" sz="900" b="0" i="0" u="none" strike="noStrike" cap="none" normalizeH="0" baseline="0" dirty="0">
+                          <a:ln>
+                            <a:noFill/>
+                          </a:ln>
+                          <a:solidFill>
+                            <a:schemeClr val="tx1"/>
+                          </a:solidFill>
+                          <a:effectLst/>
+                          <a:latin typeface="맑은 고딕" pitchFamily="50" charset="-127"/>
+                          <a:ea typeface="맑은 고딕" pitchFamily="50" charset="-127"/>
+                        </a:rPr>
+                        <a:t>To do List</a:t>
+                      </a:r>
                       <a:endParaRPr kumimoji="1" lang="ko-KR" altLang="ko-KR" sz="900" b="0" i="0" u="none" strike="noStrike" cap="none" normalizeH="0" baseline="0" dirty="0">
                         <a:ln>
                           <a:noFill/>
@@ -1459,21 +1473,7 @@
                           <a:latin typeface="맑은 고딕" pitchFamily="50" charset="-127"/>
                           <a:ea typeface="맑은 고딕" pitchFamily="50" charset="-127"/>
                         </a:rPr>
-                        <a:t>Class </a:t>
-                      </a:r>
-                      <a:r>
-                        <a:rPr kumimoji="1" lang="ko-KR" altLang="en-US" sz="900" b="0" i="0" u="none" strike="noStrike" cap="none" normalizeH="0" baseline="0" dirty="0">
-                          <a:ln>
-                            <a:noFill/>
-                          </a:ln>
-                          <a:solidFill>
-                            <a:schemeClr val="tx1"/>
-                          </a:solidFill>
-                          <a:effectLst/>
-                          <a:latin typeface="맑은 고딕" pitchFamily="50" charset="-127"/>
-                          <a:ea typeface="맑은 고딕" pitchFamily="50" charset="-127"/>
-                        </a:rPr>
-                        <a:t>설계서</a:t>
+                        <a:t>Class Design_6_blossom.pptx</a:t>
                       </a:r>
                       <a:endParaRPr kumimoji="1" lang="ko-KR" sz="900" b="0" i="0" u="none" strike="noStrike" cap="none" normalizeH="0" baseline="0" dirty="0">
                         <a:ln>
@@ -1832,7 +1832,7 @@
                           <a:latin typeface="맑은 고딕" pitchFamily="50" charset="-127"/>
                           <a:ea typeface="맑은 고딕" pitchFamily="50" charset="-127"/>
                         </a:rPr>
-                        <a:t>V X.X</a:t>
+                        <a:t>Ver 1.0.1.</a:t>
                       </a:r>
                       <a:endParaRPr kumimoji="1" lang="ko-KR" altLang="ko-KR" sz="900" b="0" i="0" u="none" strike="noStrike" cap="none" normalizeH="0" baseline="0" dirty="0">
                         <a:ln>
@@ -1950,10 +1950,9 @@
           <a:p>
             <a:pPr algn="r"/>
             <a:r>
-              <a:rPr lang="ko-KR" altLang="en-US" dirty="0"/>
-              <a:t>팀 명</a:t>
+              <a:rPr lang="en-US" altLang="ko-KR" dirty="0"/>
+              <a:t>Blossom</a:t>
             </a:r>
-            <a:endParaRPr lang="en-US" altLang="ko-KR" dirty="0"/>
           </a:p>
         </p:txBody>
       </p:sp>
@@ -2278,8 +2277,8 @@
           <a:p>
             <a:pPr algn="r"/>
             <a:r>
-              <a:rPr lang="ko-KR" altLang="en-US" dirty="0"/>
-              <a:t>팀 명</a:t>
+              <a:rPr lang="en-US" altLang="ko-KR"/>
+              <a:t>Blossom</a:t>
             </a:r>
             <a:endParaRPr lang="en-US" altLang="ko-KR" dirty="0"/>
           </a:p>
@@ -2483,8 +2482,8 @@
           <a:p>
             <a:pPr algn="r"/>
             <a:r>
-              <a:rPr lang="ko-KR" altLang="en-US" dirty="0"/>
-              <a:t>팀 명</a:t>
+              <a:rPr lang="en-US" altLang="ko-KR"/>
+              <a:t>Blossom</a:t>
             </a:r>
             <a:endParaRPr lang="en-US" altLang="ko-KR" dirty="0"/>
           </a:p>
@@ -3153,7 +3152,7 @@
             <p:ph idx="1"/>
             <p:extLst>
               <p:ext uri="{D42A27DB-BD31-4B8C-83A1-F6EECF244321}">
-                <p14:modId xmlns:p14="http://schemas.microsoft.com/office/powerpoint/2010/main" val="3505709117"/>
+                <p14:modId xmlns:p14="http://schemas.microsoft.com/office/powerpoint/2010/main" val="3486366064"/>
               </p:ext>
             </p:extLst>
           </p:nvPr>
@@ -3393,7 +3392,7 @@
                     <a:bodyPr/>
                     <a:lstStyle/>
                     <a:p>
-                      <a:pPr latinLnBrk="1"/>
+                      <a:pPr algn="ctr" latinLnBrk="1"/>
                       <a:r>
                         <a:rPr lang="ko-KR" altLang="en-US" sz="1200" b="0" dirty="0" err="1">
                           <a:solidFill>
@@ -3479,6 +3478,16 @@
                     <a:lstStyle/>
                     <a:p>
                       <a:pPr algn="ctr" latinLnBrk="1"/>
+                      <a:r>
+                        <a:rPr lang="en-US" altLang="ko-KR" sz="1200" b="0" dirty="0">
+                          <a:solidFill>
+                            <a:schemeClr val="tx1"/>
+                          </a:solidFill>
+                          <a:latin typeface="맑은 고딕" pitchFamily="50" charset="-127"/>
+                          <a:ea typeface="맑은 고딕" pitchFamily="50" charset="-127"/>
+                        </a:rPr>
+                        <a:t>2017 – 05 – 25</a:t>
+                      </a:r>
                       <a:endParaRPr lang="ko-KR" altLang="en-US" sz="1200" b="0" dirty="0">
                         <a:solidFill>
                           <a:schemeClr val="tx1"/>
@@ -3500,6 +3509,16 @@
                     <a:lstStyle/>
                     <a:p>
                       <a:pPr algn="ctr" latinLnBrk="1"/>
+                      <a:r>
+                        <a:rPr lang="en-US" altLang="ko-KR" sz="1200" b="0" dirty="0">
+                          <a:solidFill>
+                            <a:schemeClr val="tx1"/>
+                          </a:solidFill>
+                          <a:latin typeface="맑은 고딕" pitchFamily="50" charset="-127"/>
+                          <a:ea typeface="맑은 고딕" pitchFamily="50" charset="-127"/>
+                        </a:rPr>
+                        <a:t>Ver 1.0.1.</a:t>
+                      </a:r>
                       <a:endParaRPr lang="ko-KR" altLang="en-US" sz="1200" b="0" dirty="0">
                         <a:solidFill>
                           <a:schemeClr val="tx1"/>
@@ -3520,14 +3539,17 @@
                     <a:bodyPr/>
                     <a:lstStyle/>
                     <a:p>
-                      <a:pPr latinLnBrk="1"/>
-                      <a:endParaRPr lang="ko-KR" altLang="en-US" sz="1200" b="0">
-                        <a:solidFill>
-                          <a:schemeClr val="tx1"/>
-                        </a:solidFill>
-                        <a:latin typeface="맑은 고딕" pitchFamily="50" charset="-127"/>
-                        <a:ea typeface="맑은 고딕" pitchFamily="50" charset="-127"/>
-                      </a:endParaRPr>
+                      <a:pPr algn="ctr" latinLnBrk="1"/>
+                      <a:r>
+                        <a:rPr lang="ko-KR" altLang="en-US" sz="1200" b="0" dirty="0">
+                          <a:solidFill>
+                            <a:schemeClr val="tx1"/>
+                          </a:solidFill>
+                          <a:latin typeface="맑은 고딕" pitchFamily="50" charset="-127"/>
+                          <a:ea typeface="맑은 고딕" pitchFamily="50" charset="-127"/>
+                        </a:rPr>
+                        <a:t>문서 레이아웃 수정</a:t>
+                      </a:r>
                     </a:p>
                   </a:txBody>
                   <a:tcPr anchor="ctr">
@@ -3542,13 +3564,16 @@
                     <a:lstStyle/>
                     <a:p>
                       <a:pPr algn="ctr" latinLnBrk="1"/>
-                      <a:endParaRPr lang="ko-KR" altLang="en-US" sz="1200" b="0" dirty="0">
-                        <a:solidFill>
-                          <a:schemeClr val="tx1"/>
-                        </a:solidFill>
-                        <a:latin typeface="맑은 고딕" pitchFamily="50" charset="-127"/>
-                        <a:ea typeface="맑은 고딕" pitchFamily="50" charset="-127"/>
-                      </a:endParaRPr>
+                      <a:r>
+                        <a:rPr lang="ko-KR" altLang="en-US" sz="1200" b="0" dirty="0">
+                          <a:solidFill>
+                            <a:schemeClr val="tx1"/>
+                          </a:solidFill>
+                          <a:latin typeface="맑은 고딕" pitchFamily="50" charset="-127"/>
+                          <a:ea typeface="맑은 고딕" pitchFamily="50" charset="-127"/>
+                        </a:rPr>
+                        <a:t>임현</a:t>
+                      </a:r>
                     </a:p>
                   </a:txBody>
                   <a:tcPr anchor="ctr">
@@ -3611,8 +3636,8 @@
                     <a:bodyPr/>
                     <a:lstStyle/>
                     <a:p>
-                      <a:pPr latinLnBrk="1"/>
-                      <a:endParaRPr lang="ko-KR" altLang="en-US" sz="1200" b="0">
+                      <a:pPr algn="ctr" latinLnBrk="1"/>
+                      <a:endParaRPr lang="ko-KR" altLang="en-US" sz="1200" b="0" dirty="0">
                         <a:solidFill>
                           <a:schemeClr val="tx1"/>
                         </a:solidFill>
@@ -3702,7 +3727,7 @@
                     <a:bodyPr/>
                     <a:lstStyle/>
                     <a:p>
-                      <a:pPr latinLnBrk="1"/>
+                      <a:pPr algn="ctr" latinLnBrk="1"/>
                       <a:endParaRPr lang="ko-KR" altLang="en-US" sz="1200" b="0" dirty="0">
                         <a:solidFill>
                           <a:schemeClr val="tx1"/>
@@ -3793,7 +3818,7 @@
                     <a:bodyPr/>
                     <a:lstStyle/>
                     <a:p>
-                      <a:pPr latinLnBrk="1"/>
+                      <a:pPr algn="ctr" latinLnBrk="1"/>
                       <a:endParaRPr lang="ko-KR" altLang="en-US" sz="1200" b="0" dirty="0">
                         <a:solidFill>
                           <a:schemeClr val="tx1"/>
@@ -3884,7 +3909,7 @@
                     <a:bodyPr/>
                     <a:lstStyle/>
                     <a:p>
-                      <a:pPr latinLnBrk="1"/>
+                      <a:pPr algn="ctr" latinLnBrk="1"/>
                       <a:endParaRPr lang="ko-KR" altLang="en-US" sz="1200" b="0" dirty="0">
                         <a:solidFill>
                           <a:schemeClr val="tx1"/>
@@ -3975,7 +4000,7 @@
                     <a:bodyPr/>
                     <a:lstStyle/>
                     <a:p>
-                      <a:pPr latinLnBrk="1"/>
+                      <a:pPr algn="ctr" latinLnBrk="1"/>
                       <a:endParaRPr lang="ko-KR" altLang="en-US" sz="1200" b="0" dirty="0">
                         <a:solidFill>
                           <a:schemeClr val="tx1"/>
@@ -4064,8 +4089,8 @@
           <a:p>
             <a:pPr algn="r"/>
             <a:r>
-              <a:rPr lang="ko-KR" altLang="en-US" dirty="0"/>
-              <a:t>팀 명</a:t>
+              <a:rPr lang="en-US" altLang="ko-KR"/>
+              <a:t>Blossom</a:t>
             </a:r>
             <a:endParaRPr lang="en-US" altLang="ko-KR" dirty="0"/>
           </a:p>

--- a/doc/3_ 설계서/Class Design_6_blossom.pptx
+++ b/doc/3_ 설계서/Class Design_6_blossom.pptx
@@ -5,10 +5,10 @@
     <p:sldMasterId id="2147483655" r:id="rId1"/>
   </p:sldMasterIdLst>
   <p:notesMasterIdLst>
-    <p:notesMasterId r:id="rId11"/>
+    <p:notesMasterId r:id="rId13"/>
   </p:notesMasterIdLst>
   <p:handoutMasterIdLst>
-    <p:handoutMasterId r:id="rId12"/>
+    <p:handoutMasterId r:id="rId14"/>
   </p:handoutMasterIdLst>
   <p:sldIdLst>
     <p:sldId id="256" r:id="rId2"/>
@@ -20,6 +20,8 @@
     <p:sldId id="262" r:id="rId8"/>
     <p:sldId id="263" r:id="rId9"/>
     <p:sldId id="264" r:id="rId10"/>
+    <p:sldId id="265" r:id="rId11"/>
+    <p:sldId id="266" r:id="rId12"/>
   </p:sldIdLst>
   <p:sldSz cx="9144000" cy="6858000" type="screen4x3"/>
   <p:notesSz cx="6797675" cy="9928225"/>
@@ -1116,7 +1118,7 @@
           <p:nvPr userDrawn="1">
             <p:extLst>
               <p:ext uri="{D42A27DB-BD31-4B8C-83A1-F6EECF244321}">
-                <p14:modId xmlns:p14="http://schemas.microsoft.com/office/powerpoint/2010/main" val="2977104203"/>
+                <p14:modId xmlns:p14="http://schemas.microsoft.com/office/powerpoint/2010/main" val="2019692976"/>
               </p:ext>
             </p:extLst>
           </p:nvPr>
@@ -1838,7 +1840,7 @@
                           <a:latin typeface="맑은 고딕" pitchFamily="50" charset="-127"/>
                           <a:ea typeface="맑은 고딕" pitchFamily="50" charset="-127"/>
                         </a:rPr>
-                        <a:t>Ver 1.0.2.</a:t>
+                        <a:t>Ver 1.1.0.</a:t>
                       </a:r>
                       <a:endParaRPr kumimoji="1" lang="ko-KR" altLang="ko-KR" sz="900" b="0" i="0" u="none" strike="noStrike" cap="none" normalizeH="0" baseline="0" dirty="0">
                         <a:ln>
@@ -3086,6 +3088,7930 @@
 </p:sld>
 </file>
 
+<file path=ppt/slides/slide10.xml><?xml version="1.0" encoding="utf-8"?>
+<p:sld xmlns:a="http://schemas.openxmlformats.org/drawingml/2006/main" xmlns:r="http://schemas.openxmlformats.org/officeDocument/2006/relationships" xmlns:p="http://schemas.openxmlformats.org/presentationml/2006/main">
+  <p:cSld>
+    <p:spTree>
+      <p:nvGrpSpPr>
+        <p:cNvPr id="1" name=""/>
+        <p:cNvGrpSpPr/>
+        <p:nvPr/>
+      </p:nvGrpSpPr>
+      <p:grpSpPr>
+        <a:xfrm>
+          <a:off x="0" y="0"/>
+          <a:ext cx="0" cy="0"/>
+          <a:chOff x="0" y="0"/>
+          <a:chExt cx="0" cy="0"/>
+        </a:xfrm>
+      </p:grpSpPr>
+      <p:sp>
+        <p:nvSpPr>
+          <p:cNvPr id="2" name="바닥글 개체 틀 1"/>
+          <p:cNvSpPr>
+            <a:spLocks noGrp="1"/>
+          </p:cNvSpPr>
+          <p:nvPr>
+            <p:ph type="ftr" sz="quarter" idx="3"/>
+          </p:nvPr>
+        </p:nvSpPr>
+        <p:spPr/>
+        <p:txBody>
+          <a:bodyPr/>
+          <a:lstStyle/>
+          <a:p>
+            <a:pPr algn="r"/>
+            <a:r>
+              <a:rPr lang="en-US" altLang="ko-KR" dirty="0"/>
+              <a:t>Blossom</a:t>
+            </a:r>
+          </a:p>
+        </p:txBody>
+      </p:sp>
+      <p:graphicFrame>
+        <p:nvGraphicFramePr>
+          <p:cNvPr id="5" name="표 4"/>
+          <p:cNvGraphicFramePr>
+            <a:graphicFrameLocks noGrp="1"/>
+          </p:cNvGraphicFramePr>
+          <p:nvPr>
+            <p:extLst/>
+          </p:nvPr>
+        </p:nvGraphicFramePr>
+        <p:xfrm>
+          <a:off x="121299" y="811958"/>
+          <a:ext cx="8879334" cy="5361584"/>
+        </p:xfrm>
+        <a:graphic>
+          <a:graphicData uri="http://schemas.openxmlformats.org/drawingml/2006/table">
+            <a:tbl>
+              <a:tblPr firstRow="1" bandRow="1">
+                <a:tableStyleId>{5940675A-B579-460E-94D1-54222C63F5DA}</a:tableStyleId>
+              </a:tblPr>
+              <a:tblGrid>
+                <a:gridCol w="1082350">
+                  <a:extLst>
+                    <a:ext uri="{9D8B030D-6E8A-4147-A177-3AD203B41FA5}">
+                      <a16:colId xmlns:a16="http://schemas.microsoft.com/office/drawing/2014/main" val="3168376025"/>
+                    </a:ext>
+                  </a:extLst>
+                </a:gridCol>
+                <a:gridCol w="1237561">
+                  <a:extLst>
+                    <a:ext uri="{9D8B030D-6E8A-4147-A177-3AD203B41FA5}">
+                      <a16:colId xmlns:a16="http://schemas.microsoft.com/office/drawing/2014/main" val="3972999339"/>
+                    </a:ext>
+                  </a:extLst>
+                </a:gridCol>
+                <a:gridCol w="2373386">
+                  <a:extLst>
+                    <a:ext uri="{9D8B030D-6E8A-4147-A177-3AD203B41FA5}">
+                      <a16:colId xmlns:a16="http://schemas.microsoft.com/office/drawing/2014/main" val="1387915097"/>
+                    </a:ext>
+                  </a:extLst>
+                </a:gridCol>
+                <a:gridCol w="1670180">
+                  <a:extLst>
+                    <a:ext uri="{9D8B030D-6E8A-4147-A177-3AD203B41FA5}">
+                      <a16:colId xmlns:a16="http://schemas.microsoft.com/office/drawing/2014/main" val="1509115090"/>
+                    </a:ext>
+                  </a:extLst>
+                </a:gridCol>
+                <a:gridCol w="2515857">
+                  <a:extLst>
+                    <a:ext uri="{9D8B030D-6E8A-4147-A177-3AD203B41FA5}">
+                      <a16:colId xmlns:a16="http://schemas.microsoft.com/office/drawing/2014/main" val="1770252170"/>
+                    </a:ext>
+                  </a:extLst>
+                </a:gridCol>
+              </a:tblGrid>
+              <a:tr h="237264">
+                <a:tc gridSpan="2">
+                  <a:txBody>
+                    <a:bodyPr/>
+                    <a:lstStyle/>
+                    <a:p>
+                      <a:pPr algn="ctr" latinLnBrk="1"/>
+                      <a:r>
+                        <a:rPr lang="ko-KR" altLang="en-US" sz="1600" dirty="0"/>
+                        <a:t>클래스명</a:t>
+                      </a:r>
+                    </a:p>
+                  </a:txBody>
+                  <a:tcPr marL="89354" marR="89354" marT="44677" marB="44677" anchor="ctr">
+                    <a:lnL w="3175" cap="flat" cmpd="sng" algn="ctr">
+                      <a:solidFill>
+                        <a:schemeClr val="tx1"/>
+                      </a:solidFill>
+                      <a:prstDash val="lgDash"/>
+                      <a:round/>
+                      <a:headEnd type="none" w="med" len="med"/>
+                      <a:tailEnd type="none" w="med" len="med"/>
+                    </a:lnL>
+                    <a:lnR w="3175" cap="flat" cmpd="sng" algn="ctr">
+                      <a:solidFill>
+                        <a:schemeClr val="tx1"/>
+                      </a:solidFill>
+                      <a:prstDash val="lgDash"/>
+                      <a:round/>
+                      <a:headEnd type="none" w="med" len="med"/>
+                      <a:tailEnd type="none" w="med" len="med"/>
+                    </a:lnR>
+                    <a:lnT w="38100" cap="flat" cmpd="sng" algn="ctr">
+                      <a:solidFill>
+                        <a:schemeClr val="accent1"/>
+                      </a:solidFill>
+                      <a:prstDash val="solid"/>
+                      <a:round/>
+                      <a:headEnd type="none" w="med" len="med"/>
+                      <a:tailEnd type="none" w="med" len="med"/>
+                    </a:lnT>
+                    <a:lnB w="3175" cap="flat" cmpd="sng" algn="ctr">
+                      <a:solidFill>
+                        <a:schemeClr val="tx1"/>
+                      </a:solidFill>
+                      <a:prstDash val="lgDash"/>
+                      <a:round/>
+                      <a:headEnd type="none" w="med" len="med"/>
+                      <a:tailEnd type="none" w="med" len="med"/>
+                    </a:lnB>
+                    <a:lnTlToBr w="12700" cmpd="sng">
+                      <a:noFill/>
+                      <a:prstDash val="solid"/>
+                    </a:lnTlToBr>
+                    <a:lnBlToTr w="12700" cmpd="sng">
+                      <a:noFill/>
+                      <a:prstDash val="solid"/>
+                    </a:lnBlToTr>
+                  </a:tcPr>
+                </a:tc>
+                <a:tc hMerge="1">
+                  <a:txBody>
+                    <a:bodyPr/>
+                    <a:lstStyle/>
+                    <a:p>
+                      <a:pPr latinLnBrk="1"/>
+                      <a:endParaRPr lang="ko-KR" altLang="en-US" sz="1800" dirty="0"/>
+                    </a:p>
+                  </a:txBody>
+                  <a:tcPr marL="89354" marR="89354" marT="44677" marB="44677"/>
+                </a:tc>
+                <a:tc gridSpan="3">
+                  <a:txBody>
+                    <a:bodyPr/>
+                    <a:lstStyle/>
+                    <a:p>
+                      <a:pPr latinLnBrk="1"/>
+                      <a:r>
+                        <a:rPr lang="en-US" altLang="ko-KR" sz="1600" dirty="0" err="1"/>
+                        <a:t>RegistUser</a:t>
+                      </a:r>
+                      <a:r>
+                        <a:rPr lang="en-US" altLang="ko-KR" sz="1600" dirty="0"/>
+                        <a:t> (1)</a:t>
+                      </a:r>
+                      <a:endParaRPr lang="ko-KR" altLang="en-US" sz="1600" dirty="0"/>
+                    </a:p>
+                  </a:txBody>
+                  <a:tcPr marL="89354" marR="89354" marT="44677" marB="44677" anchor="ctr">
+                    <a:lnL w="3175" cap="flat" cmpd="sng" algn="ctr">
+                      <a:solidFill>
+                        <a:schemeClr val="tx1"/>
+                      </a:solidFill>
+                      <a:prstDash val="lgDash"/>
+                      <a:round/>
+                      <a:headEnd type="none" w="med" len="med"/>
+                      <a:tailEnd type="none" w="med" len="med"/>
+                    </a:lnL>
+                    <a:lnR w="3175" cap="flat" cmpd="sng" algn="ctr">
+                      <a:noFill/>
+                      <a:prstDash val="lgDash"/>
+                      <a:round/>
+                      <a:headEnd type="none" w="med" len="med"/>
+                      <a:tailEnd type="none" w="med" len="med"/>
+                    </a:lnR>
+                    <a:lnT w="38100" cap="flat" cmpd="sng" algn="ctr">
+                      <a:solidFill>
+                        <a:schemeClr val="accent1"/>
+                      </a:solidFill>
+                      <a:prstDash val="solid"/>
+                      <a:round/>
+                      <a:headEnd type="none" w="med" len="med"/>
+                      <a:tailEnd type="none" w="med" len="med"/>
+                    </a:lnT>
+                    <a:lnB w="3175" cap="flat" cmpd="sng" algn="ctr">
+                      <a:solidFill>
+                        <a:schemeClr val="tx1"/>
+                      </a:solidFill>
+                      <a:prstDash val="lgDash"/>
+                      <a:round/>
+                      <a:headEnd type="none" w="med" len="med"/>
+                      <a:tailEnd type="none" w="med" len="med"/>
+                    </a:lnB>
+                    <a:lnTlToBr w="12700" cmpd="sng">
+                      <a:noFill/>
+                      <a:prstDash val="solid"/>
+                    </a:lnTlToBr>
+                    <a:lnBlToTr w="12700" cmpd="sng">
+                      <a:noFill/>
+                      <a:prstDash val="solid"/>
+                    </a:lnBlToTr>
+                  </a:tcPr>
+                </a:tc>
+                <a:tc hMerge="1">
+                  <a:txBody>
+                    <a:bodyPr/>
+                    <a:lstStyle/>
+                    <a:p>
+                      <a:pPr latinLnBrk="1"/>
+                      <a:endParaRPr lang="ko-KR" altLang="en-US" sz="1800" dirty="0"/>
+                    </a:p>
+                  </a:txBody>
+                  <a:tcPr marL="89354" marR="89354" marT="44677" marB="44677" anchor="ctr">
+                    <a:lnL w="3175" cap="flat" cmpd="sng" algn="ctr">
+                      <a:noFill/>
+                      <a:prstDash val="lgDash"/>
+                      <a:round/>
+                      <a:headEnd type="none" w="med" len="med"/>
+                      <a:tailEnd type="none" w="med" len="med"/>
+                    </a:lnL>
+                    <a:lnR w="3175" cap="flat" cmpd="sng" algn="ctr">
+                      <a:solidFill>
+                        <a:schemeClr val="tx1"/>
+                      </a:solidFill>
+                      <a:prstDash val="lgDash"/>
+                      <a:round/>
+                      <a:headEnd type="none" w="med" len="med"/>
+                      <a:tailEnd type="none" w="med" len="med"/>
+                    </a:lnR>
+                    <a:lnT w="38100" cap="flat" cmpd="sng" algn="ctr">
+                      <a:solidFill>
+                        <a:schemeClr val="accent1"/>
+                      </a:solidFill>
+                      <a:prstDash val="solid"/>
+                      <a:round/>
+                      <a:headEnd type="none" w="med" len="med"/>
+                      <a:tailEnd type="none" w="med" len="med"/>
+                    </a:lnT>
+                    <a:lnB w="3175" cap="flat" cmpd="sng" algn="ctr">
+                      <a:solidFill>
+                        <a:schemeClr val="tx1"/>
+                      </a:solidFill>
+                      <a:prstDash val="lgDash"/>
+                      <a:round/>
+                      <a:headEnd type="none" w="med" len="med"/>
+                      <a:tailEnd type="none" w="med" len="med"/>
+                    </a:lnB>
+                    <a:lnTlToBr w="12700" cmpd="sng">
+                      <a:noFill/>
+                      <a:prstDash val="solid"/>
+                    </a:lnTlToBr>
+                    <a:lnBlToTr w="12700" cmpd="sng">
+                      <a:noFill/>
+                      <a:prstDash val="solid"/>
+                    </a:lnBlToTr>
+                  </a:tcPr>
+                </a:tc>
+                <a:tc hMerge="1">
+                  <a:txBody>
+                    <a:bodyPr/>
+                    <a:lstStyle/>
+                    <a:p>
+                      <a:pPr latinLnBrk="1"/>
+                      <a:endParaRPr lang="ko-KR" altLang="en-US" sz="1800" dirty="0"/>
+                    </a:p>
+                  </a:txBody>
+                  <a:tcPr marL="89354" marR="89354" marT="44677" marB="44677" anchor="ctr">
+                    <a:lnL w="3175" cap="flat" cmpd="sng" algn="ctr">
+                      <a:solidFill>
+                        <a:schemeClr val="tx1"/>
+                      </a:solidFill>
+                      <a:prstDash val="lgDash"/>
+                      <a:round/>
+                      <a:headEnd type="none" w="med" len="med"/>
+                      <a:tailEnd type="none" w="med" len="med"/>
+                    </a:lnL>
+                    <a:lnR w="12700" cmpd="sng">
+                      <a:noFill/>
+                    </a:lnR>
+                    <a:lnT w="38100" cap="flat" cmpd="sng" algn="ctr">
+                      <a:solidFill>
+                        <a:schemeClr val="accent1"/>
+                      </a:solidFill>
+                      <a:prstDash val="solid"/>
+                      <a:round/>
+                      <a:headEnd type="none" w="med" len="med"/>
+                      <a:tailEnd type="none" w="med" len="med"/>
+                    </a:lnT>
+                    <a:lnB w="3175" cap="flat" cmpd="sng" algn="ctr">
+                      <a:solidFill>
+                        <a:schemeClr val="tx1"/>
+                      </a:solidFill>
+                      <a:prstDash val="lgDash"/>
+                      <a:round/>
+                      <a:headEnd type="none" w="med" len="med"/>
+                      <a:tailEnd type="none" w="med" len="med"/>
+                    </a:lnB>
+                    <a:lnTlToBr w="12700" cmpd="sng">
+                      <a:noFill/>
+                      <a:prstDash val="solid"/>
+                    </a:lnTlToBr>
+                    <a:lnBlToTr w="12700" cmpd="sng">
+                      <a:noFill/>
+                      <a:prstDash val="solid"/>
+                    </a:lnBlToTr>
+                  </a:tcPr>
+                </a:tc>
+                <a:extLst>
+                  <a:ext uri="{0D108BD9-81ED-4DB2-BD59-A6C34878D82A}">
+                    <a16:rowId xmlns:a16="http://schemas.microsoft.com/office/drawing/2014/main" val="2580935315"/>
+                  </a:ext>
+                </a:extLst>
+              </a:tr>
+              <a:tr h="237264">
+                <a:tc gridSpan="2">
+                  <a:txBody>
+                    <a:bodyPr/>
+                    <a:lstStyle/>
+                    <a:p>
+                      <a:pPr algn="ctr" latinLnBrk="1"/>
+                      <a:r>
+                        <a:rPr lang="ko-KR" altLang="en-US" sz="1600" dirty="0"/>
+                        <a:t>클래스 개요</a:t>
+                      </a:r>
+                    </a:p>
+                  </a:txBody>
+                  <a:tcPr marL="89354" marR="89354" marT="44677" marB="44677" anchor="ctr">
+                    <a:lnL w="3175" cap="flat" cmpd="sng" algn="ctr">
+                      <a:solidFill>
+                        <a:schemeClr val="tx1"/>
+                      </a:solidFill>
+                      <a:prstDash val="lgDash"/>
+                      <a:round/>
+                      <a:headEnd type="none" w="med" len="med"/>
+                      <a:tailEnd type="none" w="med" len="med"/>
+                    </a:lnL>
+                    <a:lnR w="3175" cap="flat" cmpd="sng" algn="ctr">
+                      <a:solidFill>
+                        <a:schemeClr val="tx1"/>
+                      </a:solidFill>
+                      <a:prstDash val="lgDash"/>
+                      <a:round/>
+                      <a:headEnd type="none" w="med" len="med"/>
+                      <a:tailEnd type="none" w="med" len="med"/>
+                    </a:lnR>
+                    <a:lnT w="3175" cap="flat" cmpd="sng" algn="ctr">
+                      <a:solidFill>
+                        <a:schemeClr val="tx1"/>
+                      </a:solidFill>
+                      <a:prstDash val="lgDash"/>
+                      <a:round/>
+                      <a:headEnd type="none" w="med" len="med"/>
+                      <a:tailEnd type="none" w="med" len="med"/>
+                    </a:lnT>
+                    <a:lnB w="3175" cap="flat" cmpd="sng" algn="ctr">
+                      <a:solidFill>
+                        <a:schemeClr val="tx1"/>
+                      </a:solidFill>
+                      <a:prstDash val="lgDash"/>
+                      <a:round/>
+                      <a:headEnd type="none" w="med" len="med"/>
+                      <a:tailEnd type="none" w="med" len="med"/>
+                    </a:lnB>
+                    <a:lnTlToBr w="12700" cmpd="sng">
+                      <a:noFill/>
+                      <a:prstDash val="solid"/>
+                    </a:lnTlToBr>
+                    <a:lnBlToTr w="12700" cmpd="sng">
+                      <a:noFill/>
+                      <a:prstDash val="solid"/>
+                    </a:lnBlToTr>
+                  </a:tcPr>
+                </a:tc>
+                <a:tc hMerge="1">
+                  <a:txBody>
+                    <a:bodyPr/>
+                    <a:lstStyle/>
+                    <a:p>
+                      <a:pPr latinLnBrk="1"/>
+                      <a:endParaRPr lang="ko-KR" altLang="en-US" sz="1800" dirty="0"/>
+                    </a:p>
+                  </a:txBody>
+                  <a:tcPr marL="89354" marR="89354" marT="44677" marB="44677"/>
+                </a:tc>
+                <a:tc gridSpan="3">
+                  <a:txBody>
+                    <a:bodyPr/>
+                    <a:lstStyle/>
+                    <a:p>
+                      <a:pPr latinLnBrk="1"/>
+                      <a:r>
+                        <a:rPr lang="ko-KR" altLang="en-US" sz="1600" dirty="0"/>
+                        <a:t>회원 가입 클래스</a:t>
+                      </a:r>
+                    </a:p>
+                  </a:txBody>
+                  <a:tcPr marL="89354" marR="89354" marT="44677" marB="44677" anchor="ctr">
+                    <a:lnL w="3175" cap="flat" cmpd="sng" algn="ctr">
+                      <a:solidFill>
+                        <a:schemeClr val="tx1"/>
+                      </a:solidFill>
+                      <a:prstDash val="lgDash"/>
+                      <a:round/>
+                      <a:headEnd type="none" w="med" len="med"/>
+                      <a:tailEnd type="none" w="med" len="med"/>
+                    </a:lnL>
+                    <a:lnR w="3175" cap="flat" cmpd="sng" algn="ctr">
+                      <a:noFill/>
+                      <a:prstDash val="lgDash"/>
+                      <a:round/>
+                      <a:headEnd type="none" w="med" len="med"/>
+                      <a:tailEnd type="none" w="med" len="med"/>
+                    </a:lnR>
+                    <a:lnT w="3175" cap="flat" cmpd="sng" algn="ctr">
+                      <a:solidFill>
+                        <a:schemeClr val="tx1"/>
+                      </a:solidFill>
+                      <a:prstDash val="lgDash"/>
+                      <a:round/>
+                      <a:headEnd type="none" w="med" len="med"/>
+                      <a:tailEnd type="none" w="med" len="med"/>
+                    </a:lnT>
+                    <a:lnB w="3175" cap="flat" cmpd="sng" algn="ctr">
+                      <a:solidFill>
+                        <a:schemeClr val="tx1"/>
+                      </a:solidFill>
+                      <a:prstDash val="lgDash"/>
+                      <a:round/>
+                      <a:headEnd type="none" w="med" len="med"/>
+                      <a:tailEnd type="none" w="med" len="med"/>
+                    </a:lnB>
+                    <a:lnTlToBr w="12700" cmpd="sng">
+                      <a:noFill/>
+                      <a:prstDash val="solid"/>
+                    </a:lnTlToBr>
+                    <a:lnBlToTr w="12700" cmpd="sng">
+                      <a:noFill/>
+                      <a:prstDash val="solid"/>
+                    </a:lnBlToTr>
+                  </a:tcPr>
+                </a:tc>
+                <a:tc hMerge="1">
+                  <a:txBody>
+                    <a:bodyPr/>
+                    <a:lstStyle/>
+                    <a:p>
+                      <a:pPr latinLnBrk="1"/>
+                      <a:endParaRPr lang="ko-KR" altLang="en-US" sz="1800" dirty="0"/>
+                    </a:p>
+                  </a:txBody>
+                  <a:tcPr marL="89354" marR="89354" marT="44677" marB="44677" anchor="ctr">
+                    <a:lnL w="3175" cap="flat" cmpd="sng" algn="ctr">
+                      <a:noFill/>
+                      <a:prstDash val="lgDash"/>
+                      <a:round/>
+                      <a:headEnd type="none" w="med" len="med"/>
+                      <a:tailEnd type="none" w="med" len="med"/>
+                    </a:lnL>
+                    <a:lnR w="3175" cap="flat" cmpd="sng" algn="ctr">
+                      <a:solidFill>
+                        <a:schemeClr val="tx1"/>
+                      </a:solidFill>
+                      <a:prstDash val="lgDash"/>
+                      <a:round/>
+                      <a:headEnd type="none" w="med" len="med"/>
+                      <a:tailEnd type="none" w="med" len="med"/>
+                    </a:lnR>
+                    <a:lnT w="3175" cap="flat" cmpd="sng" algn="ctr">
+                      <a:solidFill>
+                        <a:schemeClr val="tx1"/>
+                      </a:solidFill>
+                      <a:prstDash val="lgDash"/>
+                      <a:round/>
+                      <a:headEnd type="none" w="med" len="med"/>
+                      <a:tailEnd type="none" w="med" len="med"/>
+                    </a:lnT>
+                    <a:lnB w="3175" cap="flat" cmpd="sng" algn="ctr">
+                      <a:solidFill>
+                        <a:schemeClr val="tx1"/>
+                      </a:solidFill>
+                      <a:prstDash val="lgDash"/>
+                      <a:round/>
+                      <a:headEnd type="none" w="med" len="med"/>
+                      <a:tailEnd type="none" w="med" len="med"/>
+                    </a:lnB>
+                    <a:lnTlToBr w="12700" cmpd="sng">
+                      <a:noFill/>
+                      <a:prstDash val="solid"/>
+                    </a:lnTlToBr>
+                    <a:lnBlToTr w="12700" cmpd="sng">
+                      <a:noFill/>
+                      <a:prstDash val="solid"/>
+                    </a:lnBlToTr>
+                  </a:tcPr>
+                </a:tc>
+                <a:tc hMerge="1">
+                  <a:txBody>
+                    <a:bodyPr/>
+                    <a:lstStyle/>
+                    <a:p>
+                      <a:pPr latinLnBrk="1"/>
+                      <a:endParaRPr lang="ko-KR" altLang="en-US" sz="1800" dirty="0"/>
+                    </a:p>
+                  </a:txBody>
+                  <a:tcPr marL="89354" marR="89354" marT="44677" marB="44677" anchor="ctr">
+                    <a:lnL w="3175" cap="flat" cmpd="sng" algn="ctr">
+                      <a:solidFill>
+                        <a:schemeClr val="tx1"/>
+                      </a:solidFill>
+                      <a:prstDash val="lgDash"/>
+                      <a:round/>
+                      <a:headEnd type="none" w="med" len="med"/>
+                      <a:tailEnd type="none" w="med" len="med"/>
+                    </a:lnL>
+                    <a:lnR w="12700" cmpd="sng">
+                      <a:noFill/>
+                    </a:lnR>
+                    <a:lnT w="3175" cap="flat" cmpd="sng" algn="ctr">
+                      <a:solidFill>
+                        <a:schemeClr val="tx1"/>
+                      </a:solidFill>
+                      <a:prstDash val="lgDash"/>
+                      <a:round/>
+                      <a:headEnd type="none" w="med" len="med"/>
+                      <a:tailEnd type="none" w="med" len="med"/>
+                    </a:lnT>
+                    <a:lnB w="3175" cap="flat" cmpd="sng" algn="ctr">
+                      <a:solidFill>
+                        <a:schemeClr val="tx1"/>
+                      </a:solidFill>
+                      <a:prstDash val="lgDash"/>
+                      <a:round/>
+                      <a:headEnd type="none" w="med" len="med"/>
+                      <a:tailEnd type="none" w="med" len="med"/>
+                    </a:lnB>
+                    <a:lnTlToBr w="12700" cmpd="sng">
+                      <a:noFill/>
+                      <a:prstDash val="solid"/>
+                    </a:lnTlToBr>
+                    <a:lnBlToTr w="12700" cmpd="sng">
+                      <a:noFill/>
+                      <a:prstDash val="solid"/>
+                    </a:lnBlToTr>
+                  </a:tcPr>
+                </a:tc>
+                <a:extLst>
+                  <a:ext uri="{0D108BD9-81ED-4DB2-BD59-A6C34878D82A}">
+                    <a16:rowId xmlns:a16="http://schemas.microsoft.com/office/drawing/2014/main" val="911871230"/>
+                  </a:ext>
+                </a:extLst>
+              </a:tr>
+              <a:tr h="237264">
+                <a:tc gridSpan="2">
+                  <a:txBody>
+                    <a:bodyPr/>
+                    <a:lstStyle/>
+                    <a:p>
+                      <a:pPr algn="ctr" latinLnBrk="1"/>
+                      <a:r>
+                        <a:rPr lang="en-US" altLang="ko-KR" sz="1600" dirty="0"/>
+                        <a:t>Stereotype</a:t>
+                      </a:r>
+                      <a:endParaRPr lang="ko-KR" altLang="en-US" sz="1600" dirty="0"/>
+                    </a:p>
+                  </a:txBody>
+                  <a:tcPr marL="89354" marR="89354" marT="44677" marB="44677" anchor="ctr">
+                    <a:lnL w="3175" cap="flat" cmpd="sng" algn="ctr">
+                      <a:solidFill>
+                        <a:schemeClr val="tx1"/>
+                      </a:solidFill>
+                      <a:prstDash val="lgDash"/>
+                      <a:round/>
+                      <a:headEnd type="none" w="med" len="med"/>
+                      <a:tailEnd type="none" w="med" len="med"/>
+                    </a:lnL>
+                    <a:lnR w="3175" cap="flat" cmpd="sng" algn="ctr">
+                      <a:solidFill>
+                        <a:schemeClr val="tx1"/>
+                      </a:solidFill>
+                      <a:prstDash val="lgDash"/>
+                      <a:round/>
+                      <a:headEnd type="none" w="med" len="med"/>
+                      <a:tailEnd type="none" w="med" len="med"/>
+                    </a:lnR>
+                    <a:lnT w="3175" cap="flat" cmpd="sng" algn="ctr">
+                      <a:solidFill>
+                        <a:schemeClr val="tx1"/>
+                      </a:solidFill>
+                      <a:prstDash val="lgDash"/>
+                      <a:round/>
+                      <a:headEnd type="none" w="med" len="med"/>
+                      <a:tailEnd type="none" w="med" len="med"/>
+                    </a:lnT>
+                    <a:lnB w="3175" cap="flat" cmpd="sng" algn="ctr">
+                      <a:solidFill>
+                        <a:schemeClr val="tx1"/>
+                      </a:solidFill>
+                      <a:prstDash val="lgDash"/>
+                      <a:round/>
+                      <a:headEnd type="none" w="med" len="med"/>
+                      <a:tailEnd type="none" w="med" len="med"/>
+                    </a:lnB>
+                    <a:lnTlToBr w="12700" cmpd="sng">
+                      <a:noFill/>
+                      <a:prstDash val="solid"/>
+                    </a:lnTlToBr>
+                    <a:lnBlToTr w="12700" cmpd="sng">
+                      <a:noFill/>
+                      <a:prstDash val="solid"/>
+                    </a:lnBlToTr>
+                  </a:tcPr>
+                </a:tc>
+                <a:tc hMerge="1">
+                  <a:txBody>
+                    <a:bodyPr/>
+                    <a:lstStyle/>
+                    <a:p>
+                      <a:pPr latinLnBrk="1"/>
+                      <a:endParaRPr lang="ko-KR" altLang="en-US" sz="1800" dirty="0"/>
+                    </a:p>
+                  </a:txBody>
+                  <a:tcPr marL="89354" marR="89354" marT="44677" marB="44677"/>
+                </a:tc>
+                <a:tc gridSpan="3">
+                  <a:txBody>
+                    <a:bodyPr/>
+                    <a:lstStyle/>
+                    <a:p>
+                      <a:pPr latinLnBrk="1"/>
+                      <a:r>
+                        <a:rPr lang="en-US" altLang="ko-KR" sz="1600" dirty="0"/>
+                        <a:t>Boundary</a:t>
+                      </a:r>
+                      <a:endParaRPr lang="ko-KR" altLang="en-US" sz="1600" dirty="0"/>
+                    </a:p>
+                  </a:txBody>
+                  <a:tcPr marL="89354" marR="89354" marT="44677" marB="44677" anchor="ctr">
+                    <a:lnL w="3175" cap="flat" cmpd="sng" algn="ctr">
+                      <a:solidFill>
+                        <a:schemeClr val="tx1"/>
+                      </a:solidFill>
+                      <a:prstDash val="lgDash"/>
+                      <a:round/>
+                      <a:headEnd type="none" w="med" len="med"/>
+                      <a:tailEnd type="none" w="med" len="med"/>
+                    </a:lnL>
+                    <a:lnR w="3175" cap="flat" cmpd="sng" algn="ctr">
+                      <a:noFill/>
+                      <a:prstDash val="lgDash"/>
+                      <a:round/>
+                      <a:headEnd type="none" w="med" len="med"/>
+                      <a:tailEnd type="none" w="med" len="med"/>
+                    </a:lnR>
+                    <a:lnT w="3175" cap="flat" cmpd="sng" algn="ctr">
+                      <a:solidFill>
+                        <a:schemeClr val="tx1"/>
+                      </a:solidFill>
+                      <a:prstDash val="lgDash"/>
+                      <a:round/>
+                      <a:headEnd type="none" w="med" len="med"/>
+                      <a:tailEnd type="none" w="med" len="med"/>
+                    </a:lnT>
+                    <a:lnB w="38100" cap="flat" cmpd="sng" algn="ctr">
+                      <a:solidFill>
+                        <a:schemeClr val="accent1"/>
+                      </a:solidFill>
+                      <a:prstDash val="solid"/>
+                      <a:round/>
+                      <a:headEnd type="none" w="med" len="med"/>
+                      <a:tailEnd type="none" w="med" len="med"/>
+                    </a:lnB>
+                    <a:lnTlToBr w="12700" cmpd="sng">
+                      <a:noFill/>
+                      <a:prstDash val="solid"/>
+                    </a:lnTlToBr>
+                    <a:lnBlToTr w="12700" cmpd="sng">
+                      <a:noFill/>
+                      <a:prstDash val="solid"/>
+                    </a:lnBlToTr>
+                  </a:tcPr>
+                </a:tc>
+                <a:tc hMerge="1">
+                  <a:txBody>
+                    <a:bodyPr/>
+                    <a:lstStyle/>
+                    <a:p>
+                      <a:pPr latinLnBrk="1"/>
+                      <a:endParaRPr lang="ko-KR" altLang="en-US" sz="1800" dirty="0"/>
+                    </a:p>
+                  </a:txBody>
+                  <a:tcPr marL="89354" marR="89354" marT="44677" marB="44677" anchor="ctr">
+                    <a:lnL w="3175" cap="flat" cmpd="sng" algn="ctr">
+                      <a:noFill/>
+                      <a:prstDash val="lgDash"/>
+                      <a:round/>
+                      <a:headEnd type="none" w="med" len="med"/>
+                      <a:tailEnd type="none" w="med" len="med"/>
+                    </a:lnL>
+                    <a:lnR w="3175" cap="flat" cmpd="sng" algn="ctr">
+                      <a:solidFill>
+                        <a:schemeClr val="tx1"/>
+                      </a:solidFill>
+                      <a:prstDash val="lgDash"/>
+                      <a:round/>
+                      <a:headEnd type="none" w="med" len="med"/>
+                      <a:tailEnd type="none" w="med" len="med"/>
+                    </a:lnR>
+                    <a:lnT w="3175" cap="flat" cmpd="sng" algn="ctr">
+                      <a:solidFill>
+                        <a:schemeClr val="tx1"/>
+                      </a:solidFill>
+                      <a:prstDash val="lgDash"/>
+                      <a:round/>
+                      <a:headEnd type="none" w="med" len="med"/>
+                      <a:tailEnd type="none" w="med" len="med"/>
+                    </a:lnT>
+                    <a:lnB w="38100" cap="flat" cmpd="sng" algn="ctr">
+                      <a:solidFill>
+                        <a:schemeClr val="accent1"/>
+                      </a:solidFill>
+                      <a:prstDash val="solid"/>
+                      <a:round/>
+                      <a:headEnd type="none" w="med" len="med"/>
+                      <a:tailEnd type="none" w="med" len="med"/>
+                    </a:lnB>
+                    <a:lnTlToBr w="12700" cmpd="sng">
+                      <a:noFill/>
+                      <a:prstDash val="solid"/>
+                    </a:lnTlToBr>
+                    <a:lnBlToTr w="12700" cmpd="sng">
+                      <a:noFill/>
+                      <a:prstDash val="solid"/>
+                    </a:lnBlToTr>
+                  </a:tcPr>
+                </a:tc>
+                <a:tc hMerge="1">
+                  <a:txBody>
+                    <a:bodyPr/>
+                    <a:lstStyle/>
+                    <a:p>
+                      <a:pPr latinLnBrk="1"/>
+                      <a:endParaRPr lang="ko-KR" altLang="en-US" sz="1800" dirty="0"/>
+                    </a:p>
+                  </a:txBody>
+                  <a:tcPr marL="89354" marR="89354" marT="44677" marB="44677" anchor="ctr">
+                    <a:lnL w="3175" cap="flat" cmpd="sng" algn="ctr">
+                      <a:solidFill>
+                        <a:schemeClr val="tx1"/>
+                      </a:solidFill>
+                      <a:prstDash val="lgDash"/>
+                      <a:round/>
+                      <a:headEnd type="none" w="med" len="med"/>
+                      <a:tailEnd type="none" w="med" len="med"/>
+                    </a:lnL>
+                    <a:lnR w="12700" cmpd="sng">
+                      <a:noFill/>
+                    </a:lnR>
+                    <a:lnT w="3175" cap="flat" cmpd="sng" algn="ctr">
+                      <a:solidFill>
+                        <a:schemeClr val="tx1"/>
+                      </a:solidFill>
+                      <a:prstDash val="lgDash"/>
+                      <a:round/>
+                      <a:headEnd type="none" w="med" len="med"/>
+                      <a:tailEnd type="none" w="med" len="med"/>
+                    </a:lnT>
+                    <a:lnB w="38100" cap="flat" cmpd="sng" algn="ctr">
+                      <a:solidFill>
+                        <a:schemeClr val="accent1"/>
+                      </a:solidFill>
+                      <a:prstDash val="solid"/>
+                      <a:round/>
+                      <a:headEnd type="none" w="med" len="med"/>
+                      <a:tailEnd type="none" w="med" len="med"/>
+                    </a:lnB>
+                    <a:lnTlToBr w="12700" cmpd="sng">
+                      <a:noFill/>
+                      <a:prstDash val="solid"/>
+                    </a:lnTlToBr>
+                    <a:lnBlToTr w="12700" cmpd="sng">
+                      <a:noFill/>
+                      <a:prstDash val="solid"/>
+                    </a:lnBlToTr>
+                  </a:tcPr>
+                </a:tc>
+                <a:extLst>
+                  <a:ext uri="{0D108BD9-81ED-4DB2-BD59-A6C34878D82A}">
+                    <a16:rowId xmlns:a16="http://schemas.microsoft.com/office/drawing/2014/main" val="2596430327"/>
+                  </a:ext>
+                </a:extLst>
+              </a:tr>
+              <a:tr h="237264">
+                <a:tc rowSpan="13">
+                  <a:txBody>
+                    <a:bodyPr/>
+                    <a:lstStyle/>
+                    <a:p>
+                      <a:pPr algn="ctr" latinLnBrk="1"/>
+                      <a:r>
+                        <a:rPr lang="en-US" altLang="ko-KR" sz="1600" dirty="0"/>
+                        <a:t>Public</a:t>
+                      </a:r>
+                    </a:p>
+                    <a:p>
+                      <a:pPr algn="ctr" latinLnBrk="1"/>
+                      <a:r>
+                        <a:rPr lang="en-US" altLang="ko-KR" sz="1600" dirty="0"/>
+                        <a:t>Interface</a:t>
+                      </a:r>
+                      <a:endParaRPr lang="ko-KR" altLang="en-US" sz="1600" dirty="0"/>
+                    </a:p>
+                  </a:txBody>
+                  <a:tcPr marL="89354" marR="89354" marT="44677" marB="44677" anchor="ctr">
+                    <a:lnL w="3175" cap="flat" cmpd="sng" algn="ctr">
+                      <a:solidFill>
+                        <a:schemeClr val="tx1"/>
+                      </a:solidFill>
+                      <a:prstDash val="lgDash"/>
+                      <a:round/>
+                      <a:headEnd type="none" w="med" len="med"/>
+                      <a:tailEnd type="none" w="med" len="med"/>
+                    </a:lnL>
+                    <a:lnR w="3175" cap="flat" cmpd="sng" algn="ctr">
+                      <a:solidFill>
+                        <a:schemeClr val="tx1"/>
+                      </a:solidFill>
+                      <a:prstDash val="lgDash"/>
+                      <a:round/>
+                      <a:headEnd type="none" w="med" len="med"/>
+                      <a:tailEnd type="none" w="med" len="med"/>
+                    </a:lnR>
+                    <a:lnT w="3175" cap="flat" cmpd="sng" algn="ctr">
+                      <a:solidFill>
+                        <a:schemeClr val="tx1"/>
+                      </a:solidFill>
+                      <a:prstDash val="lgDash"/>
+                      <a:round/>
+                      <a:headEnd type="none" w="med" len="med"/>
+                      <a:tailEnd type="none" w="med" len="med"/>
+                    </a:lnT>
+                    <a:lnB w="38100" cap="flat" cmpd="sng" algn="ctr">
+                      <a:solidFill>
+                        <a:schemeClr val="accent1"/>
+                      </a:solidFill>
+                      <a:prstDash val="solid"/>
+                      <a:round/>
+                      <a:headEnd type="none" w="med" len="med"/>
+                      <a:tailEnd type="none" w="med" len="med"/>
+                    </a:lnB>
+                    <a:lnTlToBr w="12700" cmpd="sng">
+                      <a:noFill/>
+                      <a:prstDash val="solid"/>
+                    </a:lnTlToBr>
+                    <a:lnBlToTr w="12700" cmpd="sng">
+                      <a:noFill/>
+                      <a:prstDash val="solid"/>
+                    </a:lnBlToTr>
+                  </a:tcPr>
+                </a:tc>
+                <a:tc rowSpan="3">
+                  <a:txBody>
+                    <a:bodyPr/>
+                    <a:lstStyle/>
+                    <a:p>
+                      <a:pPr algn="ctr" latinLnBrk="1"/>
+                      <a:r>
+                        <a:rPr lang="en-US" altLang="ko-KR" sz="1600" dirty="0"/>
+                        <a:t>Operations</a:t>
+                      </a:r>
+                      <a:endParaRPr lang="ko-KR" altLang="en-US" sz="1600" dirty="0"/>
+                    </a:p>
+                  </a:txBody>
+                  <a:tcPr marL="89354" marR="89354" marT="44677" marB="44677" anchor="ctr">
+                    <a:lnL w="3175" cap="flat" cmpd="sng" algn="ctr">
+                      <a:solidFill>
+                        <a:schemeClr val="tx1"/>
+                      </a:solidFill>
+                      <a:prstDash val="lgDash"/>
+                      <a:round/>
+                      <a:headEnd type="none" w="med" len="med"/>
+                      <a:tailEnd type="none" w="med" len="med"/>
+                    </a:lnL>
+                    <a:lnR w="3175" cap="flat" cmpd="sng" algn="ctr">
+                      <a:solidFill>
+                        <a:schemeClr val="tx1"/>
+                      </a:solidFill>
+                      <a:prstDash val="lgDash"/>
+                      <a:round/>
+                      <a:headEnd type="none" w="med" len="med"/>
+                      <a:tailEnd type="none" w="med" len="med"/>
+                    </a:lnR>
+                    <a:lnT w="3175" cap="flat" cmpd="sng" algn="ctr">
+                      <a:solidFill>
+                        <a:schemeClr val="tx1"/>
+                      </a:solidFill>
+                      <a:prstDash val="lgDash"/>
+                      <a:round/>
+                      <a:headEnd type="none" w="med" len="med"/>
+                      <a:tailEnd type="none" w="med" len="med"/>
+                    </a:lnT>
+                    <a:lnB w="3175" cap="flat" cmpd="sng" algn="ctr">
+                      <a:solidFill>
+                        <a:schemeClr val="tx1"/>
+                      </a:solidFill>
+                      <a:prstDash val="lgDash"/>
+                      <a:round/>
+                      <a:headEnd type="none" w="med" len="med"/>
+                      <a:tailEnd type="none" w="med" len="med"/>
+                    </a:lnB>
+                    <a:lnTlToBr w="12700" cmpd="sng">
+                      <a:noFill/>
+                      <a:prstDash val="solid"/>
+                    </a:lnTlToBr>
+                    <a:lnBlToTr w="12700" cmpd="sng">
+                      <a:noFill/>
+                      <a:prstDash val="solid"/>
+                    </a:lnBlToTr>
+                  </a:tcPr>
+                </a:tc>
+                <a:tc>
+                  <a:txBody>
+                    <a:bodyPr/>
+                    <a:lstStyle/>
+                    <a:p>
+                      <a:pPr algn="ctr" latinLnBrk="1"/>
+                      <a:r>
+                        <a:rPr lang="en-US" altLang="ko-KR" sz="1600" b="1" dirty="0"/>
+                        <a:t>Operation(Parameter)</a:t>
+                      </a:r>
+                      <a:endParaRPr lang="ko-KR" altLang="en-US" sz="1600" b="1" dirty="0"/>
+                    </a:p>
+                  </a:txBody>
+                  <a:tcPr marL="89354" marR="89354" marT="44677" marB="44677" anchor="ctr">
+                    <a:lnL w="3175" cap="flat" cmpd="sng" algn="ctr">
+                      <a:solidFill>
+                        <a:schemeClr val="tx1"/>
+                      </a:solidFill>
+                      <a:prstDash val="lgDash"/>
+                      <a:round/>
+                      <a:headEnd type="none" w="med" len="med"/>
+                      <a:tailEnd type="none" w="med" len="med"/>
+                    </a:lnL>
+                    <a:lnR w="3175" cap="flat" cmpd="sng" algn="ctr">
+                      <a:solidFill>
+                        <a:schemeClr val="tx1"/>
+                      </a:solidFill>
+                      <a:prstDash val="lgDash"/>
+                      <a:round/>
+                      <a:headEnd type="none" w="med" len="med"/>
+                      <a:tailEnd type="none" w="med" len="med"/>
+                    </a:lnR>
+                    <a:lnT w="38100" cap="flat" cmpd="sng" algn="ctr">
+                      <a:solidFill>
+                        <a:schemeClr val="accent1"/>
+                      </a:solidFill>
+                      <a:prstDash val="solid"/>
+                      <a:round/>
+                      <a:headEnd type="none" w="med" len="med"/>
+                      <a:tailEnd type="none" w="med" len="med"/>
+                    </a:lnT>
+                    <a:lnB w="3175" cap="flat" cmpd="sng" algn="ctr">
+                      <a:solidFill>
+                        <a:schemeClr val="tx1"/>
+                      </a:solidFill>
+                      <a:prstDash val="lgDash"/>
+                      <a:round/>
+                      <a:headEnd type="none" w="med" len="med"/>
+                      <a:tailEnd type="none" w="med" len="med"/>
+                    </a:lnB>
+                    <a:lnTlToBr w="12700" cmpd="sng">
+                      <a:noFill/>
+                      <a:prstDash val="solid"/>
+                    </a:lnTlToBr>
+                    <a:lnBlToTr w="12700" cmpd="sng">
+                      <a:noFill/>
+                      <a:prstDash val="solid"/>
+                    </a:lnBlToTr>
+                    <a:solidFill>
+                      <a:schemeClr val="accent1">
+                        <a:lumMod val="20000"/>
+                        <a:lumOff val="80000"/>
+                      </a:schemeClr>
+                    </a:solidFill>
+                  </a:tcPr>
+                </a:tc>
+                <a:tc>
+                  <a:txBody>
+                    <a:bodyPr/>
+                    <a:lstStyle/>
+                    <a:p>
+                      <a:pPr algn="ctr" latinLnBrk="1"/>
+                      <a:r>
+                        <a:rPr lang="en-US" altLang="ko-KR" sz="1600" b="1" dirty="0"/>
+                        <a:t>Return</a:t>
+                      </a:r>
+                      <a:endParaRPr lang="ko-KR" altLang="en-US" sz="1600" b="1" dirty="0"/>
+                    </a:p>
+                  </a:txBody>
+                  <a:tcPr marL="89354" marR="89354" marT="44677" marB="44677" anchor="ctr">
+                    <a:lnL w="3175" cap="flat" cmpd="sng" algn="ctr">
+                      <a:solidFill>
+                        <a:schemeClr val="tx1"/>
+                      </a:solidFill>
+                      <a:prstDash val="lgDash"/>
+                      <a:round/>
+                      <a:headEnd type="none" w="med" len="med"/>
+                      <a:tailEnd type="none" w="med" len="med"/>
+                    </a:lnL>
+                    <a:lnR w="3175" cap="flat" cmpd="sng" algn="ctr">
+                      <a:solidFill>
+                        <a:schemeClr val="tx1"/>
+                      </a:solidFill>
+                      <a:prstDash val="lgDash"/>
+                      <a:round/>
+                      <a:headEnd type="none" w="med" len="med"/>
+                      <a:tailEnd type="none" w="med" len="med"/>
+                    </a:lnR>
+                    <a:lnT w="38100" cap="flat" cmpd="sng" algn="ctr">
+                      <a:solidFill>
+                        <a:schemeClr val="accent1"/>
+                      </a:solidFill>
+                      <a:prstDash val="solid"/>
+                      <a:round/>
+                      <a:headEnd type="none" w="med" len="med"/>
+                      <a:tailEnd type="none" w="med" len="med"/>
+                    </a:lnT>
+                    <a:lnB w="3175" cap="flat" cmpd="sng" algn="ctr">
+                      <a:solidFill>
+                        <a:schemeClr val="tx1"/>
+                      </a:solidFill>
+                      <a:prstDash val="lgDash"/>
+                      <a:round/>
+                      <a:headEnd type="none" w="med" len="med"/>
+                      <a:tailEnd type="none" w="med" len="med"/>
+                    </a:lnB>
+                    <a:lnTlToBr w="12700" cmpd="sng">
+                      <a:noFill/>
+                      <a:prstDash val="solid"/>
+                    </a:lnTlToBr>
+                    <a:lnBlToTr w="12700" cmpd="sng">
+                      <a:noFill/>
+                      <a:prstDash val="solid"/>
+                    </a:lnBlToTr>
+                    <a:solidFill>
+                      <a:schemeClr val="accent1">
+                        <a:lumMod val="20000"/>
+                        <a:lumOff val="80000"/>
+                      </a:schemeClr>
+                    </a:solidFill>
+                  </a:tcPr>
+                </a:tc>
+                <a:tc>
+                  <a:txBody>
+                    <a:bodyPr/>
+                    <a:lstStyle/>
+                    <a:p>
+                      <a:pPr algn="ctr" latinLnBrk="1"/>
+                      <a:r>
+                        <a:rPr lang="ko-KR" altLang="en-US" sz="1400" b="1" dirty="0"/>
+                        <a:t>설명</a:t>
+                      </a:r>
+                    </a:p>
+                  </a:txBody>
+                  <a:tcPr marL="89354" marR="89354" marT="44677" marB="44677" anchor="ctr">
+                    <a:lnL w="3175" cap="flat" cmpd="sng" algn="ctr">
+                      <a:solidFill>
+                        <a:schemeClr val="tx1"/>
+                      </a:solidFill>
+                      <a:prstDash val="lgDash"/>
+                      <a:round/>
+                      <a:headEnd type="none" w="med" len="med"/>
+                      <a:tailEnd type="none" w="med" len="med"/>
+                    </a:lnL>
+                    <a:lnR w="12700" cmpd="sng">
+                      <a:noFill/>
+                    </a:lnR>
+                    <a:lnT w="38100" cap="flat" cmpd="sng" algn="ctr">
+                      <a:solidFill>
+                        <a:schemeClr val="accent1"/>
+                      </a:solidFill>
+                      <a:prstDash val="solid"/>
+                      <a:round/>
+                      <a:headEnd type="none" w="med" len="med"/>
+                      <a:tailEnd type="none" w="med" len="med"/>
+                    </a:lnT>
+                    <a:lnB w="3175" cap="flat" cmpd="sng" algn="ctr">
+                      <a:solidFill>
+                        <a:schemeClr val="tx1"/>
+                      </a:solidFill>
+                      <a:prstDash val="lgDash"/>
+                      <a:round/>
+                      <a:headEnd type="none" w="med" len="med"/>
+                      <a:tailEnd type="none" w="med" len="med"/>
+                    </a:lnB>
+                    <a:lnTlToBr w="12700" cmpd="sng">
+                      <a:noFill/>
+                      <a:prstDash val="solid"/>
+                    </a:lnTlToBr>
+                    <a:lnBlToTr w="12700" cmpd="sng">
+                      <a:noFill/>
+                      <a:prstDash val="solid"/>
+                    </a:lnBlToTr>
+                    <a:solidFill>
+                      <a:schemeClr val="accent1">
+                        <a:lumMod val="20000"/>
+                        <a:lumOff val="80000"/>
+                      </a:schemeClr>
+                    </a:solidFill>
+                  </a:tcPr>
+                </a:tc>
+                <a:extLst>
+                  <a:ext uri="{0D108BD9-81ED-4DB2-BD59-A6C34878D82A}">
+                    <a16:rowId xmlns:a16="http://schemas.microsoft.com/office/drawing/2014/main" val="148614603"/>
+                  </a:ext>
+                </a:extLst>
+              </a:tr>
+              <a:tr h="121225">
+                <a:tc vMerge="1">
+                  <a:txBody>
+                    <a:bodyPr/>
+                    <a:lstStyle/>
+                    <a:p>
+                      <a:pPr algn="ctr" latinLnBrk="1"/>
+                      <a:endParaRPr lang="ko-KR" altLang="en-US" sz="1800" dirty="0"/>
+                    </a:p>
+                  </a:txBody>
+                  <a:tcPr marL="89354" marR="89354" marT="44677" marB="44677" anchor="ctr">
+                    <a:lnL w="12700" cmpd="sng">
+                      <a:noFill/>
+                    </a:lnL>
+                    <a:lnR w="3175" cap="flat" cmpd="sng" algn="ctr">
+                      <a:solidFill>
+                        <a:schemeClr val="tx1"/>
+                      </a:solidFill>
+                      <a:prstDash val="lgDash"/>
+                      <a:round/>
+                      <a:headEnd type="none" w="med" len="med"/>
+                      <a:tailEnd type="none" w="med" len="med"/>
+                    </a:lnR>
+                    <a:lnT w="38100" cap="flat" cmpd="sng" algn="ctr">
+                      <a:solidFill>
+                        <a:schemeClr val="accent1"/>
+                      </a:solidFill>
+                      <a:prstDash val="solid"/>
+                      <a:round/>
+                      <a:headEnd type="none" w="med" len="med"/>
+                      <a:tailEnd type="none" w="med" len="med"/>
+                    </a:lnT>
+                    <a:lnB w="38100" cap="flat" cmpd="sng" algn="ctr">
+                      <a:solidFill>
+                        <a:schemeClr val="accent1"/>
+                      </a:solidFill>
+                      <a:prstDash val="solid"/>
+                      <a:round/>
+                      <a:headEnd type="none" w="med" len="med"/>
+                      <a:tailEnd type="none" w="med" len="med"/>
+                    </a:lnB>
+                    <a:lnTlToBr w="12700" cmpd="sng">
+                      <a:noFill/>
+                      <a:prstDash val="solid"/>
+                    </a:lnTlToBr>
+                    <a:lnBlToTr w="12700" cmpd="sng">
+                      <a:noFill/>
+                      <a:prstDash val="solid"/>
+                    </a:lnBlToTr>
+                  </a:tcPr>
+                </a:tc>
+                <a:tc vMerge="1">
+                  <a:txBody>
+                    <a:bodyPr/>
+                    <a:lstStyle/>
+                    <a:p>
+                      <a:pPr algn="ctr" latinLnBrk="1"/>
+                      <a:endParaRPr lang="ko-KR" altLang="en-US" sz="1800" dirty="0"/>
+                    </a:p>
+                  </a:txBody>
+                  <a:tcPr marL="89354" marR="89354" marT="44677" marB="44677" anchor="ctr">
+                    <a:lnL w="3175" cap="flat" cmpd="sng" algn="ctr">
+                      <a:solidFill>
+                        <a:schemeClr val="tx1"/>
+                      </a:solidFill>
+                      <a:prstDash val="lgDash"/>
+                      <a:round/>
+                      <a:headEnd type="none" w="med" len="med"/>
+                      <a:tailEnd type="none" w="med" len="med"/>
+                    </a:lnL>
+                    <a:lnR w="3175" cap="flat" cmpd="sng" algn="ctr">
+                      <a:solidFill>
+                        <a:schemeClr val="tx1"/>
+                      </a:solidFill>
+                      <a:prstDash val="lgDash"/>
+                      <a:round/>
+                      <a:headEnd type="none" w="med" len="med"/>
+                      <a:tailEnd type="none" w="med" len="med"/>
+                    </a:lnR>
+                    <a:lnT w="3175" cap="flat" cmpd="sng" algn="ctr">
+                      <a:solidFill>
+                        <a:schemeClr val="tx1"/>
+                      </a:solidFill>
+                      <a:prstDash val="lgDash"/>
+                      <a:round/>
+                      <a:headEnd type="none" w="med" len="med"/>
+                      <a:tailEnd type="none" w="med" len="med"/>
+                    </a:lnT>
+                    <a:lnB w="3175" cap="flat" cmpd="sng" algn="ctr">
+                      <a:solidFill>
+                        <a:schemeClr val="tx1"/>
+                      </a:solidFill>
+                      <a:prstDash val="lgDash"/>
+                      <a:round/>
+                      <a:headEnd type="none" w="med" len="med"/>
+                      <a:tailEnd type="none" w="med" len="med"/>
+                    </a:lnB>
+                    <a:lnTlToBr w="12700" cmpd="sng">
+                      <a:noFill/>
+                      <a:prstDash val="solid"/>
+                    </a:lnTlToBr>
+                    <a:lnBlToTr w="12700" cmpd="sng">
+                      <a:noFill/>
+                      <a:prstDash val="solid"/>
+                    </a:lnBlToTr>
+                  </a:tcPr>
+                </a:tc>
+                <a:tc>
+                  <a:txBody>
+                    <a:bodyPr/>
+                    <a:lstStyle/>
+                    <a:p>
+                      <a:pPr latinLnBrk="1"/>
+                      <a:endParaRPr lang="ko-KR" altLang="en-US" sz="1600" dirty="0"/>
+                    </a:p>
+                  </a:txBody>
+                  <a:tcPr marL="89354" marR="89354" marT="44677" marB="44677" anchor="ctr">
+                    <a:lnL w="3175" cap="flat" cmpd="sng" algn="ctr">
+                      <a:solidFill>
+                        <a:schemeClr val="tx1"/>
+                      </a:solidFill>
+                      <a:prstDash val="lgDash"/>
+                      <a:round/>
+                      <a:headEnd type="none" w="med" len="med"/>
+                      <a:tailEnd type="none" w="med" len="med"/>
+                    </a:lnL>
+                    <a:lnR w="3175" cap="flat" cmpd="sng" algn="ctr">
+                      <a:solidFill>
+                        <a:schemeClr val="tx1"/>
+                      </a:solidFill>
+                      <a:prstDash val="lgDash"/>
+                      <a:round/>
+                      <a:headEnd type="none" w="med" len="med"/>
+                      <a:tailEnd type="none" w="med" len="med"/>
+                    </a:lnR>
+                    <a:lnT w="3175" cap="flat" cmpd="sng" algn="ctr">
+                      <a:solidFill>
+                        <a:schemeClr val="tx1"/>
+                      </a:solidFill>
+                      <a:prstDash val="lgDash"/>
+                      <a:round/>
+                      <a:headEnd type="none" w="med" len="med"/>
+                      <a:tailEnd type="none" w="med" len="med"/>
+                    </a:lnT>
+                    <a:lnB w="3175" cap="flat" cmpd="sng" algn="ctr">
+                      <a:solidFill>
+                        <a:schemeClr val="tx1"/>
+                      </a:solidFill>
+                      <a:prstDash val="lgDash"/>
+                      <a:round/>
+                      <a:headEnd type="none" w="med" len="med"/>
+                      <a:tailEnd type="none" w="med" len="med"/>
+                    </a:lnB>
+                    <a:lnTlToBr w="12700" cmpd="sng">
+                      <a:noFill/>
+                      <a:prstDash val="solid"/>
+                    </a:lnTlToBr>
+                    <a:lnBlToTr w="12700" cmpd="sng">
+                      <a:noFill/>
+                      <a:prstDash val="solid"/>
+                    </a:lnBlToTr>
+                  </a:tcPr>
+                </a:tc>
+                <a:tc>
+                  <a:txBody>
+                    <a:bodyPr/>
+                    <a:lstStyle/>
+                    <a:p>
+                      <a:pPr latinLnBrk="1"/>
+                      <a:endParaRPr lang="ko-KR" altLang="en-US" sz="1600" dirty="0"/>
+                    </a:p>
+                  </a:txBody>
+                  <a:tcPr marL="89354" marR="89354" marT="44677" marB="44677" anchor="ctr">
+                    <a:lnL w="3175" cap="flat" cmpd="sng" algn="ctr">
+                      <a:solidFill>
+                        <a:schemeClr val="tx1"/>
+                      </a:solidFill>
+                      <a:prstDash val="lgDash"/>
+                      <a:round/>
+                      <a:headEnd type="none" w="med" len="med"/>
+                      <a:tailEnd type="none" w="med" len="med"/>
+                    </a:lnL>
+                    <a:lnR w="3175" cap="flat" cmpd="sng" algn="ctr">
+                      <a:solidFill>
+                        <a:schemeClr val="tx1"/>
+                      </a:solidFill>
+                      <a:prstDash val="lgDash"/>
+                      <a:round/>
+                      <a:headEnd type="none" w="med" len="med"/>
+                      <a:tailEnd type="none" w="med" len="med"/>
+                    </a:lnR>
+                    <a:lnT w="3175" cap="flat" cmpd="sng" algn="ctr">
+                      <a:solidFill>
+                        <a:schemeClr val="tx1"/>
+                      </a:solidFill>
+                      <a:prstDash val="lgDash"/>
+                      <a:round/>
+                      <a:headEnd type="none" w="med" len="med"/>
+                      <a:tailEnd type="none" w="med" len="med"/>
+                    </a:lnT>
+                    <a:lnB w="3175" cap="flat" cmpd="sng" algn="ctr">
+                      <a:solidFill>
+                        <a:schemeClr val="tx1"/>
+                      </a:solidFill>
+                      <a:prstDash val="lgDash"/>
+                      <a:round/>
+                      <a:headEnd type="none" w="med" len="med"/>
+                      <a:tailEnd type="none" w="med" len="med"/>
+                    </a:lnB>
+                    <a:lnTlToBr w="12700" cmpd="sng">
+                      <a:noFill/>
+                      <a:prstDash val="solid"/>
+                    </a:lnTlToBr>
+                    <a:lnBlToTr w="12700" cmpd="sng">
+                      <a:noFill/>
+                      <a:prstDash val="solid"/>
+                    </a:lnBlToTr>
+                  </a:tcPr>
+                </a:tc>
+                <a:tc>
+                  <a:txBody>
+                    <a:bodyPr/>
+                    <a:lstStyle/>
+                    <a:p>
+                      <a:pPr latinLnBrk="1"/>
+                      <a:endParaRPr lang="ko-KR" altLang="en-US" sz="1400" dirty="0"/>
+                    </a:p>
+                  </a:txBody>
+                  <a:tcPr marL="89354" marR="89354" marT="44677" marB="44677" anchor="ctr">
+                    <a:lnL w="3175" cap="flat" cmpd="sng" algn="ctr">
+                      <a:solidFill>
+                        <a:schemeClr val="tx1"/>
+                      </a:solidFill>
+                      <a:prstDash val="lgDash"/>
+                      <a:round/>
+                      <a:headEnd type="none" w="med" len="med"/>
+                      <a:tailEnd type="none" w="med" len="med"/>
+                    </a:lnL>
+                    <a:lnR w="12700" cmpd="sng">
+                      <a:noFill/>
+                    </a:lnR>
+                    <a:lnT w="3175" cap="flat" cmpd="sng" algn="ctr">
+                      <a:solidFill>
+                        <a:schemeClr val="tx1"/>
+                      </a:solidFill>
+                      <a:prstDash val="lgDash"/>
+                      <a:round/>
+                      <a:headEnd type="none" w="med" len="med"/>
+                      <a:tailEnd type="none" w="med" len="med"/>
+                    </a:lnT>
+                    <a:lnB w="3175" cap="flat" cmpd="sng" algn="ctr">
+                      <a:solidFill>
+                        <a:schemeClr val="tx1"/>
+                      </a:solidFill>
+                      <a:prstDash val="lgDash"/>
+                      <a:round/>
+                      <a:headEnd type="none" w="med" len="med"/>
+                      <a:tailEnd type="none" w="med" len="med"/>
+                    </a:lnB>
+                    <a:lnTlToBr w="12700" cmpd="sng">
+                      <a:noFill/>
+                      <a:prstDash val="solid"/>
+                    </a:lnTlToBr>
+                    <a:lnBlToTr w="12700" cmpd="sng">
+                      <a:noFill/>
+                      <a:prstDash val="solid"/>
+                    </a:lnBlToTr>
+                  </a:tcPr>
+                </a:tc>
+                <a:extLst>
+                  <a:ext uri="{0D108BD9-81ED-4DB2-BD59-A6C34878D82A}">
+                    <a16:rowId xmlns:a16="http://schemas.microsoft.com/office/drawing/2014/main" val="2917085813"/>
+                  </a:ext>
+                </a:extLst>
+              </a:tr>
+              <a:tr h="363674">
+                <a:tc vMerge="1">
+                  <a:txBody>
+                    <a:bodyPr/>
+                    <a:lstStyle/>
+                    <a:p>
+                      <a:pPr algn="ctr" latinLnBrk="1"/>
+                      <a:endParaRPr lang="ko-KR" altLang="en-US" sz="1800" dirty="0"/>
+                    </a:p>
+                  </a:txBody>
+                  <a:tcPr marL="89354" marR="89354" marT="44677" marB="44677" anchor="ctr">
+                    <a:lnL w="12700" cmpd="sng">
+                      <a:noFill/>
+                    </a:lnL>
+                    <a:lnR w="3175" cap="flat" cmpd="sng" algn="ctr">
+                      <a:solidFill>
+                        <a:schemeClr val="tx1"/>
+                      </a:solidFill>
+                      <a:prstDash val="lgDash"/>
+                      <a:round/>
+                      <a:headEnd type="none" w="med" len="med"/>
+                      <a:tailEnd type="none" w="med" len="med"/>
+                    </a:lnR>
+                    <a:lnT w="38100" cap="flat" cmpd="sng" algn="ctr">
+                      <a:solidFill>
+                        <a:schemeClr val="accent1"/>
+                      </a:solidFill>
+                      <a:prstDash val="solid"/>
+                      <a:round/>
+                      <a:headEnd type="none" w="med" len="med"/>
+                      <a:tailEnd type="none" w="med" len="med"/>
+                    </a:lnT>
+                    <a:lnB w="38100" cap="flat" cmpd="sng" algn="ctr">
+                      <a:solidFill>
+                        <a:schemeClr val="accent1"/>
+                      </a:solidFill>
+                      <a:prstDash val="solid"/>
+                      <a:round/>
+                      <a:headEnd type="none" w="med" len="med"/>
+                      <a:tailEnd type="none" w="med" len="med"/>
+                    </a:lnB>
+                    <a:lnTlToBr w="12700" cmpd="sng">
+                      <a:noFill/>
+                      <a:prstDash val="solid"/>
+                    </a:lnTlToBr>
+                    <a:lnBlToTr w="12700" cmpd="sng">
+                      <a:noFill/>
+                      <a:prstDash val="solid"/>
+                    </a:lnBlToTr>
+                  </a:tcPr>
+                </a:tc>
+                <a:tc vMerge="1">
+                  <a:txBody>
+                    <a:bodyPr/>
+                    <a:lstStyle/>
+                    <a:p>
+                      <a:pPr algn="ctr" latinLnBrk="1"/>
+                      <a:endParaRPr lang="ko-KR" altLang="en-US" sz="1800" dirty="0"/>
+                    </a:p>
+                  </a:txBody>
+                  <a:tcPr marL="89354" marR="89354" marT="44677" marB="44677" anchor="ctr">
+                    <a:lnL w="3175" cap="flat" cmpd="sng" algn="ctr">
+                      <a:solidFill>
+                        <a:schemeClr val="tx1"/>
+                      </a:solidFill>
+                      <a:prstDash val="lgDash"/>
+                      <a:round/>
+                      <a:headEnd type="none" w="med" len="med"/>
+                      <a:tailEnd type="none" w="med" len="med"/>
+                    </a:lnL>
+                    <a:lnR w="3175" cap="flat" cmpd="sng" algn="ctr">
+                      <a:solidFill>
+                        <a:schemeClr val="tx1"/>
+                      </a:solidFill>
+                      <a:prstDash val="lgDash"/>
+                      <a:round/>
+                      <a:headEnd type="none" w="med" len="med"/>
+                      <a:tailEnd type="none" w="med" len="med"/>
+                    </a:lnR>
+                    <a:lnT w="3175" cap="flat" cmpd="sng" algn="ctr">
+                      <a:solidFill>
+                        <a:schemeClr val="tx1"/>
+                      </a:solidFill>
+                      <a:prstDash val="lgDash"/>
+                      <a:round/>
+                      <a:headEnd type="none" w="med" len="med"/>
+                      <a:tailEnd type="none" w="med" len="med"/>
+                    </a:lnT>
+                    <a:lnB w="3175" cap="flat" cmpd="sng" algn="ctr">
+                      <a:solidFill>
+                        <a:schemeClr val="tx1"/>
+                      </a:solidFill>
+                      <a:prstDash val="lgDash"/>
+                      <a:round/>
+                      <a:headEnd type="none" w="med" len="med"/>
+                      <a:tailEnd type="none" w="med" len="med"/>
+                    </a:lnB>
+                    <a:lnTlToBr w="12700" cmpd="sng">
+                      <a:noFill/>
+                      <a:prstDash val="solid"/>
+                    </a:lnTlToBr>
+                    <a:lnBlToTr w="12700" cmpd="sng">
+                      <a:noFill/>
+                      <a:prstDash val="solid"/>
+                    </a:lnBlToTr>
+                  </a:tcPr>
+                </a:tc>
+                <a:tc>
+                  <a:txBody>
+                    <a:bodyPr/>
+                    <a:lstStyle/>
+                    <a:p>
+                      <a:pPr latinLnBrk="1"/>
+                      <a:endParaRPr lang="ko-KR" altLang="en-US" sz="1600" dirty="0"/>
+                    </a:p>
+                  </a:txBody>
+                  <a:tcPr marL="89354" marR="89354" marT="44677" marB="44677" anchor="ctr">
+                    <a:lnL w="3175" cap="flat" cmpd="sng" algn="ctr">
+                      <a:solidFill>
+                        <a:schemeClr val="tx1"/>
+                      </a:solidFill>
+                      <a:prstDash val="lgDash"/>
+                      <a:round/>
+                      <a:headEnd type="none" w="med" len="med"/>
+                      <a:tailEnd type="none" w="med" len="med"/>
+                    </a:lnL>
+                    <a:lnR w="3175" cap="flat" cmpd="sng" algn="ctr">
+                      <a:solidFill>
+                        <a:schemeClr val="tx1"/>
+                      </a:solidFill>
+                      <a:prstDash val="lgDash"/>
+                      <a:round/>
+                      <a:headEnd type="none" w="med" len="med"/>
+                      <a:tailEnd type="none" w="med" len="med"/>
+                    </a:lnR>
+                    <a:lnT w="3175" cap="flat" cmpd="sng" algn="ctr">
+                      <a:solidFill>
+                        <a:schemeClr val="tx1"/>
+                      </a:solidFill>
+                      <a:prstDash val="lgDash"/>
+                      <a:round/>
+                      <a:headEnd type="none" w="med" len="med"/>
+                      <a:tailEnd type="none" w="med" len="med"/>
+                    </a:lnT>
+                    <a:lnB w="38100" cap="flat" cmpd="sng" algn="ctr">
+                      <a:solidFill>
+                        <a:schemeClr val="accent1"/>
+                      </a:solidFill>
+                      <a:prstDash val="solid"/>
+                      <a:round/>
+                      <a:headEnd type="none" w="med" len="med"/>
+                      <a:tailEnd type="none" w="med" len="med"/>
+                    </a:lnB>
+                    <a:lnTlToBr w="12700" cmpd="sng">
+                      <a:noFill/>
+                      <a:prstDash val="solid"/>
+                    </a:lnTlToBr>
+                    <a:lnBlToTr w="12700" cmpd="sng">
+                      <a:noFill/>
+                      <a:prstDash val="solid"/>
+                    </a:lnBlToTr>
+                  </a:tcPr>
+                </a:tc>
+                <a:tc>
+                  <a:txBody>
+                    <a:bodyPr/>
+                    <a:lstStyle/>
+                    <a:p>
+                      <a:pPr latinLnBrk="1"/>
+                      <a:endParaRPr lang="ko-KR" altLang="en-US" sz="1600" dirty="0"/>
+                    </a:p>
+                  </a:txBody>
+                  <a:tcPr marL="89354" marR="89354" marT="44677" marB="44677" anchor="ctr">
+                    <a:lnL w="3175" cap="flat" cmpd="sng" algn="ctr">
+                      <a:solidFill>
+                        <a:schemeClr val="tx1"/>
+                      </a:solidFill>
+                      <a:prstDash val="lgDash"/>
+                      <a:round/>
+                      <a:headEnd type="none" w="med" len="med"/>
+                      <a:tailEnd type="none" w="med" len="med"/>
+                    </a:lnL>
+                    <a:lnR w="3175" cap="flat" cmpd="sng" algn="ctr">
+                      <a:solidFill>
+                        <a:schemeClr val="tx1"/>
+                      </a:solidFill>
+                      <a:prstDash val="lgDash"/>
+                      <a:round/>
+                      <a:headEnd type="none" w="med" len="med"/>
+                      <a:tailEnd type="none" w="med" len="med"/>
+                    </a:lnR>
+                    <a:lnT w="3175" cap="flat" cmpd="sng" algn="ctr">
+                      <a:solidFill>
+                        <a:schemeClr val="tx1"/>
+                      </a:solidFill>
+                      <a:prstDash val="lgDash"/>
+                      <a:round/>
+                      <a:headEnd type="none" w="med" len="med"/>
+                      <a:tailEnd type="none" w="med" len="med"/>
+                    </a:lnT>
+                    <a:lnB w="38100" cap="flat" cmpd="sng" algn="ctr">
+                      <a:solidFill>
+                        <a:schemeClr val="accent1"/>
+                      </a:solidFill>
+                      <a:prstDash val="solid"/>
+                      <a:round/>
+                      <a:headEnd type="none" w="med" len="med"/>
+                      <a:tailEnd type="none" w="med" len="med"/>
+                    </a:lnB>
+                    <a:lnTlToBr w="12700" cmpd="sng">
+                      <a:noFill/>
+                      <a:prstDash val="solid"/>
+                    </a:lnTlToBr>
+                    <a:lnBlToTr w="12700" cmpd="sng">
+                      <a:noFill/>
+                      <a:prstDash val="solid"/>
+                    </a:lnBlToTr>
+                  </a:tcPr>
+                </a:tc>
+                <a:tc>
+                  <a:txBody>
+                    <a:bodyPr/>
+                    <a:lstStyle/>
+                    <a:p>
+                      <a:pPr latinLnBrk="1"/>
+                      <a:endParaRPr lang="ko-KR" altLang="en-US" sz="1400" dirty="0"/>
+                    </a:p>
+                  </a:txBody>
+                  <a:tcPr marL="89354" marR="89354" marT="44677" marB="44677" anchor="ctr">
+                    <a:lnL w="3175" cap="flat" cmpd="sng" algn="ctr">
+                      <a:solidFill>
+                        <a:schemeClr val="tx1"/>
+                      </a:solidFill>
+                      <a:prstDash val="lgDash"/>
+                      <a:round/>
+                      <a:headEnd type="none" w="med" len="med"/>
+                      <a:tailEnd type="none" w="med" len="med"/>
+                    </a:lnL>
+                    <a:lnR w="12700" cmpd="sng">
+                      <a:noFill/>
+                    </a:lnR>
+                    <a:lnT w="3175" cap="flat" cmpd="sng" algn="ctr">
+                      <a:solidFill>
+                        <a:schemeClr val="tx1"/>
+                      </a:solidFill>
+                      <a:prstDash val="lgDash"/>
+                      <a:round/>
+                      <a:headEnd type="none" w="med" len="med"/>
+                      <a:tailEnd type="none" w="med" len="med"/>
+                    </a:lnT>
+                    <a:lnB w="38100" cap="flat" cmpd="sng" algn="ctr">
+                      <a:solidFill>
+                        <a:schemeClr val="accent1"/>
+                      </a:solidFill>
+                      <a:prstDash val="solid"/>
+                      <a:round/>
+                      <a:headEnd type="none" w="med" len="med"/>
+                      <a:tailEnd type="none" w="med" len="med"/>
+                    </a:lnB>
+                    <a:lnTlToBr w="12700" cmpd="sng">
+                      <a:noFill/>
+                      <a:prstDash val="solid"/>
+                    </a:lnTlToBr>
+                    <a:lnBlToTr w="12700" cmpd="sng">
+                      <a:noFill/>
+                      <a:prstDash val="solid"/>
+                    </a:lnBlToTr>
+                  </a:tcPr>
+                </a:tc>
+                <a:extLst>
+                  <a:ext uri="{0D108BD9-81ED-4DB2-BD59-A6C34878D82A}">
+                    <a16:rowId xmlns:a16="http://schemas.microsoft.com/office/drawing/2014/main" val="3846831493"/>
+                  </a:ext>
+                </a:extLst>
+              </a:tr>
+              <a:tr h="237264">
+                <a:tc vMerge="1">
+                  <a:txBody>
+                    <a:bodyPr/>
+                    <a:lstStyle/>
+                    <a:p>
+                      <a:pPr latinLnBrk="1"/>
+                      <a:endParaRPr lang="ko-KR" altLang="en-US" sz="1800" dirty="0"/>
+                    </a:p>
+                  </a:txBody>
+                  <a:tcPr marL="89354" marR="89354" marT="44677" marB="44677">
+                    <a:lnT w="38100" cap="flat" cmpd="sng" algn="ctr">
+                      <a:solidFill>
+                        <a:schemeClr val="accent1"/>
+                      </a:solidFill>
+                      <a:prstDash val="solid"/>
+                      <a:round/>
+                      <a:headEnd type="none" w="med" len="med"/>
+                      <a:tailEnd type="none" w="med" len="med"/>
+                    </a:lnT>
+                  </a:tcPr>
+                </a:tc>
+                <a:tc rowSpan="10">
+                  <a:txBody>
+                    <a:bodyPr/>
+                    <a:lstStyle/>
+                    <a:p>
+                      <a:pPr algn="ctr" latinLnBrk="1"/>
+                      <a:r>
+                        <a:rPr lang="en-US" altLang="ko-KR" sz="1600" dirty="0"/>
+                        <a:t>Attributes</a:t>
+                      </a:r>
+                      <a:endParaRPr lang="ko-KR" altLang="en-US" sz="1600" dirty="0"/>
+                    </a:p>
+                  </a:txBody>
+                  <a:tcPr marL="89354" marR="89354" marT="44677" marB="44677" anchor="ctr">
+                    <a:lnL w="3175" cap="flat" cmpd="sng" algn="ctr">
+                      <a:solidFill>
+                        <a:schemeClr val="tx1"/>
+                      </a:solidFill>
+                      <a:prstDash val="lgDash"/>
+                      <a:round/>
+                      <a:headEnd type="none" w="med" len="med"/>
+                      <a:tailEnd type="none" w="med" len="med"/>
+                    </a:lnL>
+                    <a:lnR w="3175" cap="flat" cmpd="sng" algn="ctr">
+                      <a:solidFill>
+                        <a:schemeClr val="tx1"/>
+                      </a:solidFill>
+                      <a:prstDash val="lgDash"/>
+                      <a:round/>
+                      <a:headEnd type="none" w="med" len="med"/>
+                      <a:tailEnd type="none" w="med" len="med"/>
+                    </a:lnR>
+                    <a:lnT w="3175" cap="flat" cmpd="sng" algn="ctr">
+                      <a:solidFill>
+                        <a:schemeClr val="tx1"/>
+                      </a:solidFill>
+                      <a:prstDash val="lgDash"/>
+                      <a:round/>
+                      <a:headEnd type="none" w="med" len="med"/>
+                      <a:tailEnd type="none" w="med" len="med"/>
+                    </a:lnT>
+                    <a:lnB w="38100" cap="flat" cmpd="sng" algn="ctr">
+                      <a:solidFill>
+                        <a:schemeClr val="accent1"/>
+                      </a:solidFill>
+                      <a:prstDash val="solid"/>
+                      <a:round/>
+                      <a:headEnd type="none" w="med" len="med"/>
+                      <a:tailEnd type="none" w="med" len="med"/>
+                    </a:lnB>
+                    <a:lnTlToBr w="12700" cmpd="sng">
+                      <a:noFill/>
+                      <a:prstDash val="solid"/>
+                    </a:lnTlToBr>
+                    <a:lnBlToTr w="12700" cmpd="sng">
+                      <a:noFill/>
+                      <a:prstDash val="solid"/>
+                    </a:lnBlToTr>
+                  </a:tcPr>
+                </a:tc>
+                <a:tc>
+                  <a:txBody>
+                    <a:bodyPr/>
+                    <a:lstStyle/>
+                    <a:p>
+                      <a:pPr algn="ctr" latinLnBrk="1"/>
+                      <a:r>
+                        <a:rPr lang="en-US" altLang="ko-KR" sz="1600" b="1" dirty="0"/>
+                        <a:t>Attribute</a:t>
+                      </a:r>
+                      <a:endParaRPr lang="ko-KR" altLang="en-US" sz="1600" b="1" dirty="0"/>
+                    </a:p>
+                  </a:txBody>
+                  <a:tcPr marL="89354" marR="89354" marT="44677" marB="44677" anchor="ctr">
+                    <a:lnL w="3175" cap="flat" cmpd="sng" algn="ctr">
+                      <a:solidFill>
+                        <a:schemeClr val="tx1"/>
+                      </a:solidFill>
+                      <a:prstDash val="lgDash"/>
+                      <a:round/>
+                      <a:headEnd type="none" w="med" len="med"/>
+                      <a:tailEnd type="none" w="med" len="med"/>
+                    </a:lnL>
+                    <a:lnR w="3175" cap="flat" cmpd="sng" algn="ctr">
+                      <a:solidFill>
+                        <a:schemeClr val="tx1"/>
+                      </a:solidFill>
+                      <a:prstDash val="lgDash"/>
+                      <a:round/>
+                      <a:headEnd type="none" w="med" len="med"/>
+                      <a:tailEnd type="none" w="med" len="med"/>
+                    </a:lnR>
+                    <a:lnT w="38100" cap="flat" cmpd="sng" algn="ctr">
+                      <a:solidFill>
+                        <a:schemeClr val="accent1"/>
+                      </a:solidFill>
+                      <a:prstDash val="solid"/>
+                      <a:round/>
+                      <a:headEnd type="none" w="med" len="med"/>
+                      <a:tailEnd type="none" w="med" len="med"/>
+                    </a:lnT>
+                    <a:lnB w="3175" cap="flat" cmpd="sng" algn="ctr">
+                      <a:solidFill>
+                        <a:schemeClr val="tx1"/>
+                      </a:solidFill>
+                      <a:prstDash val="lgDash"/>
+                      <a:round/>
+                      <a:headEnd type="none" w="med" len="med"/>
+                      <a:tailEnd type="none" w="med" len="med"/>
+                    </a:lnB>
+                    <a:lnTlToBr w="12700" cmpd="sng">
+                      <a:noFill/>
+                      <a:prstDash val="solid"/>
+                    </a:lnTlToBr>
+                    <a:lnBlToTr w="12700" cmpd="sng">
+                      <a:noFill/>
+                      <a:prstDash val="solid"/>
+                    </a:lnBlToTr>
+                    <a:solidFill>
+                      <a:schemeClr val="accent1">
+                        <a:lumMod val="20000"/>
+                        <a:lumOff val="80000"/>
+                      </a:schemeClr>
+                    </a:solidFill>
+                  </a:tcPr>
+                </a:tc>
+                <a:tc>
+                  <a:txBody>
+                    <a:bodyPr/>
+                    <a:lstStyle/>
+                    <a:p>
+                      <a:pPr algn="ctr" latinLnBrk="1"/>
+                      <a:r>
+                        <a:rPr lang="en-US" altLang="ko-KR" sz="1600" b="1" dirty="0"/>
+                        <a:t>Type</a:t>
+                      </a:r>
+                      <a:endParaRPr lang="ko-KR" altLang="en-US" sz="1600" b="1" dirty="0"/>
+                    </a:p>
+                  </a:txBody>
+                  <a:tcPr marL="89354" marR="89354" marT="44677" marB="44677" anchor="ctr">
+                    <a:lnL w="3175" cap="flat" cmpd="sng" algn="ctr">
+                      <a:solidFill>
+                        <a:schemeClr val="tx1"/>
+                      </a:solidFill>
+                      <a:prstDash val="lgDash"/>
+                      <a:round/>
+                      <a:headEnd type="none" w="med" len="med"/>
+                      <a:tailEnd type="none" w="med" len="med"/>
+                    </a:lnL>
+                    <a:lnR w="3175" cap="flat" cmpd="sng" algn="ctr">
+                      <a:solidFill>
+                        <a:schemeClr val="tx1"/>
+                      </a:solidFill>
+                      <a:prstDash val="lgDash"/>
+                      <a:round/>
+                      <a:headEnd type="none" w="med" len="med"/>
+                      <a:tailEnd type="none" w="med" len="med"/>
+                    </a:lnR>
+                    <a:lnT w="38100" cap="flat" cmpd="sng" algn="ctr">
+                      <a:solidFill>
+                        <a:schemeClr val="accent1"/>
+                      </a:solidFill>
+                      <a:prstDash val="solid"/>
+                      <a:round/>
+                      <a:headEnd type="none" w="med" len="med"/>
+                      <a:tailEnd type="none" w="med" len="med"/>
+                    </a:lnT>
+                    <a:lnB w="3175" cap="flat" cmpd="sng" algn="ctr">
+                      <a:solidFill>
+                        <a:schemeClr val="tx1"/>
+                      </a:solidFill>
+                      <a:prstDash val="lgDash"/>
+                      <a:round/>
+                      <a:headEnd type="none" w="med" len="med"/>
+                      <a:tailEnd type="none" w="med" len="med"/>
+                    </a:lnB>
+                    <a:lnTlToBr w="12700" cmpd="sng">
+                      <a:noFill/>
+                      <a:prstDash val="solid"/>
+                    </a:lnTlToBr>
+                    <a:lnBlToTr w="12700" cmpd="sng">
+                      <a:noFill/>
+                      <a:prstDash val="solid"/>
+                    </a:lnBlToTr>
+                    <a:solidFill>
+                      <a:schemeClr val="accent1">
+                        <a:lumMod val="20000"/>
+                        <a:lumOff val="80000"/>
+                      </a:schemeClr>
+                    </a:solidFill>
+                  </a:tcPr>
+                </a:tc>
+                <a:tc>
+                  <a:txBody>
+                    <a:bodyPr/>
+                    <a:lstStyle/>
+                    <a:p>
+                      <a:pPr algn="ctr" latinLnBrk="1"/>
+                      <a:r>
+                        <a:rPr lang="ko-KR" altLang="en-US" sz="1400" b="1" dirty="0"/>
+                        <a:t>설명</a:t>
+                      </a:r>
+                    </a:p>
+                  </a:txBody>
+                  <a:tcPr marL="89354" marR="89354" marT="44677" marB="44677" anchor="ctr">
+                    <a:lnL w="3175" cap="flat" cmpd="sng" algn="ctr">
+                      <a:solidFill>
+                        <a:schemeClr val="tx1"/>
+                      </a:solidFill>
+                      <a:prstDash val="lgDash"/>
+                      <a:round/>
+                      <a:headEnd type="none" w="med" len="med"/>
+                      <a:tailEnd type="none" w="med" len="med"/>
+                    </a:lnL>
+                    <a:lnR w="12700" cmpd="sng">
+                      <a:noFill/>
+                    </a:lnR>
+                    <a:lnT w="38100" cap="flat" cmpd="sng" algn="ctr">
+                      <a:solidFill>
+                        <a:schemeClr val="accent1"/>
+                      </a:solidFill>
+                      <a:prstDash val="solid"/>
+                      <a:round/>
+                      <a:headEnd type="none" w="med" len="med"/>
+                      <a:tailEnd type="none" w="med" len="med"/>
+                    </a:lnT>
+                    <a:lnB w="3175" cap="flat" cmpd="sng" algn="ctr">
+                      <a:solidFill>
+                        <a:schemeClr val="tx1"/>
+                      </a:solidFill>
+                      <a:prstDash val="lgDash"/>
+                      <a:round/>
+                      <a:headEnd type="none" w="med" len="med"/>
+                      <a:tailEnd type="none" w="med" len="med"/>
+                    </a:lnB>
+                    <a:lnTlToBr w="12700" cmpd="sng">
+                      <a:noFill/>
+                      <a:prstDash val="solid"/>
+                    </a:lnTlToBr>
+                    <a:lnBlToTr w="12700" cmpd="sng">
+                      <a:noFill/>
+                      <a:prstDash val="solid"/>
+                    </a:lnBlToTr>
+                    <a:solidFill>
+                      <a:schemeClr val="accent1">
+                        <a:lumMod val="20000"/>
+                        <a:lumOff val="80000"/>
+                      </a:schemeClr>
+                    </a:solidFill>
+                  </a:tcPr>
+                </a:tc>
+                <a:extLst>
+                  <a:ext uri="{0D108BD9-81ED-4DB2-BD59-A6C34878D82A}">
+                    <a16:rowId xmlns:a16="http://schemas.microsoft.com/office/drawing/2014/main" val="1366906639"/>
+                  </a:ext>
+                </a:extLst>
+              </a:tr>
+              <a:tr h="181837">
+                <a:tc vMerge="1">
+                  <a:txBody>
+                    <a:bodyPr/>
+                    <a:lstStyle/>
+                    <a:p>
+                      <a:pPr algn="ctr" latinLnBrk="1"/>
+                      <a:endParaRPr lang="ko-KR" altLang="en-US" sz="1800" dirty="0"/>
+                    </a:p>
+                  </a:txBody>
+                  <a:tcPr marL="89354" marR="89354" marT="44677" marB="44677" anchor="ctr">
+                    <a:lnL w="12700" cmpd="sng">
+                      <a:noFill/>
+                    </a:lnL>
+                    <a:lnR w="3175" cap="flat" cmpd="sng" algn="ctr">
+                      <a:solidFill>
+                        <a:schemeClr val="tx1"/>
+                      </a:solidFill>
+                      <a:prstDash val="lgDash"/>
+                      <a:round/>
+                      <a:headEnd type="none" w="med" len="med"/>
+                      <a:tailEnd type="none" w="med" len="med"/>
+                    </a:lnR>
+                    <a:lnT w="38100" cap="flat" cmpd="sng" algn="ctr">
+                      <a:solidFill>
+                        <a:schemeClr val="accent1"/>
+                      </a:solidFill>
+                      <a:prstDash val="solid"/>
+                      <a:round/>
+                      <a:headEnd type="none" w="med" len="med"/>
+                      <a:tailEnd type="none" w="med" len="med"/>
+                    </a:lnT>
+                    <a:lnB w="38100" cap="flat" cmpd="sng" algn="ctr">
+                      <a:solidFill>
+                        <a:schemeClr val="accent1"/>
+                      </a:solidFill>
+                      <a:prstDash val="solid"/>
+                      <a:round/>
+                      <a:headEnd type="none" w="med" len="med"/>
+                      <a:tailEnd type="none" w="med" len="med"/>
+                    </a:lnB>
+                    <a:lnTlToBr w="12700" cmpd="sng">
+                      <a:noFill/>
+                      <a:prstDash val="solid"/>
+                    </a:lnTlToBr>
+                    <a:lnBlToTr w="12700" cmpd="sng">
+                      <a:noFill/>
+                      <a:prstDash val="solid"/>
+                    </a:lnBlToTr>
+                  </a:tcPr>
+                </a:tc>
+                <a:tc vMerge="1">
+                  <a:txBody>
+                    <a:bodyPr/>
+                    <a:lstStyle/>
+                    <a:p>
+                      <a:pPr algn="ctr" latinLnBrk="1"/>
+                      <a:endParaRPr lang="ko-KR" altLang="en-US" sz="1800" dirty="0"/>
+                    </a:p>
+                  </a:txBody>
+                  <a:tcPr marL="89354" marR="89354" marT="44677" marB="44677" anchor="ctr">
+                    <a:lnL w="3175" cap="flat" cmpd="sng" algn="ctr">
+                      <a:solidFill>
+                        <a:schemeClr val="tx1"/>
+                      </a:solidFill>
+                      <a:prstDash val="lgDash"/>
+                      <a:round/>
+                      <a:headEnd type="none" w="med" len="med"/>
+                      <a:tailEnd type="none" w="med" len="med"/>
+                    </a:lnL>
+                    <a:lnR w="3175" cap="flat" cmpd="sng" algn="ctr">
+                      <a:solidFill>
+                        <a:schemeClr val="tx1"/>
+                      </a:solidFill>
+                      <a:prstDash val="lgDash"/>
+                      <a:round/>
+                      <a:headEnd type="none" w="med" len="med"/>
+                      <a:tailEnd type="none" w="med" len="med"/>
+                    </a:lnR>
+                    <a:lnT w="38100" cap="flat" cmpd="sng" algn="ctr">
+                      <a:solidFill>
+                        <a:schemeClr val="accent1"/>
+                      </a:solidFill>
+                      <a:prstDash val="solid"/>
+                      <a:round/>
+                      <a:headEnd type="none" w="med" len="med"/>
+                      <a:tailEnd type="none" w="med" len="med"/>
+                    </a:lnT>
+                    <a:lnB w="38100" cap="flat" cmpd="sng" algn="ctr">
+                      <a:solidFill>
+                        <a:schemeClr val="accent1"/>
+                      </a:solidFill>
+                      <a:prstDash val="solid"/>
+                      <a:round/>
+                      <a:headEnd type="none" w="med" len="med"/>
+                      <a:tailEnd type="none" w="med" len="med"/>
+                    </a:lnB>
+                    <a:lnTlToBr w="12700" cmpd="sng">
+                      <a:noFill/>
+                      <a:prstDash val="solid"/>
+                    </a:lnTlToBr>
+                    <a:lnBlToTr w="12700" cmpd="sng">
+                      <a:noFill/>
+                      <a:prstDash val="solid"/>
+                    </a:lnBlToTr>
+                  </a:tcPr>
+                </a:tc>
+                <a:tc>
+                  <a:txBody>
+                    <a:bodyPr/>
+                    <a:lstStyle/>
+                    <a:p>
+                      <a:pPr latinLnBrk="1"/>
+                      <a:r>
+                        <a:rPr lang="en-US" altLang="ko-KR" sz="1600" dirty="0" err="1"/>
+                        <a:t>idLabel</a:t>
+                      </a:r>
+                      <a:endParaRPr lang="ko-KR" altLang="en-US" sz="1600" dirty="0"/>
+                    </a:p>
+                  </a:txBody>
+                  <a:tcPr marL="89354" marR="89354" marT="44677" marB="44677" anchor="ctr">
+                    <a:lnL w="3175" cap="flat" cmpd="sng" algn="ctr">
+                      <a:solidFill>
+                        <a:schemeClr val="tx1"/>
+                      </a:solidFill>
+                      <a:prstDash val="lgDash"/>
+                      <a:round/>
+                      <a:headEnd type="none" w="med" len="med"/>
+                      <a:tailEnd type="none" w="med" len="med"/>
+                    </a:lnL>
+                    <a:lnR w="3175" cap="flat" cmpd="sng" algn="ctr">
+                      <a:solidFill>
+                        <a:schemeClr val="tx1"/>
+                      </a:solidFill>
+                      <a:prstDash val="lgDash"/>
+                      <a:round/>
+                      <a:headEnd type="none" w="med" len="med"/>
+                      <a:tailEnd type="none" w="med" len="med"/>
+                    </a:lnR>
+                    <a:lnT w="3175" cap="flat" cmpd="sng" algn="ctr">
+                      <a:solidFill>
+                        <a:schemeClr val="tx1"/>
+                      </a:solidFill>
+                      <a:prstDash val="lgDash"/>
+                      <a:round/>
+                      <a:headEnd type="none" w="med" len="med"/>
+                      <a:tailEnd type="none" w="med" len="med"/>
+                    </a:lnT>
+                    <a:lnB w="3175" cap="flat" cmpd="sng" algn="ctr">
+                      <a:solidFill>
+                        <a:schemeClr val="tx1"/>
+                      </a:solidFill>
+                      <a:prstDash val="lgDash"/>
+                      <a:round/>
+                      <a:headEnd type="none" w="med" len="med"/>
+                      <a:tailEnd type="none" w="med" len="med"/>
+                    </a:lnB>
+                    <a:lnTlToBr w="12700" cmpd="sng">
+                      <a:noFill/>
+                      <a:prstDash val="solid"/>
+                    </a:lnTlToBr>
+                    <a:lnBlToTr w="12700" cmpd="sng">
+                      <a:noFill/>
+                      <a:prstDash val="solid"/>
+                    </a:lnBlToTr>
+                  </a:tcPr>
+                </a:tc>
+                <a:tc>
+                  <a:txBody>
+                    <a:bodyPr/>
+                    <a:lstStyle/>
+                    <a:p>
+                      <a:pPr latinLnBrk="1"/>
+                      <a:r>
+                        <a:rPr lang="en-US" altLang="ko-KR" sz="1600" dirty="0" err="1"/>
+                        <a:t>JLabel</a:t>
+                      </a:r>
+                      <a:endParaRPr lang="ko-KR" altLang="en-US" sz="1600" dirty="0"/>
+                    </a:p>
+                  </a:txBody>
+                  <a:tcPr marL="89354" marR="89354" marT="44677" marB="44677" anchor="ctr">
+                    <a:lnL w="3175" cap="flat" cmpd="sng" algn="ctr">
+                      <a:solidFill>
+                        <a:schemeClr val="tx1"/>
+                      </a:solidFill>
+                      <a:prstDash val="lgDash"/>
+                      <a:round/>
+                      <a:headEnd type="none" w="med" len="med"/>
+                      <a:tailEnd type="none" w="med" len="med"/>
+                    </a:lnL>
+                    <a:lnR w="3175" cap="flat" cmpd="sng" algn="ctr">
+                      <a:solidFill>
+                        <a:schemeClr val="tx1"/>
+                      </a:solidFill>
+                      <a:prstDash val="lgDash"/>
+                      <a:round/>
+                      <a:headEnd type="none" w="med" len="med"/>
+                      <a:tailEnd type="none" w="med" len="med"/>
+                    </a:lnR>
+                    <a:lnT w="3175" cap="flat" cmpd="sng" algn="ctr">
+                      <a:solidFill>
+                        <a:schemeClr val="tx1"/>
+                      </a:solidFill>
+                      <a:prstDash val="lgDash"/>
+                      <a:round/>
+                      <a:headEnd type="none" w="med" len="med"/>
+                      <a:tailEnd type="none" w="med" len="med"/>
+                    </a:lnT>
+                    <a:lnB w="3175" cap="flat" cmpd="sng" algn="ctr">
+                      <a:solidFill>
+                        <a:schemeClr val="tx1"/>
+                      </a:solidFill>
+                      <a:prstDash val="lgDash"/>
+                      <a:round/>
+                      <a:headEnd type="none" w="med" len="med"/>
+                      <a:tailEnd type="none" w="med" len="med"/>
+                    </a:lnB>
+                    <a:lnTlToBr w="12700" cmpd="sng">
+                      <a:noFill/>
+                      <a:prstDash val="solid"/>
+                    </a:lnTlToBr>
+                    <a:lnBlToTr w="12700" cmpd="sng">
+                      <a:noFill/>
+                      <a:prstDash val="solid"/>
+                    </a:lnBlToTr>
+                  </a:tcPr>
+                </a:tc>
+                <a:tc>
+                  <a:txBody>
+                    <a:bodyPr/>
+                    <a:lstStyle/>
+                    <a:p>
+                      <a:pPr latinLnBrk="1"/>
+                      <a:r>
+                        <a:rPr lang="ko-KR" altLang="en-US" sz="1400" dirty="0"/>
+                        <a:t>아이디 필드의 제목</a:t>
+                      </a:r>
+                    </a:p>
+                  </a:txBody>
+                  <a:tcPr marL="89354" marR="89354" marT="44677" marB="44677" anchor="ctr">
+                    <a:lnL w="3175" cap="flat" cmpd="sng" algn="ctr">
+                      <a:solidFill>
+                        <a:schemeClr val="tx1"/>
+                      </a:solidFill>
+                      <a:prstDash val="lgDash"/>
+                      <a:round/>
+                      <a:headEnd type="none" w="med" len="med"/>
+                      <a:tailEnd type="none" w="med" len="med"/>
+                    </a:lnL>
+                    <a:lnR w="12700" cmpd="sng">
+                      <a:noFill/>
+                    </a:lnR>
+                    <a:lnT w="3175" cap="flat" cmpd="sng" algn="ctr">
+                      <a:solidFill>
+                        <a:schemeClr val="tx1"/>
+                      </a:solidFill>
+                      <a:prstDash val="lgDash"/>
+                      <a:round/>
+                      <a:headEnd type="none" w="med" len="med"/>
+                      <a:tailEnd type="none" w="med" len="med"/>
+                    </a:lnT>
+                    <a:lnB w="3175" cap="flat" cmpd="sng" algn="ctr">
+                      <a:solidFill>
+                        <a:schemeClr val="tx1"/>
+                      </a:solidFill>
+                      <a:prstDash val="lgDash"/>
+                      <a:round/>
+                      <a:headEnd type="none" w="med" len="med"/>
+                      <a:tailEnd type="none" w="med" len="med"/>
+                    </a:lnB>
+                    <a:lnTlToBr w="12700" cmpd="sng">
+                      <a:noFill/>
+                      <a:prstDash val="solid"/>
+                    </a:lnTlToBr>
+                    <a:lnBlToTr w="12700" cmpd="sng">
+                      <a:noFill/>
+                      <a:prstDash val="solid"/>
+                    </a:lnBlToTr>
+                  </a:tcPr>
+                </a:tc>
+                <a:extLst>
+                  <a:ext uri="{0D108BD9-81ED-4DB2-BD59-A6C34878D82A}">
+                    <a16:rowId xmlns:a16="http://schemas.microsoft.com/office/drawing/2014/main" val="3818164504"/>
+                  </a:ext>
+                </a:extLst>
+              </a:tr>
+              <a:tr h="181837">
+                <a:tc vMerge="1">
+                  <a:txBody>
+                    <a:bodyPr/>
+                    <a:lstStyle/>
+                    <a:p>
+                      <a:pPr latinLnBrk="1"/>
+                      <a:endParaRPr lang="ko-KR" altLang="en-US"/>
+                    </a:p>
+                  </a:txBody>
+                  <a:tcPr/>
+                </a:tc>
+                <a:tc vMerge="1">
+                  <a:txBody>
+                    <a:bodyPr/>
+                    <a:lstStyle/>
+                    <a:p>
+                      <a:pPr latinLnBrk="1"/>
+                      <a:endParaRPr lang="ko-KR" altLang="en-US"/>
+                    </a:p>
+                  </a:txBody>
+                  <a:tcPr/>
+                </a:tc>
+                <a:tc>
+                  <a:txBody>
+                    <a:bodyPr/>
+                    <a:lstStyle/>
+                    <a:p>
+                      <a:pPr latinLnBrk="1"/>
+                      <a:r>
+                        <a:rPr lang="en-US" altLang="ko-KR" sz="1600" dirty="0" err="1"/>
+                        <a:t>idTextField</a:t>
+                      </a:r>
+                      <a:endParaRPr lang="ko-KR" altLang="en-US" sz="1600" dirty="0"/>
+                    </a:p>
+                  </a:txBody>
+                  <a:tcPr marL="89354" marR="89354" marT="44677" marB="44677" anchor="ctr">
+                    <a:lnL w="3175" cap="flat" cmpd="sng" algn="ctr">
+                      <a:solidFill>
+                        <a:schemeClr val="tx1"/>
+                      </a:solidFill>
+                      <a:prstDash val="lgDash"/>
+                      <a:round/>
+                      <a:headEnd type="none" w="med" len="med"/>
+                      <a:tailEnd type="none" w="med" len="med"/>
+                    </a:lnL>
+                    <a:lnR w="3175" cap="flat" cmpd="sng" algn="ctr">
+                      <a:solidFill>
+                        <a:schemeClr val="tx1"/>
+                      </a:solidFill>
+                      <a:prstDash val="lgDash"/>
+                      <a:round/>
+                      <a:headEnd type="none" w="med" len="med"/>
+                      <a:tailEnd type="none" w="med" len="med"/>
+                    </a:lnR>
+                    <a:lnT w="3175" cap="flat" cmpd="sng" algn="ctr">
+                      <a:solidFill>
+                        <a:schemeClr val="tx1"/>
+                      </a:solidFill>
+                      <a:prstDash val="lgDash"/>
+                      <a:round/>
+                      <a:headEnd type="none" w="med" len="med"/>
+                      <a:tailEnd type="none" w="med" len="med"/>
+                    </a:lnT>
+                    <a:lnB w="3175" cap="flat" cmpd="sng" algn="ctr">
+                      <a:solidFill>
+                        <a:schemeClr val="tx1"/>
+                      </a:solidFill>
+                      <a:prstDash val="lgDash"/>
+                      <a:round/>
+                      <a:headEnd type="none" w="med" len="med"/>
+                      <a:tailEnd type="none" w="med" len="med"/>
+                    </a:lnB>
+                    <a:lnTlToBr w="12700" cmpd="sng">
+                      <a:noFill/>
+                      <a:prstDash val="solid"/>
+                    </a:lnTlToBr>
+                    <a:lnBlToTr w="12700" cmpd="sng">
+                      <a:noFill/>
+                      <a:prstDash val="solid"/>
+                    </a:lnBlToTr>
+                  </a:tcPr>
+                </a:tc>
+                <a:tc>
+                  <a:txBody>
+                    <a:bodyPr/>
+                    <a:lstStyle/>
+                    <a:p>
+                      <a:pPr latinLnBrk="1"/>
+                      <a:r>
+                        <a:rPr lang="en-US" altLang="ko-KR" sz="1600" dirty="0" err="1"/>
+                        <a:t>JTextField</a:t>
+                      </a:r>
+                      <a:endParaRPr lang="ko-KR" altLang="en-US" sz="1600" dirty="0"/>
+                    </a:p>
+                  </a:txBody>
+                  <a:tcPr marL="89354" marR="89354" marT="44677" marB="44677" anchor="ctr">
+                    <a:lnL w="3175" cap="flat" cmpd="sng" algn="ctr">
+                      <a:solidFill>
+                        <a:schemeClr val="tx1"/>
+                      </a:solidFill>
+                      <a:prstDash val="lgDash"/>
+                      <a:round/>
+                      <a:headEnd type="none" w="med" len="med"/>
+                      <a:tailEnd type="none" w="med" len="med"/>
+                    </a:lnL>
+                    <a:lnR w="3175" cap="flat" cmpd="sng" algn="ctr">
+                      <a:solidFill>
+                        <a:schemeClr val="tx1"/>
+                      </a:solidFill>
+                      <a:prstDash val="lgDash"/>
+                      <a:round/>
+                      <a:headEnd type="none" w="med" len="med"/>
+                      <a:tailEnd type="none" w="med" len="med"/>
+                    </a:lnR>
+                    <a:lnT w="3175" cap="flat" cmpd="sng" algn="ctr">
+                      <a:solidFill>
+                        <a:schemeClr val="tx1"/>
+                      </a:solidFill>
+                      <a:prstDash val="lgDash"/>
+                      <a:round/>
+                      <a:headEnd type="none" w="med" len="med"/>
+                      <a:tailEnd type="none" w="med" len="med"/>
+                    </a:lnT>
+                    <a:lnB w="3175" cap="flat" cmpd="sng" algn="ctr">
+                      <a:solidFill>
+                        <a:schemeClr val="tx1"/>
+                      </a:solidFill>
+                      <a:prstDash val="lgDash"/>
+                      <a:round/>
+                      <a:headEnd type="none" w="med" len="med"/>
+                      <a:tailEnd type="none" w="med" len="med"/>
+                    </a:lnB>
+                    <a:lnTlToBr w="12700" cmpd="sng">
+                      <a:noFill/>
+                      <a:prstDash val="solid"/>
+                    </a:lnTlToBr>
+                    <a:lnBlToTr w="12700" cmpd="sng">
+                      <a:noFill/>
+                      <a:prstDash val="solid"/>
+                    </a:lnBlToTr>
+                  </a:tcPr>
+                </a:tc>
+                <a:tc>
+                  <a:txBody>
+                    <a:bodyPr/>
+                    <a:lstStyle/>
+                    <a:p>
+                      <a:pPr latinLnBrk="1"/>
+                      <a:r>
+                        <a:rPr lang="ko-KR" altLang="en-US" sz="1400" dirty="0"/>
+                        <a:t>아이디 텍스트 필드</a:t>
+                      </a:r>
+                    </a:p>
+                  </a:txBody>
+                  <a:tcPr marL="89354" marR="89354" marT="44677" marB="44677" anchor="ctr">
+                    <a:lnL w="3175" cap="flat" cmpd="sng" algn="ctr">
+                      <a:solidFill>
+                        <a:schemeClr val="tx1"/>
+                      </a:solidFill>
+                      <a:prstDash val="lgDash"/>
+                      <a:round/>
+                      <a:headEnd type="none" w="med" len="med"/>
+                      <a:tailEnd type="none" w="med" len="med"/>
+                    </a:lnL>
+                    <a:lnR w="12700" cmpd="sng">
+                      <a:noFill/>
+                    </a:lnR>
+                    <a:lnT w="3175" cap="flat" cmpd="sng" algn="ctr">
+                      <a:solidFill>
+                        <a:schemeClr val="tx1"/>
+                      </a:solidFill>
+                      <a:prstDash val="lgDash"/>
+                      <a:round/>
+                      <a:headEnd type="none" w="med" len="med"/>
+                      <a:tailEnd type="none" w="med" len="med"/>
+                    </a:lnT>
+                    <a:lnB w="3175" cap="flat" cmpd="sng" algn="ctr">
+                      <a:solidFill>
+                        <a:schemeClr val="tx1"/>
+                      </a:solidFill>
+                      <a:prstDash val="lgDash"/>
+                      <a:round/>
+                      <a:headEnd type="none" w="med" len="med"/>
+                      <a:tailEnd type="none" w="med" len="med"/>
+                    </a:lnB>
+                    <a:lnTlToBr w="12700" cmpd="sng">
+                      <a:noFill/>
+                      <a:prstDash val="solid"/>
+                    </a:lnTlToBr>
+                    <a:lnBlToTr w="12700" cmpd="sng">
+                      <a:noFill/>
+                      <a:prstDash val="solid"/>
+                    </a:lnBlToTr>
+                  </a:tcPr>
+                </a:tc>
+                <a:extLst>
+                  <a:ext uri="{0D108BD9-81ED-4DB2-BD59-A6C34878D82A}">
+                    <a16:rowId xmlns:a16="http://schemas.microsoft.com/office/drawing/2014/main" val="623999781"/>
+                  </a:ext>
+                </a:extLst>
+              </a:tr>
+              <a:tr h="181837">
+                <a:tc vMerge="1">
+                  <a:txBody>
+                    <a:bodyPr/>
+                    <a:lstStyle/>
+                    <a:p>
+                      <a:pPr latinLnBrk="1"/>
+                      <a:endParaRPr lang="ko-KR" altLang="en-US"/>
+                    </a:p>
+                  </a:txBody>
+                  <a:tcPr/>
+                </a:tc>
+                <a:tc vMerge="1">
+                  <a:txBody>
+                    <a:bodyPr/>
+                    <a:lstStyle/>
+                    <a:p>
+                      <a:pPr latinLnBrk="1"/>
+                      <a:endParaRPr lang="ko-KR" altLang="en-US"/>
+                    </a:p>
+                  </a:txBody>
+                  <a:tcPr/>
+                </a:tc>
+                <a:tc>
+                  <a:txBody>
+                    <a:bodyPr/>
+                    <a:lstStyle/>
+                    <a:p>
+                      <a:pPr latinLnBrk="1"/>
+                      <a:r>
+                        <a:rPr lang="en-US" altLang="ko-KR" sz="1600" dirty="0" err="1"/>
+                        <a:t>pwLabel</a:t>
+                      </a:r>
+                      <a:endParaRPr lang="ko-KR" altLang="en-US" sz="1600" dirty="0"/>
+                    </a:p>
+                  </a:txBody>
+                  <a:tcPr marL="89354" marR="89354" marT="44677" marB="44677" anchor="ctr">
+                    <a:lnL w="3175" cap="flat" cmpd="sng" algn="ctr">
+                      <a:solidFill>
+                        <a:schemeClr val="tx1"/>
+                      </a:solidFill>
+                      <a:prstDash val="lgDash"/>
+                      <a:round/>
+                      <a:headEnd type="none" w="med" len="med"/>
+                      <a:tailEnd type="none" w="med" len="med"/>
+                    </a:lnL>
+                    <a:lnR w="3175" cap="flat" cmpd="sng" algn="ctr">
+                      <a:solidFill>
+                        <a:schemeClr val="tx1"/>
+                      </a:solidFill>
+                      <a:prstDash val="lgDash"/>
+                      <a:round/>
+                      <a:headEnd type="none" w="med" len="med"/>
+                      <a:tailEnd type="none" w="med" len="med"/>
+                    </a:lnR>
+                    <a:lnT w="3175" cap="flat" cmpd="sng" algn="ctr">
+                      <a:solidFill>
+                        <a:schemeClr val="tx1"/>
+                      </a:solidFill>
+                      <a:prstDash val="lgDash"/>
+                      <a:round/>
+                      <a:headEnd type="none" w="med" len="med"/>
+                      <a:tailEnd type="none" w="med" len="med"/>
+                    </a:lnT>
+                    <a:lnB w="3175" cap="flat" cmpd="sng" algn="ctr">
+                      <a:solidFill>
+                        <a:schemeClr val="tx1"/>
+                      </a:solidFill>
+                      <a:prstDash val="lgDash"/>
+                      <a:round/>
+                      <a:headEnd type="none" w="med" len="med"/>
+                      <a:tailEnd type="none" w="med" len="med"/>
+                    </a:lnB>
+                    <a:lnTlToBr w="12700" cmpd="sng">
+                      <a:noFill/>
+                      <a:prstDash val="solid"/>
+                    </a:lnTlToBr>
+                    <a:lnBlToTr w="12700" cmpd="sng">
+                      <a:noFill/>
+                      <a:prstDash val="solid"/>
+                    </a:lnBlToTr>
+                  </a:tcPr>
+                </a:tc>
+                <a:tc>
+                  <a:txBody>
+                    <a:bodyPr/>
+                    <a:lstStyle/>
+                    <a:p>
+                      <a:pPr latinLnBrk="1"/>
+                      <a:r>
+                        <a:rPr lang="en-US" altLang="ko-KR" sz="1600" dirty="0" err="1"/>
+                        <a:t>JLabel</a:t>
+                      </a:r>
+                      <a:endParaRPr lang="ko-KR" altLang="en-US" sz="1600" dirty="0"/>
+                    </a:p>
+                  </a:txBody>
+                  <a:tcPr marL="89354" marR="89354" marT="44677" marB="44677" anchor="ctr">
+                    <a:lnL w="3175" cap="flat" cmpd="sng" algn="ctr">
+                      <a:solidFill>
+                        <a:schemeClr val="tx1"/>
+                      </a:solidFill>
+                      <a:prstDash val="lgDash"/>
+                      <a:round/>
+                      <a:headEnd type="none" w="med" len="med"/>
+                      <a:tailEnd type="none" w="med" len="med"/>
+                    </a:lnL>
+                    <a:lnR w="3175" cap="flat" cmpd="sng" algn="ctr">
+                      <a:solidFill>
+                        <a:schemeClr val="tx1"/>
+                      </a:solidFill>
+                      <a:prstDash val="lgDash"/>
+                      <a:round/>
+                      <a:headEnd type="none" w="med" len="med"/>
+                      <a:tailEnd type="none" w="med" len="med"/>
+                    </a:lnR>
+                    <a:lnT w="3175" cap="flat" cmpd="sng" algn="ctr">
+                      <a:solidFill>
+                        <a:schemeClr val="tx1"/>
+                      </a:solidFill>
+                      <a:prstDash val="lgDash"/>
+                      <a:round/>
+                      <a:headEnd type="none" w="med" len="med"/>
+                      <a:tailEnd type="none" w="med" len="med"/>
+                    </a:lnT>
+                    <a:lnB w="3175" cap="flat" cmpd="sng" algn="ctr">
+                      <a:solidFill>
+                        <a:schemeClr val="tx1"/>
+                      </a:solidFill>
+                      <a:prstDash val="lgDash"/>
+                      <a:round/>
+                      <a:headEnd type="none" w="med" len="med"/>
+                      <a:tailEnd type="none" w="med" len="med"/>
+                    </a:lnB>
+                    <a:lnTlToBr w="12700" cmpd="sng">
+                      <a:noFill/>
+                      <a:prstDash val="solid"/>
+                    </a:lnTlToBr>
+                    <a:lnBlToTr w="12700" cmpd="sng">
+                      <a:noFill/>
+                      <a:prstDash val="solid"/>
+                    </a:lnBlToTr>
+                  </a:tcPr>
+                </a:tc>
+                <a:tc>
+                  <a:txBody>
+                    <a:bodyPr/>
+                    <a:lstStyle/>
+                    <a:p>
+                      <a:pPr latinLnBrk="1"/>
+                      <a:r>
+                        <a:rPr lang="ko-KR" altLang="en-US" sz="1400" dirty="0"/>
+                        <a:t>비밀번호 필드의 제목</a:t>
+                      </a:r>
+                    </a:p>
+                  </a:txBody>
+                  <a:tcPr marL="89354" marR="89354" marT="44677" marB="44677" anchor="ctr">
+                    <a:lnL w="3175" cap="flat" cmpd="sng" algn="ctr">
+                      <a:solidFill>
+                        <a:schemeClr val="tx1"/>
+                      </a:solidFill>
+                      <a:prstDash val="lgDash"/>
+                      <a:round/>
+                      <a:headEnd type="none" w="med" len="med"/>
+                      <a:tailEnd type="none" w="med" len="med"/>
+                    </a:lnL>
+                    <a:lnR w="12700" cmpd="sng">
+                      <a:noFill/>
+                    </a:lnR>
+                    <a:lnT w="3175" cap="flat" cmpd="sng" algn="ctr">
+                      <a:solidFill>
+                        <a:schemeClr val="tx1"/>
+                      </a:solidFill>
+                      <a:prstDash val="lgDash"/>
+                      <a:round/>
+                      <a:headEnd type="none" w="med" len="med"/>
+                      <a:tailEnd type="none" w="med" len="med"/>
+                    </a:lnT>
+                    <a:lnB w="3175" cap="flat" cmpd="sng" algn="ctr">
+                      <a:solidFill>
+                        <a:schemeClr val="tx1"/>
+                      </a:solidFill>
+                      <a:prstDash val="lgDash"/>
+                      <a:round/>
+                      <a:headEnd type="none" w="med" len="med"/>
+                      <a:tailEnd type="none" w="med" len="med"/>
+                    </a:lnB>
+                    <a:lnTlToBr w="12700" cmpd="sng">
+                      <a:noFill/>
+                      <a:prstDash val="solid"/>
+                    </a:lnTlToBr>
+                    <a:lnBlToTr w="12700" cmpd="sng">
+                      <a:noFill/>
+                      <a:prstDash val="solid"/>
+                    </a:lnBlToTr>
+                  </a:tcPr>
+                </a:tc>
+                <a:extLst>
+                  <a:ext uri="{0D108BD9-81ED-4DB2-BD59-A6C34878D82A}">
+                    <a16:rowId xmlns:a16="http://schemas.microsoft.com/office/drawing/2014/main" val="1012679977"/>
+                  </a:ext>
+                </a:extLst>
+              </a:tr>
+              <a:tr h="181837">
+                <a:tc vMerge="1">
+                  <a:txBody>
+                    <a:bodyPr/>
+                    <a:lstStyle/>
+                    <a:p>
+                      <a:pPr latinLnBrk="1"/>
+                      <a:endParaRPr lang="ko-KR" altLang="en-US"/>
+                    </a:p>
+                  </a:txBody>
+                  <a:tcPr/>
+                </a:tc>
+                <a:tc vMerge="1">
+                  <a:txBody>
+                    <a:bodyPr/>
+                    <a:lstStyle/>
+                    <a:p>
+                      <a:pPr latinLnBrk="1"/>
+                      <a:endParaRPr lang="ko-KR" altLang="en-US"/>
+                    </a:p>
+                  </a:txBody>
+                  <a:tcPr/>
+                </a:tc>
+                <a:tc>
+                  <a:txBody>
+                    <a:bodyPr/>
+                    <a:lstStyle/>
+                    <a:p>
+                      <a:pPr latinLnBrk="1"/>
+                      <a:r>
+                        <a:rPr lang="en-US" altLang="ko-KR" sz="1600" dirty="0" err="1"/>
+                        <a:t>pwPasswordField</a:t>
+                      </a:r>
+                      <a:endParaRPr lang="ko-KR" altLang="en-US" sz="1600" dirty="0"/>
+                    </a:p>
+                  </a:txBody>
+                  <a:tcPr marL="89354" marR="89354" marT="44677" marB="44677" anchor="ctr">
+                    <a:lnL w="3175" cap="flat" cmpd="sng" algn="ctr">
+                      <a:solidFill>
+                        <a:schemeClr val="tx1"/>
+                      </a:solidFill>
+                      <a:prstDash val="lgDash"/>
+                      <a:round/>
+                      <a:headEnd type="none" w="med" len="med"/>
+                      <a:tailEnd type="none" w="med" len="med"/>
+                    </a:lnL>
+                    <a:lnR w="3175" cap="flat" cmpd="sng" algn="ctr">
+                      <a:solidFill>
+                        <a:schemeClr val="tx1"/>
+                      </a:solidFill>
+                      <a:prstDash val="lgDash"/>
+                      <a:round/>
+                      <a:headEnd type="none" w="med" len="med"/>
+                      <a:tailEnd type="none" w="med" len="med"/>
+                    </a:lnR>
+                    <a:lnT w="3175" cap="flat" cmpd="sng" algn="ctr">
+                      <a:solidFill>
+                        <a:schemeClr val="tx1"/>
+                      </a:solidFill>
+                      <a:prstDash val="lgDash"/>
+                      <a:round/>
+                      <a:headEnd type="none" w="med" len="med"/>
+                      <a:tailEnd type="none" w="med" len="med"/>
+                    </a:lnT>
+                    <a:lnB w="3175" cap="flat" cmpd="sng" algn="ctr">
+                      <a:solidFill>
+                        <a:schemeClr val="tx1"/>
+                      </a:solidFill>
+                      <a:prstDash val="lgDash"/>
+                      <a:round/>
+                      <a:headEnd type="none" w="med" len="med"/>
+                      <a:tailEnd type="none" w="med" len="med"/>
+                    </a:lnB>
+                    <a:lnTlToBr w="12700" cmpd="sng">
+                      <a:noFill/>
+                      <a:prstDash val="solid"/>
+                    </a:lnTlToBr>
+                    <a:lnBlToTr w="12700" cmpd="sng">
+                      <a:noFill/>
+                      <a:prstDash val="solid"/>
+                    </a:lnBlToTr>
+                  </a:tcPr>
+                </a:tc>
+                <a:tc>
+                  <a:txBody>
+                    <a:bodyPr/>
+                    <a:lstStyle/>
+                    <a:p>
+                      <a:pPr latinLnBrk="1"/>
+                      <a:r>
+                        <a:rPr lang="en-US" altLang="ko-KR" sz="1600" dirty="0" err="1"/>
+                        <a:t>JPasswordField</a:t>
+                      </a:r>
+                      <a:endParaRPr lang="ko-KR" altLang="en-US" sz="1600" dirty="0"/>
+                    </a:p>
+                  </a:txBody>
+                  <a:tcPr marL="89354" marR="89354" marT="44677" marB="44677" anchor="ctr">
+                    <a:lnL w="3175" cap="flat" cmpd="sng" algn="ctr">
+                      <a:solidFill>
+                        <a:schemeClr val="tx1"/>
+                      </a:solidFill>
+                      <a:prstDash val="lgDash"/>
+                      <a:round/>
+                      <a:headEnd type="none" w="med" len="med"/>
+                      <a:tailEnd type="none" w="med" len="med"/>
+                    </a:lnL>
+                    <a:lnR w="3175" cap="flat" cmpd="sng" algn="ctr">
+                      <a:solidFill>
+                        <a:schemeClr val="tx1"/>
+                      </a:solidFill>
+                      <a:prstDash val="lgDash"/>
+                      <a:round/>
+                      <a:headEnd type="none" w="med" len="med"/>
+                      <a:tailEnd type="none" w="med" len="med"/>
+                    </a:lnR>
+                    <a:lnT w="3175" cap="flat" cmpd="sng" algn="ctr">
+                      <a:solidFill>
+                        <a:schemeClr val="tx1"/>
+                      </a:solidFill>
+                      <a:prstDash val="lgDash"/>
+                      <a:round/>
+                      <a:headEnd type="none" w="med" len="med"/>
+                      <a:tailEnd type="none" w="med" len="med"/>
+                    </a:lnT>
+                    <a:lnB w="3175" cap="flat" cmpd="sng" algn="ctr">
+                      <a:solidFill>
+                        <a:schemeClr val="tx1"/>
+                      </a:solidFill>
+                      <a:prstDash val="lgDash"/>
+                      <a:round/>
+                      <a:headEnd type="none" w="med" len="med"/>
+                      <a:tailEnd type="none" w="med" len="med"/>
+                    </a:lnB>
+                    <a:lnTlToBr w="12700" cmpd="sng">
+                      <a:noFill/>
+                      <a:prstDash val="solid"/>
+                    </a:lnTlToBr>
+                    <a:lnBlToTr w="12700" cmpd="sng">
+                      <a:noFill/>
+                      <a:prstDash val="solid"/>
+                    </a:lnBlToTr>
+                  </a:tcPr>
+                </a:tc>
+                <a:tc>
+                  <a:txBody>
+                    <a:bodyPr/>
+                    <a:lstStyle/>
+                    <a:p>
+                      <a:pPr latinLnBrk="1"/>
+                      <a:r>
+                        <a:rPr lang="ko-KR" altLang="en-US" sz="1400" dirty="0"/>
+                        <a:t>비밀번호 텍스트 필드</a:t>
+                      </a:r>
+                    </a:p>
+                  </a:txBody>
+                  <a:tcPr marL="89354" marR="89354" marT="44677" marB="44677" anchor="ctr">
+                    <a:lnL w="3175" cap="flat" cmpd="sng" algn="ctr">
+                      <a:solidFill>
+                        <a:schemeClr val="tx1"/>
+                      </a:solidFill>
+                      <a:prstDash val="lgDash"/>
+                      <a:round/>
+                      <a:headEnd type="none" w="med" len="med"/>
+                      <a:tailEnd type="none" w="med" len="med"/>
+                    </a:lnL>
+                    <a:lnR w="12700" cmpd="sng">
+                      <a:noFill/>
+                    </a:lnR>
+                    <a:lnT w="3175" cap="flat" cmpd="sng" algn="ctr">
+                      <a:solidFill>
+                        <a:schemeClr val="tx1"/>
+                      </a:solidFill>
+                      <a:prstDash val="lgDash"/>
+                      <a:round/>
+                      <a:headEnd type="none" w="med" len="med"/>
+                      <a:tailEnd type="none" w="med" len="med"/>
+                    </a:lnT>
+                    <a:lnB w="3175" cap="flat" cmpd="sng" algn="ctr">
+                      <a:solidFill>
+                        <a:schemeClr val="tx1"/>
+                      </a:solidFill>
+                      <a:prstDash val="lgDash"/>
+                      <a:round/>
+                      <a:headEnd type="none" w="med" len="med"/>
+                      <a:tailEnd type="none" w="med" len="med"/>
+                    </a:lnB>
+                    <a:lnTlToBr w="12700" cmpd="sng">
+                      <a:noFill/>
+                      <a:prstDash val="solid"/>
+                    </a:lnTlToBr>
+                    <a:lnBlToTr w="12700" cmpd="sng">
+                      <a:noFill/>
+                      <a:prstDash val="solid"/>
+                    </a:lnBlToTr>
+                  </a:tcPr>
+                </a:tc>
+                <a:extLst>
+                  <a:ext uri="{0D108BD9-81ED-4DB2-BD59-A6C34878D82A}">
+                    <a16:rowId xmlns:a16="http://schemas.microsoft.com/office/drawing/2014/main" val="1239598848"/>
+                  </a:ext>
+                </a:extLst>
+              </a:tr>
+              <a:tr h="181837">
+                <a:tc vMerge="1">
+                  <a:txBody>
+                    <a:bodyPr/>
+                    <a:lstStyle/>
+                    <a:p>
+                      <a:pPr latinLnBrk="1"/>
+                      <a:endParaRPr lang="ko-KR" altLang="en-US"/>
+                    </a:p>
+                  </a:txBody>
+                  <a:tcPr/>
+                </a:tc>
+                <a:tc vMerge="1">
+                  <a:txBody>
+                    <a:bodyPr/>
+                    <a:lstStyle/>
+                    <a:p>
+                      <a:pPr latinLnBrk="1"/>
+                      <a:endParaRPr lang="ko-KR" altLang="en-US"/>
+                    </a:p>
+                  </a:txBody>
+                  <a:tcPr/>
+                </a:tc>
+                <a:tc>
+                  <a:txBody>
+                    <a:bodyPr/>
+                    <a:lstStyle/>
+                    <a:p>
+                      <a:pPr latinLnBrk="1"/>
+                      <a:r>
+                        <a:rPr lang="en-US" altLang="ko-KR" sz="1600" dirty="0" err="1"/>
+                        <a:t>userID</a:t>
+                      </a:r>
+                      <a:endParaRPr lang="ko-KR" altLang="en-US" sz="1600" dirty="0"/>
+                    </a:p>
+                  </a:txBody>
+                  <a:tcPr marL="89354" marR="89354" marT="44677" marB="44677" anchor="ctr">
+                    <a:lnL w="3175" cap="flat" cmpd="sng" algn="ctr">
+                      <a:solidFill>
+                        <a:schemeClr val="tx1"/>
+                      </a:solidFill>
+                      <a:prstDash val="lgDash"/>
+                      <a:round/>
+                      <a:headEnd type="none" w="med" len="med"/>
+                      <a:tailEnd type="none" w="med" len="med"/>
+                    </a:lnL>
+                    <a:lnR w="3175" cap="flat" cmpd="sng" algn="ctr">
+                      <a:solidFill>
+                        <a:schemeClr val="tx1"/>
+                      </a:solidFill>
+                      <a:prstDash val="lgDash"/>
+                      <a:round/>
+                      <a:headEnd type="none" w="med" len="med"/>
+                      <a:tailEnd type="none" w="med" len="med"/>
+                    </a:lnR>
+                    <a:lnT w="3175" cap="flat" cmpd="sng" algn="ctr">
+                      <a:solidFill>
+                        <a:schemeClr val="tx1"/>
+                      </a:solidFill>
+                      <a:prstDash val="lgDash"/>
+                      <a:round/>
+                      <a:headEnd type="none" w="med" len="med"/>
+                      <a:tailEnd type="none" w="med" len="med"/>
+                    </a:lnT>
+                    <a:lnB w="3175" cap="flat" cmpd="sng" algn="ctr">
+                      <a:solidFill>
+                        <a:schemeClr val="tx1"/>
+                      </a:solidFill>
+                      <a:prstDash val="lgDash"/>
+                      <a:round/>
+                      <a:headEnd type="none" w="med" len="med"/>
+                      <a:tailEnd type="none" w="med" len="med"/>
+                    </a:lnB>
+                    <a:lnTlToBr w="12700" cmpd="sng">
+                      <a:noFill/>
+                      <a:prstDash val="solid"/>
+                    </a:lnTlToBr>
+                    <a:lnBlToTr w="12700" cmpd="sng">
+                      <a:noFill/>
+                      <a:prstDash val="solid"/>
+                    </a:lnBlToTr>
+                  </a:tcPr>
+                </a:tc>
+                <a:tc>
+                  <a:txBody>
+                    <a:bodyPr/>
+                    <a:lstStyle/>
+                    <a:p>
+                      <a:pPr latinLnBrk="1"/>
+                      <a:r>
+                        <a:rPr lang="en-US" altLang="ko-KR" sz="1600" dirty="0"/>
+                        <a:t>String</a:t>
+                      </a:r>
+                      <a:endParaRPr lang="ko-KR" altLang="en-US" sz="1600" dirty="0"/>
+                    </a:p>
+                  </a:txBody>
+                  <a:tcPr marL="89354" marR="89354" marT="44677" marB="44677" anchor="ctr">
+                    <a:lnL w="3175" cap="flat" cmpd="sng" algn="ctr">
+                      <a:solidFill>
+                        <a:schemeClr val="tx1"/>
+                      </a:solidFill>
+                      <a:prstDash val="lgDash"/>
+                      <a:round/>
+                      <a:headEnd type="none" w="med" len="med"/>
+                      <a:tailEnd type="none" w="med" len="med"/>
+                    </a:lnL>
+                    <a:lnR w="3175" cap="flat" cmpd="sng" algn="ctr">
+                      <a:solidFill>
+                        <a:schemeClr val="tx1"/>
+                      </a:solidFill>
+                      <a:prstDash val="lgDash"/>
+                      <a:round/>
+                      <a:headEnd type="none" w="med" len="med"/>
+                      <a:tailEnd type="none" w="med" len="med"/>
+                    </a:lnR>
+                    <a:lnT w="3175" cap="flat" cmpd="sng" algn="ctr">
+                      <a:solidFill>
+                        <a:schemeClr val="tx1"/>
+                      </a:solidFill>
+                      <a:prstDash val="lgDash"/>
+                      <a:round/>
+                      <a:headEnd type="none" w="med" len="med"/>
+                      <a:tailEnd type="none" w="med" len="med"/>
+                    </a:lnT>
+                    <a:lnB w="3175" cap="flat" cmpd="sng" algn="ctr">
+                      <a:solidFill>
+                        <a:schemeClr val="tx1"/>
+                      </a:solidFill>
+                      <a:prstDash val="lgDash"/>
+                      <a:round/>
+                      <a:headEnd type="none" w="med" len="med"/>
+                      <a:tailEnd type="none" w="med" len="med"/>
+                    </a:lnB>
+                    <a:lnTlToBr w="12700" cmpd="sng">
+                      <a:noFill/>
+                      <a:prstDash val="solid"/>
+                    </a:lnTlToBr>
+                    <a:lnBlToTr w="12700" cmpd="sng">
+                      <a:noFill/>
+                      <a:prstDash val="solid"/>
+                    </a:lnBlToTr>
+                  </a:tcPr>
+                </a:tc>
+                <a:tc>
+                  <a:txBody>
+                    <a:bodyPr/>
+                    <a:lstStyle/>
+                    <a:p>
+                      <a:pPr latinLnBrk="1"/>
+                      <a:r>
+                        <a:rPr lang="ko-KR" altLang="en-US" sz="1400" dirty="0"/>
+                        <a:t>사용자 아이디 필드</a:t>
+                      </a:r>
+                    </a:p>
+                  </a:txBody>
+                  <a:tcPr marL="89354" marR="89354" marT="44677" marB="44677" anchor="ctr">
+                    <a:lnL w="3175" cap="flat" cmpd="sng" algn="ctr">
+                      <a:solidFill>
+                        <a:schemeClr val="tx1"/>
+                      </a:solidFill>
+                      <a:prstDash val="lgDash"/>
+                      <a:round/>
+                      <a:headEnd type="none" w="med" len="med"/>
+                      <a:tailEnd type="none" w="med" len="med"/>
+                    </a:lnL>
+                    <a:lnR w="12700" cmpd="sng">
+                      <a:noFill/>
+                    </a:lnR>
+                    <a:lnT w="3175" cap="flat" cmpd="sng" algn="ctr">
+                      <a:solidFill>
+                        <a:schemeClr val="tx1"/>
+                      </a:solidFill>
+                      <a:prstDash val="lgDash"/>
+                      <a:round/>
+                      <a:headEnd type="none" w="med" len="med"/>
+                      <a:tailEnd type="none" w="med" len="med"/>
+                    </a:lnT>
+                    <a:lnB w="3175" cap="flat" cmpd="sng" algn="ctr">
+                      <a:solidFill>
+                        <a:schemeClr val="tx1"/>
+                      </a:solidFill>
+                      <a:prstDash val="lgDash"/>
+                      <a:round/>
+                      <a:headEnd type="none" w="med" len="med"/>
+                      <a:tailEnd type="none" w="med" len="med"/>
+                    </a:lnB>
+                    <a:lnTlToBr w="12700" cmpd="sng">
+                      <a:noFill/>
+                      <a:prstDash val="solid"/>
+                    </a:lnTlToBr>
+                    <a:lnBlToTr w="12700" cmpd="sng">
+                      <a:noFill/>
+                      <a:prstDash val="solid"/>
+                    </a:lnBlToTr>
+                  </a:tcPr>
+                </a:tc>
+                <a:extLst>
+                  <a:ext uri="{0D108BD9-81ED-4DB2-BD59-A6C34878D82A}">
+                    <a16:rowId xmlns:a16="http://schemas.microsoft.com/office/drawing/2014/main" val="1438418050"/>
+                  </a:ext>
+                </a:extLst>
+              </a:tr>
+              <a:tr h="333194">
+                <a:tc vMerge="1">
+                  <a:txBody>
+                    <a:bodyPr/>
+                    <a:lstStyle/>
+                    <a:p>
+                      <a:pPr latinLnBrk="1"/>
+                      <a:endParaRPr lang="ko-KR" altLang="en-US"/>
+                    </a:p>
+                  </a:txBody>
+                  <a:tcPr/>
+                </a:tc>
+                <a:tc vMerge="1">
+                  <a:txBody>
+                    <a:bodyPr/>
+                    <a:lstStyle/>
+                    <a:p>
+                      <a:pPr latinLnBrk="1"/>
+                      <a:endParaRPr lang="ko-KR" altLang="en-US"/>
+                    </a:p>
+                  </a:txBody>
+                  <a:tcPr/>
+                </a:tc>
+                <a:tc>
+                  <a:txBody>
+                    <a:bodyPr/>
+                    <a:lstStyle/>
+                    <a:p>
+                      <a:pPr latinLnBrk="1"/>
+                      <a:r>
+                        <a:rPr lang="en-US" altLang="ko-KR" sz="1600" dirty="0" err="1"/>
+                        <a:t>userPW</a:t>
+                      </a:r>
+                      <a:endParaRPr lang="ko-KR" altLang="en-US" sz="1600" dirty="0"/>
+                    </a:p>
+                  </a:txBody>
+                  <a:tcPr marL="89354" marR="89354" marT="44677" marB="44677" anchor="ctr">
+                    <a:lnL w="3175" cap="flat" cmpd="sng" algn="ctr">
+                      <a:solidFill>
+                        <a:schemeClr val="tx1"/>
+                      </a:solidFill>
+                      <a:prstDash val="lgDash"/>
+                      <a:round/>
+                      <a:headEnd type="none" w="med" len="med"/>
+                      <a:tailEnd type="none" w="med" len="med"/>
+                    </a:lnL>
+                    <a:lnR w="3175" cap="flat" cmpd="sng" algn="ctr">
+                      <a:solidFill>
+                        <a:schemeClr val="tx1"/>
+                      </a:solidFill>
+                      <a:prstDash val="lgDash"/>
+                      <a:round/>
+                      <a:headEnd type="none" w="med" len="med"/>
+                      <a:tailEnd type="none" w="med" len="med"/>
+                    </a:lnR>
+                    <a:lnT w="3175" cap="flat" cmpd="sng" algn="ctr">
+                      <a:solidFill>
+                        <a:schemeClr val="tx1"/>
+                      </a:solidFill>
+                      <a:prstDash val="lgDash"/>
+                      <a:round/>
+                      <a:headEnd type="none" w="med" len="med"/>
+                      <a:tailEnd type="none" w="med" len="med"/>
+                    </a:lnT>
+                    <a:lnB w="3175" cap="flat" cmpd="sng" algn="ctr">
+                      <a:solidFill>
+                        <a:schemeClr val="tx1"/>
+                      </a:solidFill>
+                      <a:prstDash val="lgDash"/>
+                      <a:round/>
+                      <a:headEnd type="none" w="med" len="med"/>
+                      <a:tailEnd type="none" w="med" len="med"/>
+                    </a:lnB>
+                    <a:lnTlToBr w="12700" cmpd="sng">
+                      <a:noFill/>
+                      <a:prstDash val="solid"/>
+                    </a:lnTlToBr>
+                    <a:lnBlToTr w="12700" cmpd="sng">
+                      <a:noFill/>
+                      <a:prstDash val="solid"/>
+                    </a:lnBlToTr>
+                  </a:tcPr>
+                </a:tc>
+                <a:tc>
+                  <a:txBody>
+                    <a:bodyPr/>
+                    <a:lstStyle/>
+                    <a:p>
+                      <a:pPr latinLnBrk="1"/>
+                      <a:r>
+                        <a:rPr lang="en-US" altLang="ko-KR" sz="1600" dirty="0"/>
+                        <a:t>String</a:t>
+                      </a:r>
+                      <a:endParaRPr lang="ko-KR" altLang="en-US" sz="1600" dirty="0"/>
+                    </a:p>
+                  </a:txBody>
+                  <a:tcPr marL="89354" marR="89354" marT="44677" marB="44677" anchor="ctr">
+                    <a:lnL w="3175" cap="flat" cmpd="sng" algn="ctr">
+                      <a:solidFill>
+                        <a:schemeClr val="tx1"/>
+                      </a:solidFill>
+                      <a:prstDash val="lgDash"/>
+                      <a:round/>
+                      <a:headEnd type="none" w="med" len="med"/>
+                      <a:tailEnd type="none" w="med" len="med"/>
+                    </a:lnL>
+                    <a:lnR w="3175" cap="flat" cmpd="sng" algn="ctr">
+                      <a:solidFill>
+                        <a:schemeClr val="tx1"/>
+                      </a:solidFill>
+                      <a:prstDash val="lgDash"/>
+                      <a:round/>
+                      <a:headEnd type="none" w="med" len="med"/>
+                      <a:tailEnd type="none" w="med" len="med"/>
+                    </a:lnR>
+                    <a:lnT w="3175" cap="flat" cmpd="sng" algn="ctr">
+                      <a:solidFill>
+                        <a:schemeClr val="tx1"/>
+                      </a:solidFill>
+                      <a:prstDash val="lgDash"/>
+                      <a:round/>
+                      <a:headEnd type="none" w="med" len="med"/>
+                      <a:tailEnd type="none" w="med" len="med"/>
+                    </a:lnT>
+                    <a:lnB w="3175" cap="flat" cmpd="sng" algn="ctr">
+                      <a:solidFill>
+                        <a:schemeClr val="tx1"/>
+                      </a:solidFill>
+                      <a:prstDash val="lgDash"/>
+                      <a:round/>
+                      <a:headEnd type="none" w="med" len="med"/>
+                      <a:tailEnd type="none" w="med" len="med"/>
+                    </a:lnB>
+                    <a:lnTlToBr w="12700" cmpd="sng">
+                      <a:noFill/>
+                      <a:prstDash val="solid"/>
+                    </a:lnTlToBr>
+                    <a:lnBlToTr w="12700" cmpd="sng">
+                      <a:noFill/>
+                      <a:prstDash val="solid"/>
+                    </a:lnBlToTr>
+                  </a:tcPr>
+                </a:tc>
+                <a:tc>
+                  <a:txBody>
+                    <a:bodyPr/>
+                    <a:lstStyle/>
+                    <a:p>
+                      <a:pPr latinLnBrk="1"/>
+                      <a:r>
+                        <a:rPr lang="ko-KR" altLang="en-US" sz="1400" dirty="0"/>
+                        <a:t>사용자 비밀번호 필드</a:t>
+                      </a:r>
+                    </a:p>
+                  </a:txBody>
+                  <a:tcPr marL="89354" marR="89354" marT="44677" marB="44677" anchor="ctr">
+                    <a:lnL w="3175" cap="flat" cmpd="sng" algn="ctr">
+                      <a:solidFill>
+                        <a:schemeClr val="tx1"/>
+                      </a:solidFill>
+                      <a:prstDash val="lgDash"/>
+                      <a:round/>
+                      <a:headEnd type="none" w="med" len="med"/>
+                      <a:tailEnd type="none" w="med" len="med"/>
+                    </a:lnL>
+                    <a:lnR w="12700" cmpd="sng">
+                      <a:noFill/>
+                    </a:lnR>
+                    <a:lnT w="3175" cap="flat" cmpd="sng" algn="ctr">
+                      <a:solidFill>
+                        <a:schemeClr val="tx1"/>
+                      </a:solidFill>
+                      <a:prstDash val="lgDash"/>
+                      <a:round/>
+                      <a:headEnd type="none" w="med" len="med"/>
+                      <a:tailEnd type="none" w="med" len="med"/>
+                    </a:lnT>
+                    <a:lnB w="3175" cap="flat" cmpd="sng" algn="ctr">
+                      <a:solidFill>
+                        <a:schemeClr val="tx1"/>
+                      </a:solidFill>
+                      <a:prstDash val="lgDash"/>
+                      <a:round/>
+                      <a:headEnd type="none" w="med" len="med"/>
+                      <a:tailEnd type="none" w="med" len="med"/>
+                    </a:lnB>
+                    <a:lnTlToBr w="12700" cmpd="sng">
+                      <a:noFill/>
+                      <a:prstDash val="solid"/>
+                    </a:lnTlToBr>
+                    <a:lnBlToTr w="12700" cmpd="sng">
+                      <a:noFill/>
+                      <a:prstDash val="solid"/>
+                    </a:lnBlToTr>
+                  </a:tcPr>
+                </a:tc>
+                <a:extLst>
+                  <a:ext uri="{0D108BD9-81ED-4DB2-BD59-A6C34878D82A}">
+                    <a16:rowId xmlns:a16="http://schemas.microsoft.com/office/drawing/2014/main" val="3444710794"/>
+                  </a:ext>
+                </a:extLst>
+              </a:tr>
+              <a:tr h="166597">
+                <a:tc vMerge="1">
+                  <a:txBody>
+                    <a:bodyPr/>
+                    <a:lstStyle/>
+                    <a:p>
+                      <a:pPr latinLnBrk="1"/>
+                      <a:endParaRPr lang="ko-KR" altLang="en-US"/>
+                    </a:p>
+                  </a:txBody>
+                  <a:tcPr>
+                    <a:lnT w="38100" cap="flat" cmpd="sng" algn="ctr">
+                      <a:solidFill>
+                        <a:schemeClr val="accent1"/>
+                      </a:solidFill>
+                      <a:prstDash val="solid"/>
+                      <a:round/>
+                      <a:headEnd type="none" w="med" len="med"/>
+                      <a:tailEnd type="none" w="med" len="med"/>
+                    </a:lnT>
+                  </a:tcPr>
+                </a:tc>
+                <a:tc vMerge="1">
+                  <a:txBody>
+                    <a:bodyPr/>
+                    <a:lstStyle/>
+                    <a:p>
+                      <a:pPr latinLnBrk="1"/>
+                      <a:endParaRPr lang="ko-KR" altLang="en-US"/>
+                    </a:p>
+                  </a:txBody>
+                  <a:tcPr>
+                    <a:lnT w="38100" cap="flat" cmpd="sng" algn="ctr">
+                      <a:solidFill>
+                        <a:schemeClr val="accent1"/>
+                      </a:solidFill>
+                      <a:prstDash val="solid"/>
+                      <a:round/>
+                      <a:headEnd type="none" w="med" len="med"/>
+                      <a:tailEnd type="none" w="med" len="med"/>
+                    </a:lnT>
+                  </a:tcPr>
+                </a:tc>
+                <a:tc>
+                  <a:txBody>
+                    <a:bodyPr/>
+                    <a:lstStyle/>
+                    <a:p>
+                      <a:pPr latinLnBrk="1"/>
+                      <a:r>
+                        <a:rPr lang="en-US" altLang="ko-KR" sz="1600" dirty="0" err="1"/>
+                        <a:t>mailLabel</a:t>
+                      </a:r>
+                      <a:endParaRPr lang="ko-KR" altLang="en-US" sz="1600" dirty="0"/>
+                    </a:p>
+                  </a:txBody>
+                  <a:tcPr marL="89354" marR="89354" marT="44677" marB="44677" anchor="ctr">
+                    <a:lnL w="3175" cap="flat" cmpd="sng" algn="ctr">
+                      <a:solidFill>
+                        <a:schemeClr val="tx1"/>
+                      </a:solidFill>
+                      <a:prstDash val="lgDash"/>
+                      <a:round/>
+                      <a:headEnd type="none" w="med" len="med"/>
+                      <a:tailEnd type="none" w="med" len="med"/>
+                    </a:lnL>
+                    <a:lnR w="3175" cap="flat" cmpd="sng" algn="ctr">
+                      <a:solidFill>
+                        <a:schemeClr val="tx1"/>
+                      </a:solidFill>
+                      <a:prstDash val="lgDash"/>
+                      <a:round/>
+                      <a:headEnd type="none" w="med" len="med"/>
+                      <a:tailEnd type="none" w="med" len="med"/>
+                    </a:lnR>
+                    <a:lnT w="3175" cap="flat" cmpd="sng" algn="ctr">
+                      <a:solidFill>
+                        <a:schemeClr val="tx1"/>
+                      </a:solidFill>
+                      <a:prstDash val="lgDash"/>
+                      <a:round/>
+                      <a:headEnd type="none" w="med" len="med"/>
+                      <a:tailEnd type="none" w="med" len="med"/>
+                    </a:lnT>
+                    <a:lnB w="3175" cap="flat" cmpd="sng" algn="ctr">
+                      <a:solidFill>
+                        <a:schemeClr val="tx1"/>
+                      </a:solidFill>
+                      <a:prstDash val="lgDash"/>
+                      <a:round/>
+                      <a:headEnd type="none" w="med" len="med"/>
+                      <a:tailEnd type="none" w="med" len="med"/>
+                    </a:lnB>
+                    <a:lnTlToBr w="12700" cmpd="sng">
+                      <a:noFill/>
+                      <a:prstDash val="solid"/>
+                    </a:lnTlToBr>
+                    <a:lnBlToTr w="12700" cmpd="sng">
+                      <a:noFill/>
+                      <a:prstDash val="solid"/>
+                    </a:lnBlToTr>
+                  </a:tcPr>
+                </a:tc>
+                <a:tc>
+                  <a:txBody>
+                    <a:bodyPr/>
+                    <a:lstStyle/>
+                    <a:p>
+                      <a:pPr latinLnBrk="1"/>
+                      <a:r>
+                        <a:rPr lang="en-US" altLang="ko-KR" sz="1600" dirty="0" err="1"/>
+                        <a:t>JLabel</a:t>
+                      </a:r>
+                      <a:endParaRPr lang="ko-KR" altLang="en-US" sz="1600" dirty="0"/>
+                    </a:p>
+                  </a:txBody>
+                  <a:tcPr marL="89354" marR="89354" marT="44677" marB="44677" anchor="ctr">
+                    <a:lnL w="3175" cap="flat" cmpd="sng" algn="ctr">
+                      <a:solidFill>
+                        <a:schemeClr val="tx1"/>
+                      </a:solidFill>
+                      <a:prstDash val="lgDash"/>
+                      <a:round/>
+                      <a:headEnd type="none" w="med" len="med"/>
+                      <a:tailEnd type="none" w="med" len="med"/>
+                    </a:lnL>
+                    <a:lnR w="3175" cap="flat" cmpd="sng" algn="ctr">
+                      <a:solidFill>
+                        <a:schemeClr val="tx1"/>
+                      </a:solidFill>
+                      <a:prstDash val="lgDash"/>
+                      <a:round/>
+                      <a:headEnd type="none" w="med" len="med"/>
+                      <a:tailEnd type="none" w="med" len="med"/>
+                    </a:lnR>
+                    <a:lnT w="3175" cap="flat" cmpd="sng" algn="ctr">
+                      <a:solidFill>
+                        <a:schemeClr val="tx1"/>
+                      </a:solidFill>
+                      <a:prstDash val="lgDash"/>
+                      <a:round/>
+                      <a:headEnd type="none" w="med" len="med"/>
+                      <a:tailEnd type="none" w="med" len="med"/>
+                    </a:lnT>
+                    <a:lnB w="3175" cap="flat" cmpd="sng" algn="ctr">
+                      <a:solidFill>
+                        <a:schemeClr val="tx1"/>
+                      </a:solidFill>
+                      <a:prstDash val="lgDash"/>
+                      <a:round/>
+                      <a:headEnd type="none" w="med" len="med"/>
+                      <a:tailEnd type="none" w="med" len="med"/>
+                    </a:lnB>
+                    <a:lnTlToBr w="12700" cmpd="sng">
+                      <a:noFill/>
+                      <a:prstDash val="solid"/>
+                    </a:lnTlToBr>
+                    <a:lnBlToTr w="12700" cmpd="sng">
+                      <a:noFill/>
+                      <a:prstDash val="solid"/>
+                    </a:lnBlToTr>
+                  </a:tcPr>
+                </a:tc>
+                <a:tc>
+                  <a:txBody>
+                    <a:bodyPr/>
+                    <a:lstStyle/>
+                    <a:p>
+                      <a:pPr latinLnBrk="1"/>
+                      <a:r>
+                        <a:rPr lang="ko-KR" altLang="en-US" sz="1400" dirty="0"/>
+                        <a:t>이메일 필드의 제목</a:t>
+                      </a:r>
+                    </a:p>
+                  </a:txBody>
+                  <a:tcPr marL="89354" marR="89354" marT="44677" marB="44677" anchor="ctr">
+                    <a:lnL w="3175" cap="flat" cmpd="sng" algn="ctr">
+                      <a:solidFill>
+                        <a:schemeClr val="tx1"/>
+                      </a:solidFill>
+                      <a:prstDash val="lgDash"/>
+                      <a:round/>
+                      <a:headEnd type="none" w="med" len="med"/>
+                      <a:tailEnd type="none" w="med" len="med"/>
+                    </a:lnL>
+                    <a:lnR w="12700" cmpd="sng">
+                      <a:noFill/>
+                    </a:lnR>
+                    <a:lnT w="3175" cap="flat" cmpd="sng" algn="ctr">
+                      <a:solidFill>
+                        <a:schemeClr val="tx1"/>
+                      </a:solidFill>
+                      <a:prstDash val="lgDash"/>
+                      <a:round/>
+                      <a:headEnd type="none" w="med" len="med"/>
+                      <a:tailEnd type="none" w="med" len="med"/>
+                    </a:lnT>
+                    <a:lnB w="3175" cap="flat" cmpd="sng" algn="ctr">
+                      <a:solidFill>
+                        <a:schemeClr val="tx1"/>
+                      </a:solidFill>
+                      <a:prstDash val="lgDash"/>
+                      <a:round/>
+                      <a:headEnd type="none" w="med" len="med"/>
+                      <a:tailEnd type="none" w="med" len="med"/>
+                    </a:lnB>
+                    <a:lnTlToBr w="12700" cmpd="sng">
+                      <a:noFill/>
+                      <a:prstDash val="solid"/>
+                    </a:lnTlToBr>
+                    <a:lnBlToTr w="12700" cmpd="sng">
+                      <a:noFill/>
+                      <a:prstDash val="solid"/>
+                    </a:lnBlToTr>
+                  </a:tcPr>
+                </a:tc>
+                <a:extLst>
+                  <a:ext uri="{0D108BD9-81ED-4DB2-BD59-A6C34878D82A}">
+                    <a16:rowId xmlns:a16="http://schemas.microsoft.com/office/drawing/2014/main" val="3408609472"/>
+                  </a:ext>
+                </a:extLst>
+              </a:tr>
+              <a:tr h="166597">
+                <a:tc vMerge="1">
+                  <a:txBody>
+                    <a:bodyPr/>
+                    <a:lstStyle/>
+                    <a:p>
+                      <a:pPr latinLnBrk="1"/>
+                      <a:endParaRPr lang="ko-KR" altLang="en-US"/>
+                    </a:p>
+                  </a:txBody>
+                  <a:tcPr/>
+                </a:tc>
+                <a:tc vMerge="1">
+                  <a:txBody>
+                    <a:bodyPr/>
+                    <a:lstStyle/>
+                    <a:p>
+                      <a:pPr latinLnBrk="1"/>
+                      <a:endParaRPr lang="ko-KR" altLang="en-US"/>
+                    </a:p>
+                  </a:txBody>
+                  <a:tcPr/>
+                </a:tc>
+                <a:tc>
+                  <a:txBody>
+                    <a:bodyPr/>
+                    <a:lstStyle/>
+                    <a:p>
+                      <a:pPr latinLnBrk="1"/>
+                      <a:r>
+                        <a:rPr lang="en-US" altLang="ko-KR" sz="1600" dirty="0" err="1"/>
+                        <a:t>mailTextField</a:t>
+                      </a:r>
+                      <a:endParaRPr lang="ko-KR" altLang="en-US" sz="1600" dirty="0"/>
+                    </a:p>
+                  </a:txBody>
+                  <a:tcPr marL="89354" marR="89354" marT="44677" marB="44677" anchor="ctr">
+                    <a:lnL w="3175" cap="flat" cmpd="sng" algn="ctr">
+                      <a:solidFill>
+                        <a:schemeClr val="tx1"/>
+                      </a:solidFill>
+                      <a:prstDash val="lgDash"/>
+                      <a:round/>
+                      <a:headEnd type="none" w="med" len="med"/>
+                      <a:tailEnd type="none" w="med" len="med"/>
+                    </a:lnL>
+                    <a:lnR w="3175" cap="flat" cmpd="sng" algn="ctr">
+                      <a:solidFill>
+                        <a:schemeClr val="tx1"/>
+                      </a:solidFill>
+                      <a:prstDash val="lgDash"/>
+                      <a:round/>
+                      <a:headEnd type="none" w="med" len="med"/>
+                      <a:tailEnd type="none" w="med" len="med"/>
+                    </a:lnR>
+                    <a:lnT w="3175" cap="flat" cmpd="sng" algn="ctr">
+                      <a:solidFill>
+                        <a:schemeClr val="tx1"/>
+                      </a:solidFill>
+                      <a:prstDash val="lgDash"/>
+                      <a:round/>
+                      <a:headEnd type="none" w="med" len="med"/>
+                      <a:tailEnd type="none" w="med" len="med"/>
+                    </a:lnT>
+                    <a:lnB w="3175" cap="flat" cmpd="sng" algn="ctr">
+                      <a:solidFill>
+                        <a:schemeClr val="tx1"/>
+                      </a:solidFill>
+                      <a:prstDash val="lgDash"/>
+                      <a:round/>
+                      <a:headEnd type="none" w="med" len="med"/>
+                      <a:tailEnd type="none" w="med" len="med"/>
+                    </a:lnB>
+                    <a:lnTlToBr w="12700" cmpd="sng">
+                      <a:noFill/>
+                      <a:prstDash val="solid"/>
+                    </a:lnTlToBr>
+                    <a:lnBlToTr w="12700" cmpd="sng">
+                      <a:noFill/>
+                      <a:prstDash val="solid"/>
+                    </a:lnBlToTr>
+                  </a:tcPr>
+                </a:tc>
+                <a:tc>
+                  <a:txBody>
+                    <a:bodyPr/>
+                    <a:lstStyle/>
+                    <a:p>
+                      <a:pPr latinLnBrk="1"/>
+                      <a:r>
+                        <a:rPr lang="en-US" altLang="ko-KR" sz="1600" dirty="0" err="1"/>
+                        <a:t>JTextField</a:t>
+                      </a:r>
+                      <a:endParaRPr lang="ko-KR" altLang="en-US" sz="1600" dirty="0"/>
+                    </a:p>
+                  </a:txBody>
+                  <a:tcPr marL="89354" marR="89354" marT="44677" marB="44677" anchor="ctr">
+                    <a:lnL w="3175" cap="flat" cmpd="sng" algn="ctr">
+                      <a:solidFill>
+                        <a:schemeClr val="tx1"/>
+                      </a:solidFill>
+                      <a:prstDash val="lgDash"/>
+                      <a:round/>
+                      <a:headEnd type="none" w="med" len="med"/>
+                      <a:tailEnd type="none" w="med" len="med"/>
+                    </a:lnL>
+                    <a:lnR w="3175" cap="flat" cmpd="sng" algn="ctr">
+                      <a:solidFill>
+                        <a:schemeClr val="tx1"/>
+                      </a:solidFill>
+                      <a:prstDash val="lgDash"/>
+                      <a:round/>
+                      <a:headEnd type="none" w="med" len="med"/>
+                      <a:tailEnd type="none" w="med" len="med"/>
+                    </a:lnR>
+                    <a:lnT w="3175" cap="flat" cmpd="sng" algn="ctr">
+                      <a:solidFill>
+                        <a:schemeClr val="tx1"/>
+                      </a:solidFill>
+                      <a:prstDash val="lgDash"/>
+                      <a:round/>
+                      <a:headEnd type="none" w="med" len="med"/>
+                      <a:tailEnd type="none" w="med" len="med"/>
+                    </a:lnT>
+                    <a:lnB w="3175" cap="flat" cmpd="sng" algn="ctr">
+                      <a:solidFill>
+                        <a:schemeClr val="tx1"/>
+                      </a:solidFill>
+                      <a:prstDash val="lgDash"/>
+                      <a:round/>
+                      <a:headEnd type="none" w="med" len="med"/>
+                      <a:tailEnd type="none" w="med" len="med"/>
+                    </a:lnB>
+                    <a:lnTlToBr w="12700" cmpd="sng">
+                      <a:noFill/>
+                      <a:prstDash val="solid"/>
+                    </a:lnTlToBr>
+                    <a:lnBlToTr w="12700" cmpd="sng">
+                      <a:noFill/>
+                      <a:prstDash val="solid"/>
+                    </a:lnBlToTr>
+                  </a:tcPr>
+                </a:tc>
+                <a:tc>
+                  <a:txBody>
+                    <a:bodyPr/>
+                    <a:lstStyle/>
+                    <a:p>
+                      <a:pPr latinLnBrk="1"/>
+                      <a:r>
+                        <a:rPr lang="ko-KR" altLang="en-US" sz="1400" dirty="0"/>
+                        <a:t>이메일 텍스트 필드</a:t>
+                      </a:r>
+                    </a:p>
+                  </a:txBody>
+                  <a:tcPr marL="89354" marR="89354" marT="44677" marB="44677" anchor="ctr">
+                    <a:lnL w="3175" cap="flat" cmpd="sng" algn="ctr">
+                      <a:solidFill>
+                        <a:schemeClr val="tx1"/>
+                      </a:solidFill>
+                      <a:prstDash val="lgDash"/>
+                      <a:round/>
+                      <a:headEnd type="none" w="med" len="med"/>
+                      <a:tailEnd type="none" w="med" len="med"/>
+                    </a:lnL>
+                    <a:lnR w="12700" cmpd="sng">
+                      <a:noFill/>
+                    </a:lnR>
+                    <a:lnT w="3175" cap="flat" cmpd="sng" algn="ctr">
+                      <a:solidFill>
+                        <a:schemeClr val="tx1"/>
+                      </a:solidFill>
+                      <a:prstDash val="lgDash"/>
+                      <a:round/>
+                      <a:headEnd type="none" w="med" len="med"/>
+                      <a:tailEnd type="none" w="med" len="med"/>
+                    </a:lnT>
+                    <a:lnB w="3175" cap="flat" cmpd="sng" algn="ctr">
+                      <a:solidFill>
+                        <a:schemeClr val="tx1"/>
+                      </a:solidFill>
+                      <a:prstDash val="lgDash"/>
+                      <a:round/>
+                      <a:headEnd type="none" w="med" len="med"/>
+                      <a:tailEnd type="none" w="med" len="med"/>
+                    </a:lnB>
+                    <a:lnTlToBr w="12700" cmpd="sng">
+                      <a:noFill/>
+                      <a:prstDash val="solid"/>
+                    </a:lnTlToBr>
+                    <a:lnBlToTr w="12700" cmpd="sng">
+                      <a:noFill/>
+                      <a:prstDash val="solid"/>
+                    </a:lnBlToTr>
+                  </a:tcPr>
+                </a:tc>
+                <a:extLst>
+                  <a:ext uri="{0D108BD9-81ED-4DB2-BD59-A6C34878D82A}">
+                    <a16:rowId xmlns:a16="http://schemas.microsoft.com/office/drawing/2014/main" val="574434596"/>
+                  </a:ext>
+                </a:extLst>
+              </a:tr>
+              <a:tr h="181837">
+                <a:tc vMerge="1">
+                  <a:txBody>
+                    <a:bodyPr/>
+                    <a:lstStyle/>
+                    <a:p>
+                      <a:pPr algn="ctr" latinLnBrk="1"/>
+                      <a:endParaRPr lang="ko-KR" altLang="en-US" sz="1800" dirty="0"/>
+                    </a:p>
+                  </a:txBody>
+                  <a:tcPr marL="89354" marR="89354" marT="44677" marB="44677" anchor="ctr">
+                    <a:lnL w="12700" cmpd="sng">
+                      <a:noFill/>
+                    </a:lnL>
+                    <a:lnR w="3175" cap="flat" cmpd="sng" algn="ctr">
+                      <a:solidFill>
+                        <a:schemeClr val="tx1"/>
+                      </a:solidFill>
+                      <a:prstDash val="lgDash"/>
+                      <a:round/>
+                      <a:headEnd type="none" w="med" len="med"/>
+                      <a:tailEnd type="none" w="med" len="med"/>
+                    </a:lnR>
+                    <a:lnT w="38100" cap="flat" cmpd="sng" algn="ctr">
+                      <a:solidFill>
+                        <a:schemeClr val="accent1"/>
+                      </a:solidFill>
+                      <a:prstDash val="solid"/>
+                      <a:round/>
+                      <a:headEnd type="none" w="med" len="med"/>
+                      <a:tailEnd type="none" w="med" len="med"/>
+                    </a:lnT>
+                    <a:lnB w="38100" cap="flat" cmpd="sng" algn="ctr">
+                      <a:solidFill>
+                        <a:schemeClr val="accent1"/>
+                      </a:solidFill>
+                      <a:prstDash val="solid"/>
+                      <a:round/>
+                      <a:headEnd type="none" w="med" len="med"/>
+                      <a:tailEnd type="none" w="med" len="med"/>
+                    </a:lnB>
+                    <a:lnTlToBr w="12700" cmpd="sng">
+                      <a:noFill/>
+                      <a:prstDash val="solid"/>
+                    </a:lnTlToBr>
+                    <a:lnBlToTr w="12700" cmpd="sng">
+                      <a:noFill/>
+                      <a:prstDash val="solid"/>
+                    </a:lnBlToTr>
+                  </a:tcPr>
+                </a:tc>
+                <a:tc vMerge="1">
+                  <a:txBody>
+                    <a:bodyPr/>
+                    <a:lstStyle/>
+                    <a:p>
+                      <a:pPr algn="ctr" latinLnBrk="1"/>
+                      <a:endParaRPr lang="ko-KR" altLang="en-US" sz="1800" dirty="0"/>
+                    </a:p>
+                  </a:txBody>
+                  <a:tcPr marL="89354" marR="89354" marT="44677" marB="44677" anchor="ctr">
+                    <a:lnL w="3175" cap="flat" cmpd="sng" algn="ctr">
+                      <a:solidFill>
+                        <a:schemeClr val="tx1"/>
+                      </a:solidFill>
+                      <a:prstDash val="lgDash"/>
+                      <a:round/>
+                      <a:headEnd type="none" w="med" len="med"/>
+                      <a:tailEnd type="none" w="med" len="med"/>
+                    </a:lnL>
+                    <a:lnR w="3175" cap="flat" cmpd="sng" algn="ctr">
+                      <a:solidFill>
+                        <a:schemeClr val="tx1"/>
+                      </a:solidFill>
+                      <a:prstDash val="lgDash"/>
+                      <a:round/>
+                      <a:headEnd type="none" w="med" len="med"/>
+                      <a:tailEnd type="none" w="med" len="med"/>
+                    </a:lnR>
+                    <a:lnT w="38100" cap="flat" cmpd="sng" algn="ctr">
+                      <a:solidFill>
+                        <a:schemeClr val="accent1"/>
+                      </a:solidFill>
+                      <a:prstDash val="solid"/>
+                      <a:round/>
+                      <a:headEnd type="none" w="med" len="med"/>
+                      <a:tailEnd type="none" w="med" len="med"/>
+                    </a:lnT>
+                    <a:lnB w="38100" cap="flat" cmpd="sng" algn="ctr">
+                      <a:solidFill>
+                        <a:schemeClr val="accent1"/>
+                      </a:solidFill>
+                      <a:prstDash val="solid"/>
+                      <a:round/>
+                      <a:headEnd type="none" w="med" len="med"/>
+                      <a:tailEnd type="none" w="med" len="med"/>
+                    </a:lnB>
+                    <a:lnTlToBr w="12700" cmpd="sng">
+                      <a:noFill/>
+                      <a:prstDash val="solid"/>
+                    </a:lnTlToBr>
+                    <a:lnBlToTr w="12700" cmpd="sng">
+                      <a:noFill/>
+                      <a:prstDash val="solid"/>
+                    </a:lnBlToTr>
+                  </a:tcPr>
+                </a:tc>
+                <a:tc>
+                  <a:txBody>
+                    <a:bodyPr/>
+                    <a:lstStyle/>
+                    <a:p>
+                      <a:pPr latinLnBrk="1"/>
+                      <a:r>
+                        <a:rPr lang="en-US" altLang="ko-KR" sz="1600" dirty="0" err="1"/>
+                        <a:t>resgistButton</a:t>
+                      </a:r>
+                      <a:endParaRPr lang="ko-KR" altLang="en-US" sz="1600" dirty="0"/>
+                    </a:p>
+                  </a:txBody>
+                  <a:tcPr marL="89354" marR="89354" marT="44677" marB="44677" anchor="ctr">
+                    <a:lnL w="3175" cap="flat" cmpd="sng" algn="ctr">
+                      <a:solidFill>
+                        <a:schemeClr val="tx1"/>
+                      </a:solidFill>
+                      <a:prstDash val="lgDash"/>
+                      <a:round/>
+                      <a:headEnd type="none" w="med" len="med"/>
+                      <a:tailEnd type="none" w="med" len="med"/>
+                    </a:lnL>
+                    <a:lnR w="3175" cap="flat" cmpd="sng" algn="ctr">
+                      <a:solidFill>
+                        <a:schemeClr val="tx1"/>
+                      </a:solidFill>
+                      <a:prstDash val="lgDash"/>
+                      <a:round/>
+                      <a:headEnd type="none" w="med" len="med"/>
+                      <a:tailEnd type="none" w="med" len="med"/>
+                    </a:lnR>
+                    <a:lnT w="3175" cap="flat" cmpd="sng" algn="ctr">
+                      <a:solidFill>
+                        <a:schemeClr val="tx1"/>
+                      </a:solidFill>
+                      <a:prstDash val="lgDash"/>
+                      <a:round/>
+                      <a:headEnd type="none" w="med" len="med"/>
+                      <a:tailEnd type="none" w="med" len="med"/>
+                    </a:lnT>
+                    <a:lnB w="38100" cap="flat" cmpd="sng" algn="ctr">
+                      <a:solidFill>
+                        <a:schemeClr val="accent1"/>
+                      </a:solidFill>
+                      <a:prstDash val="solid"/>
+                      <a:round/>
+                      <a:headEnd type="none" w="med" len="med"/>
+                      <a:tailEnd type="none" w="med" len="med"/>
+                    </a:lnB>
+                    <a:lnTlToBr w="12700" cmpd="sng">
+                      <a:noFill/>
+                      <a:prstDash val="solid"/>
+                    </a:lnTlToBr>
+                    <a:lnBlToTr w="12700" cmpd="sng">
+                      <a:noFill/>
+                      <a:prstDash val="solid"/>
+                    </a:lnBlToTr>
+                  </a:tcPr>
+                </a:tc>
+                <a:tc>
+                  <a:txBody>
+                    <a:bodyPr/>
+                    <a:lstStyle/>
+                    <a:p>
+                      <a:pPr latinLnBrk="1"/>
+                      <a:r>
+                        <a:rPr lang="en-US" altLang="ko-KR" sz="1600" dirty="0" err="1"/>
+                        <a:t>JButton</a:t>
+                      </a:r>
+                      <a:endParaRPr lang="ko-KR" altLang="en-US" sz="1600" dirty="0"/>
+                    </a:p>
+                  </a:txBody>
+                  <a:tcPr marL="89354" marR="89354" marT="44677" marB="44677" anchor="ctr">
+                    <a:lnL w="3175" cap="flat" cmpd="sng" algn="ctr">
+                      <a:solidFill>
+                        <a:schemeClr val="tx1"/>
+                      </a:solidFill>
+                      <a:prstDash val="lgDash"/>
+                      <a:round/>
+                      <a:headEnd type="none" w="med" len="med"/>
+                      <a:tailEnd type="none" w="med" len="med"/>
+                    </a:lnL>
+                    <a:lnR w="3175" cap="flat" cmpd="sng" algn="ctr">
+                      <a:solidFill>
+                        <a:schemeClr val="tx1"/>
+                      </a:solidFill>
+                      <a:prstDash val="lgDash"/>
+                      <a:round/>
+                      <a:headEnd type="none" w="med" len="med"/>
+                      <a:tailEnd type="none" w="med" len="med"/>
+                    </a:lnR>
+                    <a:lnT w="3175" cap="flat" cmpd="sng" algn="ctr">
+                      <a:solidFill>
+                        <a:schemeClr val="tx1"/>
+                      </a:solidFill>
+                      <a:prstDash val="lgDash"/>
+                      <a:round/>
+                      <a:headEnd type="none" w="med" len="med"/>
+                      <a:tailEnd type="none" w="med" len="med"/>
+                    </a:lnT>
+                    <a:lnB w="38100" cap="flat" cmpd="sng" algn="ctr">
+                      <a:solidFill>
+                        <a:schemeClr val="accent1"/>
+                      </a:solidFill>
+                      <a:prstDash val="solid"/>
+                      <a:round/>
+                      <a:headEnd type="none" w="med" len="med"/>
+                      <a:tailEnd type="none" w="med" len="med"/>
+                    </a:lnB>
+                    <a:lnTlToBr w="12700" cmpd="sng">
+                      <a:noFill/>
+                      <a:prstDash val="solid"/>
+                    </a:lnTlToBr>
+                    <a:lnBlToTr w="12700" cmpd="sng">
+                      <a:noFill/>
+                      <a:prstDash val="solid"/>
+                    </a:lnBlToTr>
+                  </a:tcPr>
+                </a:tc>
+                <a:tc>
+                  <a:txBody>
+                    <a:bodyPr/>
+                    <a:lstStyle/>
+                    <a:p>
+                      <a:pPr latinLnBrk="1"/>
+                      <a:r>
+                        <a:rPr lang="ko-KR" altLang="en-US" sz="1400" dirty="0"/>
+                        <a:t>회원가입 완료 버튼</a:t>
+                      </a:r>
+                    </a:p>
+                  </a:txBody>
+                  <a:tcPr marL="89354" marR="89354" marT="44677" marB="44677" anchor="ctr">
+                    <a:lnL w="3175" cap="flat" cmpd="sng" algn="ctr">
+                      <a:solidFill>
+                        <a:schemeClr val="tx1"/>
+                      </a:solidFill>
+                      <a:prstDash val="lgDash"/>
+                      <a:round/>
+                      <a:headEnd type="none" w="med" len="med"/>
+                      <a:tailEnd type="none" w="med" len="med"/>
+                    </a:lnL>
+                    <a:lnR w="12700" cmpd="sng">
+                      <a:noFill/>
+                    </a:lnR>
+                    <a:lnT w="3175" cap="flat" cmpd="sng" algn="ctr">
+                      <a:solidFill>
+                        <a:schemeClr val="tx1"/>
+                      </a:solidFill>
+                      <a:prstDash val="lgDash"/>
+                      <a:round/>
+                      <a:headEnd type="none" w="med" len="med"/>
+                      <a:tailEnd type="none" w="med" len="med"/>
+                    </a:lnT>
+                    <a:lnB w="38100" cap="flat" cmpd="sng" algn="ctr">
+                      <a:solidFill>
+                        <a:schemeClr val="accent1"/>
+                      </a:solidFill>
+                      <a:prstDash val="solid"/>
+                      <a:round/>
+                      <a:headEnd type="none" w="med" len="med"/>
+                      <a:tailEnd type="none" w="med" len="med"/>
+                    </a:lnB>
+                    <a:lnTlToBr w="12700" cmpd="sng">
+                      <a:noFill/>
+                      <a:prstDash val="solid"/>
+                    </a:lnTlToBr>
+                    <a:lnBlToTr w="12700" cmpd="sng">
+                      <a:noFill/>
+                      <a:prstDash val="solid"/>
+                    </a:lnBlToTr>
+                  </a:tcPr>
+                </a:tc>
+                <a:extLst>
+                  <a:ext uri="{0D108BD9-81ED-4DB2-BD59-A6C34878D82A}">
+                    <a16:rowId xmlns:a16="http://schemas.microsoft.com/office/drawing/2014/main" val="2535147477"/>
+                  </a:ext>
+                </a:extLst>
+              </a:tr>
+            </a:tbl>
+          </a:graphicData>
+        </a:graphic>
+      </p:graphicFrame>
+    </p:spTree>
+    <p:extLst>
+      <p:ext uri="{BB962C8B-B14F-4D97-AF65-F5344CB8AC3E}">
+        <p14:creationId xmlns:p14="http://schemas.microsoft.com/office/powerpoint/2010/main" val="1184543798"/>
+      </p:ext>
+    </p:extLst>
+  </p:cSld>
+  <p:clrMapOvr>
+    <a:masterClrMapping/>
+  </p:clrMapOvr>
+</p:sld>
+</file>
+
+<file path=ppt/slides/slide11.xml><?xml version="1.0" encoding="utf-8"?>
+<p:sld xmlns:a="http://schemas.openxmlformats.org/drawingml/2006/main" xmlns:r="http://schemas.openxmlformats.org/officeDocument/2006/relationships" xmlns:p="http://schemas.openxmlformats.org/presentationml/2006/main">
+  <p:cSld>
+    <p:spTree>
+      <p:nvGrpSpPr>
+        <p:cNvPr id="1" name=""/>
+        <p:cNvGrpSpPr/>
+        <p:nvPr/>
+      </p:nvGrpSpPr>
+      <p:grpSpPr>
+        <a:xfrm>
+          <a:off x="0" y="0"/>
+          <a:ext cx="0" cy="0"/>
+          <a:chOff x="0" y="0"/>
+          <a:chExt cx="0" cy="0"/>
+        </a:xfrm>
+      </p:grpSpPr>
+      <p:sp>
+        <p:nvSpPr>
+          <p:cNvPr id="2" name="바닥글 개체 틀 1"/>
+          <p:cNvSpPr>
+            <a:spLocks noGrp="1"/>
+          </p:cNvSpPr>
+          <p:nvPr>
+            <p:ph type="ftr" sz="quarter" idx="3"/>
+          </p:nvPr>
+        </p:nvSpPr>
+        <p:spPr/>
+        <p:txBody>
+          <a:bodyPr/>
+          <a:lstStyle/>
+          <a:p>
+            <a:pPr algn="r"/>
+            <a:r>
+              <a:rPr lang="en-US" altLang="ko-KR" dirty="0"/>
+              <a:t>Blossom</a:t>
+            </a:r>
+          </a:p>
+        </p:txBody>
+      </p:sp>
+      <p:graphicFrame>
+        <p:nvGraphicFramePr>
+          <p:cNvPr id="5" name="표 4"/>
+          <p:cNvGraphicFramePr>
+            <a:graphicFrameLocks noGrp="1"/>
+          </p:cNvGraphicFramePr>
+          <p:nvPr>
+            <p:extLst/>
+          </p:nvPr>
+        </p:nvGraphicFramePr>
+        <p:xfrm>
+          <a:off x="121299" y="811958"/>
+          <a:ext cx="8879334" cy="5361584"/>
+        </p:xfrm>
+        <a:graphic>
+          <a:graphicData uri="http://schemas.openxmlformats.org/drawingml/2006/table">
+            <a:tbl>
+              <a:tblPr firstRow="1" bandRow="1">
+                <a:tableStyleId>{5940675A-B579-460E-94D1-54222C63F5DA}</a:tableStyleId>
+              </a:tblPr>
+              <a:tblGrid>
+                <a:gridCol w="1082350">
+                  <a:extLst>
+                    <a:ext uri="{9D8B030D-6E8A-4147-A177-3AD203B41FA5}">
+                      <a16:colId xmlns:a16="http://schemas.microsoft.com/office/drawing/2014/main" val="3168376025"/>
+                    </a:ext>
+                  </a:extLst>
+                </a:gridCol>
+                <a:gridCol w="1237561">
+                  <a:extLst>
+                    <a:ext uri="{9D8B030D-6E8A-4147-A177-3AD203B41FA5}">
+                      <a16:colId xmlns:a16="http://schemas.microsoft.com/office/drawing/2014/main" val="3972999339"/>
+                    </a:ext>
+                  </a:extLst>
+                </a:gridCol>
+                <a:gridCol w="2373386">
+                  <a:extLst>
+                    <a:ext uri="{9D8B030D-6E8A-4147-A177-3AD203B41FA5}">
+                      <a16:colId xmlns:a16="http://schemas.microsoft.com/office/drawing/2014/main" val="1387915097"/>
+                    </a:ext>
+                  </a:extLst>
+                </a:gridCol>
+                <a:gridCol w="1670180">
+                  <a:extLst>
+                    <a:ext uri="{9D8B030D-6E8A-4147-A177-3AD203B41FA5}">
+                      <a16:colId xmlns:a16="http://schemas.microsoft.com/office/drawing/2014/main" val="1509115090"/>
+                    </a:ext>
+                  </a:extLst>
+                </a:gridCol>
+                <a:gridCol w="2515857">
+                  <a:extLst>
+                    <a:ext uri="{9D8B030D-6E8A-4147-A177-3AD203B41FA5}">
+                      <a16:colId xmlns:a16="http://schemas.microsoft.com/office/drawing/2014/main" val="1770252170"/>
+                    </a:ext>
+                  </a:extLst>
+                </a:gridCol>
+              </a:tblGrid>
+              <a:tr h="237264">
+                <a:tc gridSpan="2">
+                  <a:txBody>
+                    <a:bodyPr/>
+                    <a:lstStyle/>
+                    <a:p>
+                      <a:pPr algn="ctr" latinLnBrk="1"/>
+                      <a:r>
+                        <a:rPr lang="ko-KR" altLang="en-US" sz="1600" dirty="0"/>
+                        <a:t>클래스명</a:t>
+                      </a:r>
+                    </a:p>
+                  </a:txBody>
+                  <a:tcPr marL="89354" marR="89354" marT="44677" marB="44677" anchor="ctr">
+                    <a:lnL w="3175" cap="flat" cmpd="sng" algn="ctr">
+                      <a:solidFill>
+                        <a:schemeClr val="tx1"/>
+                      </a:solidFill>
+                      <a:prstDash val="lgDash"/>
+                      <a:round/>
+                      <a:headEnd type="none" w="med" len="med"/>
+                      <a:tailEnd type="none" w="med" len="med"/>
+                    </a:lnL>
+                    <a:lnR w="3175" cap="flat" cmpd="sng" algn="ctr">
+                      <a:solidFill>
+                        <a:schemeClr val="tx1"/>
+                      </a:solidFill>
+                      <a:prstDash val="lgDash"/>
+                      <a:round/>
+                      <a:headEnd type="none" w="med" len="med"/>
+                      <a:tailEnd type="none" w="med" len="med"/>
+                    </a:lnR>
+                    <a:lnT w="38100" cap="flat" cmpd="sng" algn="ctr">
+                      <a:solidFill>
+                        <a:schemeClr val="accent1"/>
+                      </a:solidFill>
+                      <a:prstDash val="solid"/>
+                      <a:round/>
+                      <a:headEnd type="none" w="med" len="med"/>
+                      <a:tailEnd type="none" w="med" len="med"/>
+                    </a:lnT>
+                    <a:lnB w="3175" cap="flat" cmpd="sng" algn="ctr">
+                      <a:solidFill>
+                        <a:schemeClr val="tx1"/>
+                      </a:solidFill>
+                      <a:prstDash val="lgDash"/>
+                      <a:round/>
+                      <a:headEnd type="none" w="med" len="med"/>
+                      <a:tailEnd type="none" w="med" len="med"/>
+                    </a:lnB>
+                    <a:lnTlToBr w="12700" cmpd="sng">
+                      <a:noFill/>
+                      <a:prstDash val="solid"/>
+                    </a:lnTlToBr>
+                    <a:lnBlToTr w="12700" cmpd="sng">
+                      <a:noFill/>
+                      <a:prstDash val="solid"/>
+                    </a:lnBlToTr>
+                  </a:tcPr>
+                </a:tc>
+                <a:tc hMerge="1">
+                  <a:txBody>
+                    <a:bodyPr/>
+                    <a:lstStyle/>
+                    <a:p>
+                      <a:pPr latinLnBrk="1"/>
+                      <a:endParaRPr lang="ko-KR" altLang="en-US" sz="1800" dirty="0"/>
+                    </a:p>
+                  </a:txBody>
+                  <a:tcPr marL="89354" marR="89354" marT="44677" marB="44677"/>
+                </a:tc>
+                <a:tc gridSpan="3">
+                  <a:txBody>
+                    <a:bodyPr/>
+                    <a:lstStyle/>
+                    <a:p>
+                      <a:pPr latinLnBrk="1"/>
+                      <a:r>
+                        <a:rPr lang="en-US" altLang="ko-KR" sz="1600" dirty="0" err="1"/>
+                        <a:t>LoginSolution</a:t>
+                      </a:r>
+                      <a:r>
+                        <a:rPr lang="en-US" altLang="ko-KR" sz="1600" dirty="0"/>
+                        <a:t> (1)</a:t>
+                      </a:r>
+                      <a:endParaRPr lang="ko-KR" altLang="en-US" sz="1600" dirty="0"/>
+                    </a:p>
+                  </a:txBody>
+                  <a:tcPr marL="89354" marR="89354" marT="44677" marB="44677" anchor="ctr">
+                    <a:lnL w="3175" cap="flat" cmpd="sng" algn="ctr">
+                      <a:solidFill>
+                        <a:schemeClr val="tx1"/>
+                      </a:solidFill>
+                      <a:prstDash val="lgDash"/>
+                      <a:round/>
+                      <a:headEnd type="none" w="med" len="med"/>
+                      <a:tailEnd type="none" w="med" len="med"/>
+                    </a:lnL>
+                    <a:lnR w="3175" cap="flat" cmpd="sng" algn="ctr">
+                      <a:noFill/>
+                      <a:prstDash val="lgDash"/>
+                      <a:round/>
+                      <a:headEnd type="none" w="med" len="med"/>
+                      <a:tailEnd type="none" w="med" len="med"/>
+                    </a:lnR>
+                    <a:lnT w="38100" cap="flat" cmpd="sng" algn="ctr">
+                      <a:solidFill>
+                        <a:schemeClr val="accent1"/>
+                      </a:solidFill>
+                      <a:prstDash val="solid"/>
+                      <a:round/>
+                      <a:headEnd type="none" w="med" len="med"/>
+                      <a:tailEnd type="none" w="med" len="med"/>
+                    </a:lnT>
+                    <a:lnB w="3175" cap="flat" cmpd="sng" algn="ctr">
+                      <a:solidFill>
+                        <a:schemeClr val="tx1"/>
+                      </a:solidFill>
+                      <a:prstDash val="lgDash"/>
+                      <a:round/>
+                      <a:headEnd type="none" w="med" len="med"/>
+                      <a:tailEnd type="none" w="med" len="med"/>
+                    </a:lnB>
+                    <a:lnTlToBr w="12700" cmpd="sng">
+                      <a:noFill/>
+                      <a:prstDash val="solid"/>
+                    </a:lnTlToBr>
+                    <a:lnBlToTr w="12700" cmpd="sng">
+                      <a:noFill/>
+                      <a:prstDash val="solid"/>
+                    </a:lnBlToTr>
+                  </a:tcPr>
+                </a:tc>
+                <a:tc hMerge="1">
+                  <a:txBody>
+                    <a:bodyPr/>
+                    <a:lstStyle/>
+                    <a:p>
+                      <a:pPr latinLnBrk="1"/>
+                      <a:endParaRPr lang="ko-KR" altLang="en-US" sz="1800" dirty="0"/>
+                    </a:p>
+                  </a:txBody>
+                  <a:tcPr marL="89354" marR="89354" marT="44677" marB="44677" anchor="ctr">
+                    <a:lnL w="3175" cap="flat" cmpd="sng" algn="ctr">
+                      <a:noFill/>
+                      <a:prstDash val="lgDash"/>
+                      <a:round/>
+                      <a:headEnd type="none" w="med" len="med"/>
+                      <a:tailEnd type="none" w="med" len="med"/>
+                    </a:lnL>
+                    <a:lnR w="3175" cap="flat" cmpd="sng" algn="ctr">
+                      <a:solidFill>
+                        <a:schemeClr val="tx1"/>
+                      </a:solidFill>
+                      <a:prstDash val="lgDash"/>
+                      <a:round/>
+                      <a:headEnd type="none" w="med" len="med"/>
+                      <a:tailEnd type="none" w="med" len="med"/>
+                    </a:lnR>
+                    <a:lnT w="38100" cap="flat" cmpd="sng" algn="ctr">
+                      <a:solidFill>
+                        <a:schemeClr val="accent1"/>
+                      </a:solidFill>
+                      <a:prstDash val="solid"/>
+                      <a:round/>
+                      <a:headEnd type="none" w="med" len="med"/>
+                      <a:tailEnd type="none" w="med" len="med"/>
+                    </a:lnT>
+                    <a:lnB w="3175" cap="flat" cmpd="sng" algn="ctr">
+                      <a:solidFill>
+                        <a:schemeClr val="tx1"/>
+                      </a:solidFill>
+                      <a:prstDash val="lgDash"/>
+                      <a:round/>
+                      <a:headEnd type="none" w="med" len="med"/>
+                      <a:tailEnd type="none" w="med" len="med"/>
+                    </a:lnB>
+                    <a:lnTlToBr w="12700" cmpd="sng">
+                      <a:noFill/>
+                      <a:prstDash val="solid"/>
+                    </a:lnTlToBr>
+                    <a:lnBlToTr w="12700" cmpd="sng">
+                      <a:noFill/>
+                      <a:prstDash val="solid"/>
+                    </a:lnBlToTr>
+                  </a:tcPr>
+                </a:tc>
+                <a:tc hMerge="1">
+                  <a:txBody>
+                    <a:bodyPr/>
+                    <a:lstStyle/>
+                    <a:p>
+                      <a:pPr latinLnBrk="1"/>
+                      <a:endParaRPr lang="ko-KR" altLang="en-US" sz="1800" dirty="0"/>
+                    </a:p>
+                  </a:txBody>
+                  <a:tcPr marL="89354" marR="89354" marT="44677" marB="44677" anchor="ctr">
+                    <a:lnL w="3175" cap="flat" cmpd="sng" algn="ctr">
+                      <a:solidFill>
+                        <a:schemeClr val="tx1"/>
+                      </a:solidFill>
+                      <a:prstDash val="lgDash"/>
+                      <a:round/>
+                      <a:headEnd type="none" w="med" len="med"/>
+                      <a:tailEnd type="none" w="med" len="med"/>
+                    </a:lnL>
+                    <a:lnR w="12700" cmpd="sng">
+                      <a:noFill/>
+                    </a:lnR>
+                    <a:lnT w="38100" cap="flat" cmpd="sng" algn="ctr">
+                      <a:solidFill>
+                        <a:schemeClr val="accent1"/>
+                      </a:solidFill>
+                      <a:prstDash val="solid"/>
+                      <a:round/>
+                      <a:headEnd type="none" w="med" len="med"/>
+                      <a:tailEnd type="none" w="med" len="med"/>
+                    </a:lnT>
+                    <a:lnB w="3175" cap="flat" cmpd="sng" algn="ctr">
+                      <a:solidFill>
+                        <a:schemeClr val="tx1"/>
+                      </a:solidFill>
+                      <a:prstDash val="lgDash"/>
+                      <a:round/>
+                      <a:headEnd type="none" w="med" len="med"/>
+                      <a:tailEnd type="none" w="med" len="med"/>
+                    </a:lnB>
+                    <a:lnTlToBr w="12700" cmpd="sng">
+                      <a:noFill/>
+                      <a:prstDash val="solid"/>
+                    </a:lnTlToBr>
+                    <a:lnBlToTr w="12700" cmpd="sng">
+                      <a:noFill/>
+                      <a:prstDash val="solid"/>
+                    </a:lnBlToTr>
+                  </a:tcPr>
+                </a:tc>
+                <a:extLst>
+                  <a:ext uri="{0D108BD9-81ED-4DB2-BD59-A6C34878D82A}">
+                    <a16:rowId xmlns:a16="http://schemas.microsoft.com/office/drawing/2014/main" val="2580935315"/>
+                  </a:ext>
+                </a:extLst>
+              </a:tr>
+              <a:tr h="237264">
+                <a:tc gridSpan="2">
+                  <a:txBody>
+                    <a:bodyPr/>
+                    <a:lstStyle/>
+                    <a:p>
+                      <a:pPr algn="ctr" latinLnBrk="1"/>
+                      <a:r>
+                        <a:rPr lang="ko-KR" altLang="en-US" sz="1600" dirty="0"/>
+                        <a:t>클래스 개요</a:t>
+                      </a:r>
+                    </a:p>
+                  </a:txBody>
+                  <a:tcPr marL="89354" marR="89354" marT="44677" marB="44677" anchor="ctr">
+                    <a:lnL w="3175" cap="flat" cmpd="sng" algn="ctr">
+                      <a:solidFill>
+                        <a:schemeClr val="tx1"/>
+                      </a:solidFill>
+                      <a:prstDash val="lgDash"/>
+                      <a:round/>
+                      <a:headEnd type="none" w="med" len="med"/>
+                      <a:tailEnd type="none" w="med" len="med"/>
+                    </a:lnL>
+                    <a:lnR w="3175" cap="flat" cmpd="sng" algn="ctr">
+                      <a:solidFill>
+                        <a:schemeClr val="tx1"/>
+                      </a:solidFill>
+                      <a:prstDash val="lgDash"/>
+                      <a:round/>
+                      <a:headEnd type="none" w="med" len="med"/>
+                      <a:tailEnd type="none" w="med" len="med"/>
+                    </a:lnR>
+                    <a:lnT w="3175" cap="flat" cmpd="sng" algn="ctr">
+                      <a:solidFill>
+                        <a:schemeClr val="tx1"/>
+                      </a:solidFill>
+                      <a:prstDash val="lgDash"/>
+                      <a:round/>
+                      <a:headEnd type="none" w="med" len="med"/>
+                      <a:tailEnd type="none" w="med" len="med"/>
+                    </a:lnT>
+                    <a:lnB w="3175" cap="flat" cmpd="sng" algn="ctr">
+                      <a:solidFill>
+                        <a:schemeClr val="tx1"/>
+                      </a:solidFill>
+                      <a:prstDash val="lgDash"/>
+                      <a:round/>
+                      <a:headEnd type="none" w="med" len="med"/>
+                      <a:tailEnd type="none" w="med" len="med"/>
+                    </a:lnB>
+                    <a:lnTlToBr w="12700" cmpd="sng">
+                      <a:noFill/>
+                      <a:prstDash val="solid"/>
+                    </a:lnTlToBr>
+                    <a:lnBlToTr w="12700" cmpd="sng">
+                      <a:noFill/>
+                      <a:prstDash val="solid"/>
+                    </a:lnBlToTr>
+                  </a:tcPr>
+                </a:tc>
+                <a:tc hMerge="1">
+                  <a:txBody>
+                    <a:bodyPr/>
+                    <a:lstStyle/>
+                    <a:p>
+                      <a:pPr latinLnBrk="1"/>
+                      <a:endParaRPr lang="ko-KR" altLang="en-US" sz="1800" dirty="0"/>
+                    </a:p>
+                  </a:txBody>
+                  <a:tcPr marL="89354" marR="89354" marT="44677" marB="44677"/>
+                </a:tc>
+                <a:tc gridSpan="3">
+                  <a:txBody>
+                    <a:bodyPr/>
+                    <a:lstStyle/>
+                    <a:p>
+                      <a:pPr latinLnBrk="1"/>
+                      <a:r>
+                        <a:rPr lang="ko-KR" altLang="en-US" sz="1600" dirty="0"/>
+                        <a:t>로그인 문제 해결</a:t>
+                      </a:r>
+                    </a:p>
+                  </a:txBody>
+                  <a:tcPr marL="89354" marR="89354" marT="44677" marB="44677" anchor="ctr">
+                    <a:lnL w="3175" cap="flat" cmpd="sng" algn="ctr">
+                      <a:solidFill>
+                        <a:schemeClr val="tx1"/>
+                      </a:solidFill>
+                      <a:prstDash val="lgDash"/>
+                      <a:round/>
+                      <a:headEnd type="none" w="med" len="med"/>
+                      <a:tailEnd type="none" w="med" len="med"/>
+                    </a:lnL>
+                    <a:lnR w="3175" cap="flat" cmpd="sng" algn="ctr">
+                      <a:noFill/>
+                      <a:prstDash val="lgDash"/>
+                      <a:round/>
+                      <a:headEnd type="none" w="med" len="med"/>
+                      <a:tailEnd type="none" w="med" len="med"/>
+                    </a:lnR>
+                    <a:lnT w="3175" cap="flat" cmpd="sng" algn="ctr">
+                      <a:solidFill>
+                        <a:schemeClr val="tx1"/>
+                      </a:solidFill>
+                      <a:prstDash val="lgDash"/>
+                      <a:round/>
+                      <a:headEnd type="none" w="med" len="med"/>
+                      <a:tailEnd type="none" w="med" len="med"/>
+                    </a:lnT>
+                    <a:lnB w="3175" cap="flat" cmpd="sng" algn="ctr">
+                      <a:solidFill>
+                        <a:schemeClr val="tx1"/>
+                      </a:solidFill>
+                      <a:prstDash val="lgDash"/>
+                      <a:round/>
+                      <a:headEnd type="none" w="med" len="med"/>
+                      <a:tailEnd type="none" w="med" len="med"/>
+                    </a:lnB>
+                    <a:lnTlToBr w="12700" cmpd="sng">
+                      <a:noFill/>
+                      <a:prstDash val="solid"/>
+                    </a:lnTlToBr>
+                    <a:lnBlToTr w="12700" cmpd="sng">
+                      <a:noFill/>
+                      <a:prstDash val="solid"/>
+                    </a:lnBlToTr>
+                  </a:tcPr>
+                </a:tc>
+                <a:tc hMerge="1">
+                  <a:txBody>
+                    <a:bodyPr/>
+                    <a:lstStyle/>
+                    <a:p>
+                      <a:pPr latinLnBrk="1"/>
+                      <a:endParaRPr lang="ko-KR" altLang="en-US" sz="1800" dirty="0"/>
+                    </a:p>
+                  </a:txBody>
+                  <a:tcPr marL="89354" marR="89354" marT="44677" marB="44677" anchor="ctr">
+                    <a:lnL w="3175" cap="flat" cmpd="sng" algn="ctr">
+                      <a:noFill/>
+                      <a:prstDash val="lgDash"/>
+                      <a:round/>
+                      <a:headEnd type="none" w="med" len="med"/>
+                      <a:tailEnd type="none" w="med" len="med"/>
+                    </a:lnL>
+                    <a:lnR w="3175" cap="flat" cmpd="sng" algn="ctr">
+                      <a:solidFill>
+                        <a:schemeClr val="tx1"/>
+                      </a:solidFill>
+                      <a:prstDash val="lgDash"/>
+                      <a:round/>
+                      <a:headEnd type="none" w="med" len="med"/>
+                      <a:tailEnd type="none" w="med" len="med"/>
+                    </a:lnR>
+                    <a:lnT w="3175" cap="flat" cmpd="sng" algn="ctr">
+                      <a:solidFill>
+                        <a:schemeClr val="tx1"/>
+                      </a:solidFill>
+                      <a:prstDash val="lgDash"/>
+                      <a:round/>
+                      <a:headEnd type="none" w="med" len="med"/>
+                      <a:tailEnd type="none" w="med" len="med"/>
+                    </a:lnT>
+                    <a:lnB w="3175" cap="flat" cmpd="sng" algn="ctr">
+                      <a:solidFill>
+                        <a:schemeClr val="tx1"/>
+                      </a:solidFill>
+                      <a:prstDash val="lgDash"/>
+                      <a:round/>
+                      <a:headEnd type="none" w="med" len="med"/>
+                      <a:tailEnd type="none" w="med" len="med"/>
+                    </a:lnB>
+                    <a:lnTlToBr w="12700" cmpd="sng">
+                      <a:noFill/>
+                      <a:prstDash val="solid"/>
+                    </a:lnTlToBr>
+                    <a:lnBlToTr w="12700" cmpd="sng">
+                      <a:noFill/>
+                      <a:prstDash val="solid"/>
+                    </a:lnBlToTr>
+                  </a:tcPr>
+                </a:tc>
+                <a:tc hMerge="1">
+                  <a:txBody>
+                    <a:bodyPr/>
+                    <a:lstStyle/>
+                    <a:p>
+                      <a:pPr latinLnBrk="1"/>
+                      <a:endParaRPr lang="ko-KR" altLang="en-US" sz="1800" dirty="0"/>
+                    </a:p>
+                  </a:txBody>
+                  <a:tcPr marL="89354" marR="89354" marT="44677" marB="44677" anchor="ctr">
+                    <a:lnL w="3175" cap="flat" cmpd="sng" algn="ctr">
+                      <a:solidFill>
+                        <a:schemeClr val="tx1"/>
+                      </a:solidFill>
+                      <a:prstDash val="lgDash"/>
+                      <a:round/>
+                      <a:headEnd type="none" w="med" len="med"/>
+                      <a:tailEnd type="none" w="med" len="med"/>
+                    </a:lnL>
+                    <a:lnR w="12700" cmpd="sng">
+                      <a:noFill/>
+                    </a:lnR>
+                    <a:lnT w="3175" cap="flat" cmpd="sng" algn="ctr">
+                      <a:solidFill>
+                        <a:schemeClr val="tx1"/>
+                      </a:solidFill>
+                      <a:prstDash val="lgDash"/>
+                      <a:round/>
+                      <a:headEnd type="none" w="med" len="med"/>
+                      <a:tailEnd type="none" w="med" len="med"/>
+                    </a:lnT>
+                    <a:lnB w="3175" cap="flat" cmpd="sng" algn="ctr">
+                      <a:solidFill>
+                        <a:schemeClr val="tx1"/>
+                      </a:solidFill>
+                      <a:prstDash val="lgDash"/>
+                      <a:round/>
+                      <a:headEnd type="none" w="med" len="med"/>
+                      <a:tailEnd type="none" w="med" len="med"/>
+                    </a:lnB>
+                    <a:lnTlToBr w="12700" cmpd="sng">
+                      <a:noFill/>
+                      <a:prstDash val="solid"/>
+                    </a:lnTlToBr>
+                    <a:lnBlToTr w="12700" cmpd="sng">
+                      <a:noFill/>
+                      <a:prstDash val="solid"/>
+                    </a:lnBlToTr>
+                  </a:tcPr>
+                </a:tc>
+                <a:extLst>
+                  <a:ext uri="{0D108BD9-81ED-4DB2-BD59-A6C34878D82A}">
+                    <a16:rowId xmlns:a16="http://schemas.microsoft.com/office/drawing/2014/main" val="911871230"/>
+                  </a:ext>
+                </a:extLst>
+              </a:tr>
+              <a:tr h="237264">
+                <a:tc gridSpan="2">
+                  <a:txBody>
+                    <a:bodyPr/>
+                    <a:lstStyle/>
+                    <a:p>
+                      <a:pPr algn="ctr" latinLnBrk="1"/>
+                      <a:r>
+                        <a:rPr lang="en-US" altLang="ko-KR" sz="1600" dirty="0"/>
+                        <a:t>Stereotype</a:t>
+                      </a:r>
+                      <a:endParaRPr lang="ko-KR" altLang="en-US" sz="1600" dirty="0"/>
+                    </a:p>
+                  </a:txBody>
+                  <a:tcPr marL="89354" marR="89354" marT="44677" marB="44677" anchor="ctr">
+                    <a:lnL w="3175" cap="flat" cmpd="sng" algn="ctr">
+                      <a:solidFill>
+                        <a:schemeClr val="tx1"/>
+                      </a:solidFill>
+                      <a:prstDash val="lgDash"/>
+                      <a:round/>
+                      <a:headEnd type="none" w="med" len="med"/>
+                      <a:tailEnd type="none" w="med" len="med"/>
+                    </a:lnL>
+                    <a:lnR w="3175" cap="flat" cmpd="sng" algn="ctr">
+                      <a:solidFill>
+                        <a:schemeClr val="tx1"/>
+                      </a:solidFill>
+                      <a:prstDash val="lgDash"/>
+                      <a:round/>
+                      <a:headEnd type="none" w="med" len="med"/>
+                      <a:tailEnd type="none" w="med" len="med"/>
+                    </a:lnR>
+                    <a:lnT w="3175" cap="flat" cmpd="sng" algn="ctr">
+                      <a:solidFill>
+                        <a:schemeClr val="tx1"/>
+                      </a:solidFill>
+                      <a:prstDash val="lgDash"/>
+                      <a:round/>
+                      <a:headEnd type="none" w="med" len="med"/>
+                      <a:tailEnd type="none" w="med" len="med"/>
+                    </a:lnT>
+                    <a:lnB w="3175" cap="flat" cmpd="sng" algn="ctr">
+                      <a:solidFill>
+                        <a:schemeClr val="tx1"/>
+                      </a:solidFill>
+                      <a:prstDash val="lgDash"/>
+                      <a:round/>
+                      <a:headEnd type="none" w="med" len="med"/>
+                      <a:tailEnd type="none" w="med" len="med"/>
+                    </a:lnB>
+                    <a:lnTlToBr w="12700" cmpd="sng">
+                      <a:noFill/>
+                      <a:prstDash val="solid"/>
+                    </a:lnTlToBr>
+                    <a:lnBlToTr w="12700" cmpd="sng">
+                      <a:noFill/>
+                      <a:prstDash val="solid"/>
+                    </a:lnBlToTr>
+                  </a:tcPr>
+                </a:tc>
+                <a:tc hMerge="1">
+                  <a:txBody>
+                    <a:bodyPr/>
+                    <a:lstStyle/>
+                    <a:p>
+                      <a:pPr latinLnBrk="1"/>
+                      <a:endParaRPr lang="ko-KR" altLang="en-US" sz="1800" dirty="0"/>
+                    </a:p>
+                  </a:txBody>
+                  <a:tcPr marL="89354" marR="89354" marT="44677" marB="44677"/>
+                </a:tc>
+                <a:tc gridSpan="3">
+                  <a:txBody>
+                    <a:bodyPr/>
+                    <a:lstStyle/>
+                    <a:p>
+                      <a:pPr latinLnBrk="1"/>
+                      <a:r>
+                        <a:rPr lang="en-US" altLang="ko-KR" sz="1600" dirty="0"/>
+                        <a:t>Boundary</a:t>
+                      </a:r>
+                      <a:endParaRPr lang="ko-KR" altLang="en-US" sz="1600" dirty="0"/>
+                    </a:p>
+                  </a:txBody>
+                  <a:tcPr marL="89354" marR="89354" marT="44677" marB="44677" anchor="ctr">
+                    <a:lnL w="3175" cap="flat" cmpd="sng" algn="ctr">
+                      <a:solidFill>
+                        <a:schemeClr val="tx1"/>
+                      </a:solidFill>
+                      <a:prstDash val="lgDash"/>
+                      <a:round/>
+                      <a:headEnd type="none" w="med" len="med"/>
+                      <a:tailEnd type="none" w="med" len="med"/>
+                    </a:lnL>
+                    <a:lnR w="3175" cap="flat" cmpd="sng" algn="ctr">
+                      <a:noFill/>
+                      <a:prstDash val="lgDash"/>
+                      <a:round/>
+                      <a:headEnd type="none" w="med" len="med"/>
+                      <a:tailEnd type="none" w="med" len="med"/>
+                    </a:lnR>
+                    <a:lnT w="3175" cap="flat" cmpd="sng" algn="ctr">
+                      <a:solidFill>
+                        <a:schemeClr val="tx1"/>
+                      </a:solidFill>
+                      <a:prstDash val="lgDash"/>
+                      <a:round/>
+                      <a:headEnd type="none" w="med" len="med"/>
+                      <a:tailEnd type="none" w="med" len="med"/>
+                    </a:lnT>
+                    <a:lnB w="38100" cap="flat" cmpd="sng" algn="ctr">
+                      <a:solidFill>
+                        <a:schemeClr val="accent1"/>
+                      </a:solidFill>
+                      <a:prstDash val="solid"/>
+                      <a:round/>
+                      <a:headEnd type="none" w="med" len="med"/>
+                      <a:tailEnd type="none" w="med" len="med"/>
+                    </a:lnB>
+                    <a:lnTlToBr w="12700" cmpd="sng">
+                      <a:noFill/>
+                      <a:prstDash val="solid"/>
+                    </a:lnTlToBr>
+                    <a:lnBlToTr w="12700" cmpd="sng">
+                      <a:noFill/>
+                      <a:prstDash val="solid"/>
+                    </a:lnBlToTr>
+                  </a:tcPr>
+                </a:tc>
+                <a:tc hMerge="1">
+                  <a:txBody>
+                    <a:bodyPr/>
+                    <a:lstStyle/>
+                    <a:p>
+                      <a:pPr latinLnBrk="1"/>
+                      <a:endParaRPr lang="ko-KR" altLang="en-US" sz="1800" dirty="0"/>
+                    </a:p>
+                  </a:txBody>
+                  <a:tcPr marL="89354" marR="89354" marT="44677" marB="44677" anchor="ctr">
+                    <a:lnL w="3175" cap="flat" cmpd="sng" algn="ctr">
+                      <a:noFill/>
+                      <a:prstDash val="lgDash"/>
+                      <a:round/>
+                      <a:headEnd type="none" w="med" len="med"/>
+                      <a:tailEnd type="none" w="med" len="med"/>
+                    </a:lnL>
+                    <a:lnR w="3175" cap="flat" cmpd="sng" algn="ctr">
+                      <a:solidFill>
+                        <a:schemeClr val="tx1"/>
+                      </a:solidFill>
+                      <a:prstDash val="lgDash"/>
+                      <a:round/>
+                      <a:headEnd type="none" w="med" len="med"/>
+                      <a:tailEnd type="none" w="med" len="med"/>
+                    </a:lnR>
+                    <a:lnT w="3175" cap="flat" cmpd="sng" algn="ctr">
+                      <a:solidFill>
+                        <a:schemeClr val="tx1"/>
+                      </a:solidFill>
+                      <a:prstDash val="lgDash"/>
+                      <a:round/>
+                      <a:headEnd type="none" w="med" len="med"/>
+                      <a:tailEnd type="none" w="med" len="med"/>
+                    </a:lnT>
+                    <a:lnB w="38100" cap="flat" cmpd="sng" algn="ctr">
+                      <a:solidFill>
+                        <a:schemeClr val="accent1"/>
+                      </a:solidFill>
+                      <a:prstDash val="solid"/>
+                      <a:round/>
+                      <a:headEnd type="none" w="med" len="med"/>
+                      <a:tailEnd type="none" w="med" len="med"/>
+                    </a:lnB>
+                    <a:lnTlToBr w="12700" cmpd="sng">
+                      <a:noFill/>
+                      <a:prstDash val="solid"/>
+                    </a:lnTlToBr>
+                    <a:lnBlToTr w="12700" cmpd="sng">
+                      <a:noFill/>
+                      <a:prstDash val="solid"/>
+                    </a:lnBlToTr>
+                  </a:tcPr>
+                </a:tc>
+                <a:tc hMerge="1">
+                  <a:txBody>
+                    <a:bodyPr/>
+                    <a:lstStyle/>
+                    <a:p>
+                      <a:pPr latinLnBrk="1"/>
+                      <a:endParaRPr lang="ko-KR" altLang="en-US" sz="1800" dirty="0"/>
+                    </a:p>
+                  </a:txBody>
+                  <a:tcPr marL="89354" marR="89354" marT="44677" marB="44677" anchor="ctr">
+                    <a:lnL w="3175" cap="flat" cmpd="sng" algn="ctr">
+                      <a:solidFill>
+                        <a:schemeClr val="tx1"/>
+                      </a:solidFill>
+                      <a:prstDash val="lgDash"/>
+                      <a:round/>
+                      <a:headEnd type="none" w="med" len="med"/>
+                      <a:tailEnd type="none" w="med" len="med"/>
+                    </a:lnL>
+                    <a:lnR w="12700" cmpd="sng">
+                      <a:noFill/>
+                    </a:lnR>
+                    <a:lnT w="3175" cap="flat" cmpd="sng" algn="ctr">
+                      <a:solidFill>
+                        <a:schemeClr val="tx1"/>
+                      </a:solidFill>
+                      <a:prstDash val="lgDash"/>
+                      <a:round/>
+                      <a:headEnd type="none" w="med" len="med"/>
+                      <a:tailEnd type="none" w="med" len="med"/>
+                    </a:lnT>
+                    <a:lnB w="38100" cap="flat" cmpd="sng" algn="ctr">
+                      <a:solidFill>
+                        <a:schemeClr val="accent1"/>
+                      </a:solidFill>
+                      <a:prstDash val="solid"/>
+                      <a:round/>
+                      <a:headEnd type="none" w="med" len="med"/>
+                      <a:tailEnd type="none" w="med" len="med"/>
+                    </a:lnB>
+                    <a:lnTlToBr w="12700" cmpd="sng">
+                      <a:noFill/>
+                      <a:prstDash val="solid"/>
+                    </a:lnTlToBr>
+                    <a:lnBlToTr w="12700" cmpd="sng">
+                      <a:noFill/>
+                      <a:prstDash val="solid"/>
+                    </a:lnBlToTr>
+                  </a:tcPr>
+                </a:tc>
+                <a:extLst>
+                  <a:ext uri="{0D108BD9-81ED-4DB2-BD59-A6C34878D82A}">
+                    <a16:rowId xmlns:a16="http://schemas.microsoft.com/office/drawing/2014/main" val="2596430327"/>
+                  </a:ext>
+                </a:extLst>
+              </a:tr>
+              <a:tr h="237264">
+                <a:tc rowSpan="13">
+                  <a:txBody>
+                    <a:bodyPr/>
+                    <a:lstStyle/>
+                    <a:p>
+                      <a:pPr algn="ctr" latinLnBrk="1"/>
+                      <a:r>
+                        <a:rPr lang="en-US" altLang="ko-KR" sz="1600" dirty="0"/>
+                        <a:t>Public</a:t>
+                      </a:r>
+                    </a:p>
+                    <a:p>
+                      <a:pPr algn="ctr" latinLnBrk="1"/>
+                      <a:r>
+                        <a:rPr lang="en-US" altLang="ko-KR" sz="1600" dirty="0"/>
+                        <a:t>Interface</a:t>
+                      </a:r>
+                      <a:endParaRPr lang="ko-KR" altLang="en-US" sz="1600" dirty="0"/>
+                    </a:p>
+                  </a:txBody>
+                  <a:tcPr marL="89354" marR="89354" marT="44677" marB="44677" anchor="ctr">
+                    <a:lnL w="3175" cap="flat" cmpd="sng" algn="ctr">
+                      <a:solidFill>
+                        <a:schemeClr val="tx1"/>
+                      </a:solidFill>
+                      <a:prstDash val="lgDash"/>
+                      <a:round/>
+                      <a:headEnd type="none" w="med" len="med"/>
+                      <a:tailEnd type="none" w="med" len="med"/>
+                    </a:lnL>
+                    <a:lnR w="3175" cap="flat" cmpd="sng" algn="ctr">
+                      <a:solidFill>
+                        <a:schemeClr val="tx1"/>
+                      </a:solidFill>
+                      <a:prstDash val="lgDash"/>
+                      <a:round/>
+                      <a:headEnd type="none" w="med" len="med"/>
+                      <a:tailEnd type="none" w="med" len="med"/>
+                    </a:lnR>
+                    <a:lnT w="3175" cap="flat" cmpd="sng" algn="ctr">
+                      <a:solidFill>
+                        <a:schemeClr val="tx1"/>
+                      </a:solidFill>
+                      <a:prstDash val="lgDash"/>
+                      <a:round/>
+                      <a:headEnd type="none" w="med" len="med"/>
+                      <a:tailEnd type="none" w="med" len="med"/>
+                    </a:lnT>
+                    <a:lnB w="38100" cap="flat" cmpd="sng" algn="ctr">
+                      <a:solidFill>
+                        <a:schemeClr val="accent1"/>
+                      </a:solidFill>
+                      <a:prstDash val="solid"/>
+                      <a:round/>
+                      <a:headEnd type="none" w="med" len="med"/>
+                      <a:tailEnd type="none" w="med" len="med"/>
+                    </a:lnB>
+                    <a:lnTlToBr w="12700" cmpd="sng">
+                      <a:noFill/>
+                      <a:prstDash val="solid"/>
+                    </a:lnTlToBr>
+                    <a:lnBlToTr w="12700" cmpd="sng">
+                      <a:noFill/>
+                      <a:prstDash val="solid"/>
+                    </a:lnBlToTr>
+                  </a:tcPr>
+                </a:tc>
+                <a:tc rowSpan="3">
+                  <a:txBody>
+                    <a:bodyPr/>
+                    <a:lstStyle/>
+                    <a:p>
+                      <a:pPr algn="ctr" latinLnBrk="1"/>
+                      <a:r>
+                        <a:rPr lang="en-US" altLang="ko-KR" sz="1600" dirty="0"/>
+                        <a:t>Operations</a:t>
+                      </a:r>
+                      <a:endParaRPr lang="ko-KR" altLang="en-US" sz="1600" dirty="0"/>
+                    </a:p>
+                  </a:txBody>
+                  <a:tcPr marL="89354" marR="89354" marT="44677" marB="44677" anchor="ctr">
+                    <a:lnL w="3175" cap="flat" cmpd="sng" algn="ctr">
+                      <a:solidFill>
+                        <a:schemeClr val="tx1"/>
+                      </a:solidFill>
+                      <a:prstDash val="lgDash"/>
+                      <a:round/>
+                      <a:headEnd type="none" w="med" len="med"/>
+                      <a:tailEnd type="none" w="med" len="med"/>
+                    </a:lnL>
+                    <a:lnR w="3175" cap="flat" cmpd="sng" algn="ctr">
+                      <a:solidFill>
+                        <a:schemeClr val="tx1"/>
+                      </a:solidFill>
+                      <a:prstDash val="lgDash"/>
+                      <a:round/>
+                      <a:headEnd type="none" w="med" len="med"/>
+                      <a:tailEnd type="none" w="med" len="med"/>
+                    </a:lnR>
+                    <a:lnT w="3175" cap="flat" cmpd="sng" algn="ctr">
+                      <a:solidFill>
+                        <a:schemeClr val="tx1"/>
+                      </a:solidFill>
+                      <a:prstDash val="lgDash"/>
+                      <a:round/>
+                      <a:headEnd type="none" w="med" len="med"/>
+                      <a:tailEnd type="none" w="med" len="med"/>
+                    </a:lnT>
+                    <a:lnB w="3175" cap="flat" cmpd="sng" algn="ctr">
+                      <a:solidFill>
+                        <a:schemeClr val="tx1"/>
+                      </a:solidFill>
+                      <a:prstDash val="lgDash"/>
+                      <a:round/>
+                      <a:headEnd type="none" w="med" len="med"/>
+                      <a:tailEnd type="none" w="med" len="med"/>
+                    </a:lnB>
+                    <a:lnTlToBr w="12700" cmpd="sng">
+                      <a:noFill/>
+                      <a:prstDash val="solid"/>
+                    </a:lnTlToBr>
+                    <a:lnBlToTr w="12700" cmpd="sng">
+                      <a:noFill/>
+                      <a:prstDash val="solid"/>
+                    </a:lnBlToTr>
+                  </a:tcPr>
+                </a:tc>
+                <a:tc>
+                  <a:txBody>
+                    <a:bodyPr/>
+                    <a:lstStyle/>
+                    <a:p>
+                      <a:pPr algn="ctr" latinLnBrk="1"/>
+                      <a:r>
+                        <a:rPr lang="en-US" altLang="ko-KR" sz="1600" b="1" dirty="0"/>
+                        <a:t>Operation(Parameter)</a:t>
+                      </a:r>
+                      <a:endParaRPr lang="ko-KR" altLang="en-US" sz="1600" b="1" dirty="0"/>
+                    </a:p>
+                  </a:txBody>
+                  <a:tcPr marL="89354" marR="89354" marT="44677" marB="44677" anchor="ctr">
+                    <a:lnL w="3175" cap="flat" cmpd="sng" algn="ctr">
+                      <a:solidFill>
+                        <a:schemeClr val="tx1"/>
+                      </a:solidFill>
+                      <a:prstDash val="lgDash"/>
+                      <a:round/>
+                      <a:headEnd type="none" w="med" len="med"/>
+                      <a:tailEnd type="none" w="med" len="med"/>
+                    </a:lnL>
+                    <a:lnR w="3175" cap="flat" cmpd="sng" algn="ctr">
+                      <a:solidFill>
+                        <a:schemeClr val="tx1"/>
+                      </a:solidFill>
+                      <a:prstDash val="lgDash"/>
+                      <a:round/>
+                      <a:headEnd type="none" w="med" len="med"/>
+                      <a:tailEnd type="none" w="med" len="med"/>
+                    </a:lnR>
+                    <a:lnT w="38100" cap="flat" cmpd="sng" algn="ctr">
+                      <a:solidFill>
+                        <a:schemeClr val="accent1"/>
+                      </a:solidFill>
+                      <a:prstDash val="solid"/>
+                      <a:round/>
+                      <a:headEnd type="none" w="med" len="med"/>
+                      <a:tailEnd type="none" w="med" len="med"/>
+                    </a:lnT>
+                    <a:lnB w="3175" cap="flat" cmpd="sng" algn="ctr">
+                      <a:solidFill>
+                        <a:schemeClr val="tx1"/>
+                      </a:solidFill>
+                      <a:prstDash val="lgDash"/>
+                      <a:round/>
+                      <a:headEnd type="none" w="med" len="med"/>
+                      <a:tailEnd type="none" w="med" len="med"/>
+                    </a:lnB>
+                    <a:lnTlToBr w="12700" cmpd="sng">
+                      <a:noFill/>
+                      <a:prstDash val="solid"/>
+                    </a:lnTlToBr>
+                    <a:lnBlToTr w="12700" cmpd="sng">
+                      <a:noFill/>
+                      <a:prstDash val="solid"/>
+                    </a:lnBlToTr>
+                    <a:solidFill>
+                      <a:schemeClr val="accent1">
+                        <a:lumMod val="20000"/>
+                        <a:lumOff val="80000"/>
+                      </a:schemeClr>
+                    </a:solidFill>
+                  </a:tcPr>
+                </a:tc>
+                <a:tc>
+                  <a:txBody>
+                    <a:bodyPr/>
+                    <a:lstStyle/>
+                    <a:p>
+                      <a:pPr algn="ctr" latinLnBrk="1"/>
+                      <a:r>
+                        <a:rPr lang="en-US" altLang="ko-KR" sz="1600" b="1" dirty="0"/>
+                        <a:t>Return</a:t>
+                      </a:r>
+                      <a:endParaRPr lang="ko-KR" altLang="en-US" sz="1600" b="1" dirty="0"/>
+                    </a:p>
+                  </a:txBody>
+                  <a:tcPr marL="89354" marR="89354" marT="44677" marB="44677" anchor="ctr">
+                    <a:lnL w="3175" cap="flat" cmpd="sng" algn="ctr">
+                      <a:solidFill>
+                        <a:schemeClr val="tx1"/>
+                      </a:solidFill>
+                      <a:prstDash val="lgDash"/>
+                      <a:round/>
+                      <a:headEnd type="none" w="med" len="med"/>
+                      <a:tailEnd type="none" w="med" len="med"/>
+                    </a:lnL>
+                    <a:lnR w="3175" cap="flat" cmpd="sng" algn="ctr">
+                      <a:solidFill>
+                        <a:schemeClr val="tx1"/>
+                      </a:solidFill>
+                      <a:prstDash val="lgDash"/>
+                      <a:round/>
+                      <a:headEnd type="none" w="med" len="med"/>
+                      <a:tailEnd type="none" w="med" len="med"/>
+                    </a:lnR>
+                    <a:lnT w="38100" cap="flat" cmpd="sng" algn="ctr">
+                      <a:solidFill>
+                        <a:schemeClr val="accent1"/>
+                      </a:solidFill>
+                      <a:prstDash val="solid"/>
+                      <a:round/>
+                      <a:headEnd type="none" w="med" len="med"/>
+                      <a:tailEnd type="none" w="med" len="med"/>
+                    </a:lnT>
+                    <a:lnB w="3175" cap="flat" cmpd="sng" algn="ctr">
+                      <a:solidFill>
+                        <a:schemeClr val="tx1"/>
+                      </a:solidFill>
+                      <a:prstDash val="lgDash"/>
+                      <a:round/>
+                      <a:headEnd type="none" w="med" len="med"/>
+                      <a:tailEnd type="none" w="med" len="med"/>
+                    </a:lnB>
+                    <a:lnTlToBr w="12700" cmpd="sng">
+                      <a:noFill/>
+                      <a:prstDash val="solid"/>
+                    </a:lnTlToBr>
+                    <a:lnBlToTr w="12700" cmpd="sng">
+                      <a:noFill/>
+                      <a:prstDash val="solid"/>
+                    </a:lnBlToTr>
+                    <a:solidFill>
+                      <a:schemeClr val="accent1">
+                        <a:lumMod val="20000"/>
+                        <a:lumOff val="80000"/>
+                      </a:schemeClr>
+                    </a:solidFill>
+                  </a:tcPr>
+                </a:tc>
+                <a:tc>
+                  <a:txBody>
+                    <a:bodyPr/>
+                    <a:lstStyle/>
+                    <a:p>
+                      <a:pPr algn="ctr" latinLnBrk="1"/>
+                      <a:r>
+                        <a:rPr lang="ko-KR" altLang="en-US" sz="1400" b="1" dirty="0"/>
+                        <a:t>설명</a:t>
+                      </a:r>
+                    </a:p>
+                  </a:txBody>
+                  <a:tcPr marL="89354" marR="89354" marT="44677" marB="44677" anchor="ctr">
+                    <a:lnL w="3175" cap="flat" cmpd="sng" algn="ctr">
+                      <a:solidFill>
+                        <a:schemeClr val="tx1"/>
+                      </a:solidFill>
+                      <a:prstDash val="lgDash"/>
+                      <a:round/>
+                      <a:headEnd type="none" w="med" len="med"/>
+                      <a:tailEnd type="none" w="med" len="med"/>
+                    </a:lnL>
+                    <a:lnR w="12700" cmpd="sng">
+                      <a:noFill/>
+                    </a:lnR>
+                    <a:lnT w="38100" cap="flat" cmpd="sng" algn="ctr">
+                      <a:solidFill>
+                        <a:schemeClr val="accent1"/>
+                      </a:solidFill>
+                      <a:prstDash val="solid"/>
+                      <a:round/>
+                      <a:headEnd type="none" w="med" len="med"/>
+                      <a:tailEnd type="none" w="med" len="med"/>
+                    </a:lnT>
+                    <a:lnB w="3175" cap="flat" cmpd="sng" algn="ctr">
+                      <a:solidFill>
+                        <a:schemeClr val="tx1"/>
+                      </a:solidFill>
+                      <a:prstDash val="lgDash"/>
+                      <a:round/>
+                      <a:headEnd type="none" w="med" len="med"/>
+                      <a:tailEnd type="none" w="med" len="med"/>
+                    </a:lnB>
+                    <a:lnTlToBr w="12700" cmpd="sng">
+                      <a:noFill/>
+                      <a:prstDash val="solid"/>
+                    </a:lnTlToBr>
+                    <a:lnBlToTr w="12700" cmpd="sng">
+                      <a:noFill/>
+                      <a:prstDash val="solid"/>
+                    </a:lnBlToTr>
+                    <a:solidFill>
+                      <a:schemeClr val="accent1">
+                        <a:lumMod val="20000"/>
+                        <a:lumOff val="80000"/>
+                      </a:schemeClr>
+                    </a:solidFill>
+                  </a:tcPr>
+                </a:tc>
+                <a:extLst>
+                  <a:ext uri="{0D108BD9-81ED-4DB2-BD59-A6C34878D82A}">
+                    <a16:rowId xmlns:a16="http://schemas.microsoft.com/office/drawing/2014/main" val="148614603"/>
+                  </a:ext>
+                </a:extLst>
+              </a:tr>
+              <a:tr h="121225">
+                <a:tc vMerge="1">
+                  <a:txBody>
+                    <a:bodyPr/>
+                    <a:lstStyle/>
+                    <a:p>
+                      <a:pPr algn="ctr" latinLnBrk="1"/>
+                      <a:endParaRPr lang="ko-KR" altLang="en-US" sz="1800" dirty="0"/>
+                    </a:p>
+                  </a:txBody>
+                  <a:tcPr marL="89354" marR="89354" marT="44677" marB="44677" anchor="ctr">
+                    <a:lnL w="12700" cmpd="sng">
+                      <a:noFill/>
+                    </a:lnL>
+                    <a:lnR w="3175" cap="flat" cmpd="sng" algn="ctr">
+                      <a:solidFill>
+                        <a:schemeClr val="tx1"/>
+                      </a:solidFill>
+                      <a:prstDash val="lgDash"/>
+                      <a:round/>
+                      <a:headEnd type="none" w="med" len="med"/>
+                      <a:tailEnd type="none" w="med" len="med"/>
+                    </a:lnR>
+                    <a:lnT w="38100" cap="flat" cmpd="sng" algn="ctr">
+                      <a:solidFill>
+                        <a:schemeClr val="accent1"/>
+                      </a:solidFill>
+                      <a:prstDash val="solid"/>
+                      <a:round/>
+                      <a:headEnd type="none" w="med" len="med"/>
+                      <a:tailEnd type="none" w="med" len="med"/>
+                    </a:lnT>
+                    <a:lnB w="38100" cap="flat" cmpd="sng" algn="ctr">
+                      <a:solidFill>
+                        <a:schemeClr val="accent1"/>
+                      </a:solidFill>
+                      <a:prstDash val="solid"/>
+                      <a:round/>
+                      <a:headEnd type="none" w="med" len="med"/>
+                      <a:tailEnd type="none" w="med" len="med"/>
+                    </a:lnB>
+                    <a:lnTlToBr w="12700" cmpd="sng">
+                      <a:noFill/>
+                      <a:prstDash val="solid"/>
+                    </a:lnTlToBr>
+                    <a:lnBlToTr w="12700" cmpd="sng">
+                      <a:noFill/>
+                      <a:prstDash val="solid"/>
+                    </a:lnBlToTr>
+                  </a:tcPr>
+                </a:tc>
+                <a:tc vMerge="1">
+                  <a:txBody>
+                    <a:bodyPr/>
+                    <a:lstStyle/>
+                    <a:p>
+                      <a:pPr algn="ctr" latinLnBrk="1"/>
+                      <a:endParaRPr lang="ko-KR" altLang="en-US" sz="1800" dirty="0"/>
+                    </a:p>
+                  </a:txBody>
+                  <a:tcPr marL="89354" marR="89354" marT="44677" marB="44677" anchor="ctr">
+                    <a:lnL w="3175" cap="flat" cmpd="sng" algn="ctr">
+                      <a:solidFill>
+                        <a:schemeClr val="tx1"/>
+                      </a:solidFill>
+                      <a:prstDash val="lgDash"/>
+                      <a:round/>
+                      <a:headEnd type="none" w="med" len="med"/>
+                      <a:tailEnd type="none" w="med" len="med"/>
+                    </a:lnL>
+                    <a:lnR w="3175" cap="flat" cmpd="sng" algn="ctr">
+                      <a:solidFill>
+                        <a:schemeClr val="tx1"/>
+                      </a:solidFill>
+                      <a:prstDash val="lgDash"/>
+                      <a:round/>
+                      <a:headEnd type="none" w="med" len="med"/>
+                      <a:tailEnd type="none" w="med" len="med"/>
+                    </a:lnR>
+                    <a:lnT w="3175" cap="flat" cmpd="sng" algn="ctr">
+                      <a:solidFill>
+                        <a:schemeClr val="tx1"/>
+                      </a:solidFill>
+                      <a:prstDash val="lgDash"/>
+                      <a:round/>
+                      <a:headEnd type="none" w="med" len="med"/>
+                      <a:tailEnd type="none" w="med" len="med"/>
+                    </a:lnT>
+                    <a:lnB w="3175" cap="flat" cmpd="sng" algn="ctr">
+                      <a:solidFill>
+                        <a:schemeClr val="tx1"/>
+                      </a:solidFill>
+                      <a:prstDash val="lgDash"/>
+                      <a:round/>
+                      <a:headEnd type="none" w="med" len="med"/>
+                      <a:tailEnd type="none" w="med" len="med"/>
+                    </a:lnB>
+                    <a:lnTlToBr w="12700" cmpd="sng">
+                      <a:noFill/>
+                      <a:prstDash val="solid"/>
+                    </a:lnTlToBr>
+                    <a:lnBlToTr w="12700" cmpd="sng">
+                      <a:noFill/>
+                      <a:prstDash val="solid"/>
+                    </a:lnBlToTr>
+                  </a:tcPr>
+                </a:tc>
+                <a:tc>
+                  <a:txBody>
+                    <a:bodyPr/>
+                    <a:lstStyle/>
+                    <a:p>
+                      <a:pPr latinLnBrk="1"/>
+                      <a:endParaRPr lang="ko-KR" altLang="en-US" sz="1600" dirty="0"/>
+                    </a:p>
+                  </a:txBody>
+                  <a:tcPr marL="89354" marR="89354" marT="44677" marB="44677" anchor="ctr">
+                    <a:lnL w="3175" cap="flat" cmpd="sng" algn="ctr">
+                      <a:solidFill>
+                        <a:schemeClr val="tx1"/>
+                      </a:solidFill>
+                      <a:prstDash val="lgDash"/>
+                      <a:round/>
+                      <a:headEnd type="none" w="med" len="med"/>
+                      <a:tailEnd type="none" w="med" len="med"/>
+                    </a:lnL>
+                    <a:lnR w="3175" cap="flat" cmpd="sng" algn="ctr">
+                      <a:solidFill>
+                        <a:schemeClr val="tx1"/>
+                      </a:solidFill>
+                      <a:prstDash val="lgDash"/>
+                      <a:round/>
+                      <a:headEnd type="none" w="med" len="med"/>
+                      <a:tailEnd type="none" w="med" len="med"/>
+                    </a:lnR>
+                    <a:lnT w="3175" cap="flat" cmpd="sng" algn="ctr">
+                      <a:solidFill>
+                        <a:schemeClr val="tx1"/>
+                      </a:solidFill>
+                      <a:prstDash val="lgDash"/>
+                      <a:round/>
+                      <a:headEnd type="none" w="med" len="med"/>
+                      <a:tailEnd type="none" w="med" len="med"/>
+                    </a:lnT>
+                    <a:lnB w="3175" cap="flat" cmpd="sng" algn="ctr">
+                      <a:solidFill>
+                        <a:schemeClr val="tx1"/>
+                      </a:solidFill>
+                      <a:prstDash val="lgDash"/>
+                      <a:round/>
+                      <a:headEnd type="none" w="med" len="med"/>
+                      <a:tailEnd type="none" w="med" len="med"/>
+                    </a:lnB>
+                    <a:lnTlToBr w="12700" cmpd="sng">
+                      <a:noFill/>
+                      <a:prstDash val="solid"/>
+                    </a:lnTlToBr>
+                    <a:lnBlToTr w="12700" cmpd="sng">
+                      <a:noFill/>
+                      <a:prstDash val="solid"/>
+                    </a:lnBlToTr>
+                  </a:tcPr>
+                </a:tc>
+                <a:tc>
+                  <a:txBody>
+                    <a:bodyPr/>
+                    <a:lstStyle/>
+                    <a:p>
+                      <a:pPr latinLnBrk="1"/>
+                      <a:endParaRPr lang="ko-KR" altLang="en-US" sz="1600" dirty="0"/>
+                    </a:p>
+                  </a:txBody>
+                  <a:tcPr marL="89354" marR="89354" marT="44677" marB="44677" anchor="ctr">
+                    <a:lnL w="3175" cap="flat" cmpd="sng" algn="ctr">
+                      <a:solidFill>
+                        <a:schemeClr val="tx1"/>
+                      </a:solidFill>
+                      <a:prstDash val="lgDash"/>
+                      <a:round/>
+                      <a:headEnd type="none" w="med" len="med"/>
+                      <a:tailEnd type="none" w="med" len="med"/>
+                    </a:lnL>
+                    <a:lnR w="3175" cap="flat" cmpd="sng" algn="ctr">
+                      <a:solidFill>
+                        <a:schemeClr val="tx1"/>
+                      </a:solidFill>
+                      <a:prstDash val="lgDash"/>
+                      <a:round/>
+                      <a:headEnd type="none" w="med" len="med"/>
+                      <a:tailEnd type="none" w="med" len="med"/>
+                    </a:lnR>
+                    <a:lnT w="3175" cap="flat" cmpd="sng" algn="ctr">
+                      <a:solidFill>
+                        <a:schemeClr val="tx1"/>
+                      </a:solidFill>
+                      <a:prstDash val="lgDash"/>
+                      <a:round/>
+                      <a:headEnd type="none" w="med" len="med"/>
+                      <a:tailEnd type="none" w="med" len="med"/>
+                    </a:lnT>
+                    <a:lnB w="3175" cap="flat" cmpd="sng" algn="ctr">
+                      <a:solidFill>
+                        <a:schemeClr val="tx1"/>
+                      </a:solidFill>
+                      <a:prstDash val="lgDash"/>
+                      <a:round/>
+                      <a:headEnd type="none" w="med" len="med"/>
+                      <a:tailEnd type="none" w="med" len="med"/>
+                    </a:lnB>
+                    <a:lnTlToBr w="12700" cmpd="sng">
+                      <a:noFill/>
+                      <a:prstDash val="solid"/>
+                    </a:lnTlToBr>
+                    <a:lnBlToTr w="12700" cmpd="sng">
+                      <a:noFill/>
+                      <a:prstDash val="solid"/>
+                    </a:lnBlToTr>
+                  </a:tcPr>
+                </a:tc>
+                <a:tc>
+                  <a:txBody>
+                    <a:bodyPr/>
+                    <a:lstStyle/>
+                    <a:p>
+                      <a:pPr latinLnBrk="1"/>
+                      <a:endParaRPr lang="ko-KR" altLang="en-US" sz="1400" dirty="0"/>
+                    </a:p>
+                  </a:txBody>
+                  <a:tcPr marL="89354" marR="89354" marT="44677" marB="44677" anchor="ctr">
+                    <a:lnL w="3175" cap="flat" cmpd="sng" algn="ctr">
+                      <a:solidFill>
+                        <a:schemeClr val="tx1"/>
+                      </a:solidFill>
+                      <a:prstDash val="lgDash"/>
+                      <a:round/>
+                      <a:headEnd type="none" w="med" len="med"/>
+                      <a:tailEnd type="none" w="med" len="med"/>
+                    </a:lnL>
+                    <a:lnR w="12700" cmpd="sng">
+                      <a:noFill/>
+                    </a:lnR>
+                    <a:lnT w="3175" cap="flat" cmpd="sng" algn="ctr">
+                      <a:solidFill>
+                        <a:schemeClr val="tx1"/>
+                      </a:solidFill>
+                      <a:prstDash val="lgDash"/>
+                      <a:round/>
+                      <a:headEnd type="none" w="med" len="med"/>
+                      <a:tailEnd type="none" w="med" len="med"/>
+                    </a:lnT>
+                    <a:lnB w="3175" cap="flat" cmpd="sng" algn="ctr">
+                      <a:solidFill>
+                        <a:schemeClr val="tx1"/>
+                      </a:solidFill>
+                      <a:prstDash val="lgDash"/>
+                      <a:round/>
+                      <a:headEnd type="none" w="med" len="med"/>
+                      <a:tailEnd type="none" w="med" len="med"/>
+                    </a:lnB>
+                    <a:lnTlToBr w="12700" cmpd="sng">
+                      <a:noFill/>
+                      <a:prstDash val="solid"/>
+                    </a:lnTlToBr>
+                    <a:lnBlToTr w="12700" cmpd="sng">
+                      <a:noFill/>
+                      <a:prstDash val="solid"/>
+                    </a:lnBlToTr>
+                  </a:tcPr>
+                </a:tc>
+                <a:extLst>
+                  <a:ext uri="{0D108BD9-81ED-4DB2-BD59-A6C34878D82A}">
+                    <a16:rowId xmlns:a16="http://schemas.microsoft.com/office/drawing/2014/main" val="2917085813"/>
+                  </a:ext>
+                </a:extLst>
+              </a:tr>
+              <a:tr h="363674">
+                <a:tc vMerge="1">
+                  <a:txBody>
+                    <a:bodyPr/>
+                    <a:lstStyle/>
+                    <a:p>
+                      <a:pPr algn="ctr" latinLnBrk="1"/>
+                      <a:endParaRPr lang="ko-KR" altLang="en-US" sz="1800" dirty="0"/>
+                    </a:p>
+                  </a:txBody>
+                  <a:tcPr marL="89354" marR="89354" marT="44677" marB="44677" anchor="ctr">
+                    <a:lnL w="12700" cmpd="sng">
+                      <a:noFill/>
+                    </a:lnL>
+                    <a:lnR w="3175" cap="flat" cmpd="sng" algn="ctr">
+                      <a:solidFill>
+                        <a:schemeClr val="tx1"/>
+                      </a:solidFill>
+                      <a:prstDash val="lgDash"/>
+                      <a:round/>
+                      <a:headEnd type="none" w="med" len="med"/>
+                      <a:tailEnd type="none" w="med" len="med"/>
+                    </a:lnR>
+                    <a:lnT w="38100" cap="flat" cmpd="sng" algn="ctr">
+                      <a:solidFill>
+                        <a:schemeClr val="accent1"/>
+                      </a:solidFill>
+                      <a:prstDash val="solid"/>
+                      <a:round/>
+                      <a:headEnd type="none" w="med" len="med"/>
+                      <a:tailEnd type="none" w="med" len="med"/>
+                    </a:lnT>
+                    <a:lnB w="38100" cap="flat" cmpd="sng" algn="ctr">
+                      <a:solidFill>
+                        <a:schemeClr val="accent1"/>
+                      </a:solidFill>
+                      <a:prstDash val="solid"/>
+                      <a:round/>
+                      <a:headEnd type="none" w="med" len="med"/>
+                      <a:tailEnd type="none" w="med" len="med"/>
+                    </a:lnB>
+                    <a:lnTlToBr w="12700" cmpd="sng">
+                      <a:noFill/>
+                      <a:prstDash val="solid"/>
+                    </a:lnTlToBr>
+                    <a:lnBlToTr w="12700" cmpd="sng">
+                      <a:noFill/>
+                      <a:prstDash val="solid"/>
+                    </a:lnBlToTr>
+                  </a:tcPr>
+                </a:tc>
+                <a:tc vMerge="1">
+                  <a:txBody>
+                    <a:bodyPr/>
+                    <a:lstStyle/>
+                    <a:p>
+                      <a:pPr algn="ctr" latinLnBrk="1"/>
+                      <a:endParaRPr lang="ko-KR" altLang="en-US" sz="1800" dirty="0"/>
+                    </a:p>
+                  </a:txBody>
+                  <a:tcPr marL="89354" marR="89354" marT="44677" marB="44677" anchor="ctr">
+                    <a:lnL w="3175" cap="flat" cmpd="sng" algn="ctr">
+                      <a:solidFill>
+                        <a:schemeClr val="tx1"/>
+                      </a:solidFill>
+                      <a:prstDash val="lgDash"/>
+                      <a:round/>
+                      <a:headEnd type="none" w="med" len="med"/>
+                      <a:tailEnd type="none" w="med" len="med"/>
+                    </a:lnL>
+                    <a:lnR w="3175" cap="flat" cmpd="sng" algn="ctr">
+                      <a:solidFill>
+                        <a:schemeClr val="tx1"/>
+                      </a:solidFill>
+                      <a:prstDash val="lgDash"/>
+                      <a:round/>
+                      <a:headEnd type="none" w="med" len="med"/>
+                      <a:tailEnd type="none" w="med" len="med"/>
+                    </a:lnR>
+                    <a:lnT w="3175" cap="flat" cmpd="sng" algn="ctr">
+                      <a:solidFill>
+                        <a:schemeClr val="tx1"/>
+                      </a:solidFill>
+                      <a:prstDash val="lgDash"/>
+                      <a:round/>
+                      <a:headEnd type="none" w="med" len="med"/>
+                      <a:tailEnd type="none" w="med" len="med"/>
+                    </a:lnT>
+                    <a:lnB w="3175" cap="flat" cmpd="sng" algn="ctr">
+                      <a:solidFill>
+                        <a:schemeClr val="tx1"/>
+                      </a:solidFill>
+                      <a:prstDash val="lgDash"/>
+                      <a:round/>
+                      <a:headEnd type="none" w="med" len="med"/>
+                      <a:tailEnd type="none" w="med" len="med"/>
+                    </a:lnB>
+                    <a:lnTlToBr w="12700" cmpd="sng">
+                      <a:noFill/>
+                      <a:prstDash val="solid"/>
+                    </a:lnTlToBr>
+                    <a:lnBlToTr w="12700" cmpd="sng">
+                      <a:noFill/>
+                      <a:prstDash val="solid"/>
+                    </a:lnBlToTr>
+                  </a:tcPr>
+                </a:tc>
+                <a:tc>
+                  <a:txBody>
+                    <a:bodyPr/>
+                    <a:lstStyle/>
+                    <a:p>
+                      <a:pPr latinLnBrk="1"/>
+                      <a:endParaRPr lang="ko-KR" altLang="en-US" sz="1600" dirty="0"/>
+                    </a:p>
+                  </a:txBody>
+                  <a:tcPr marL="89354" marR="89354" marT="44677" marB="44677" anchor="ctr">
+                    <a:lnL w="3175" cap="flat" cmpd="sng" algn="ctr">
+                      <a:solidFill>
+                        <a:schemeClr val="tx1"/>
+                      </a:solidFill>
+                      <a:prstDash val="lgDash"/>
+                      <a:round/>
+                      <a:headEnd type="none" w="med" len="med"/>
+                      <a:tailEnd type="none" w="med" len="med"/>
+                    </a:lnL>
+                    <a:lnR w="3175" cap="flat" cmpd="sng" algn="ctr">
+                      <a:solidFill>
+                        <a:schemeClr val="tx1"/>
+                      </a:solidFill>
+                      <a:prstDash val="lgDash"/>
+                      <a:round/>
+                      <a:headEnd type="none" w="med" len="med"/>
+                      <a:tailEnd type="none" w="med" len="med"/>
+                    </a:lnR>
+                    <a:lnT w="3175" cap="flat" cmpd="sng" algn="ctr">
+                      <a:solidFill>
+                        <a:schemeClr val="tx1"/>
+                      </a:solidFill>
+                      <a:prstDash val="lgDash"/>
+                      <a:round/>
+                      <a:headEnd type="none" w="med" len="med"/>
+                      <a:tailEnd type="none" w="med" len="med"/>
+                    </a:lnT>
+                    <a:lnB w="38100" cap="flat" cmpd="sng" algn="ctr">
+                      <a:solidFill>
+                        <a:schemeClr val="accent1"/>
+                      </a:solidFill>
+                      <a:prstDash val="solid"/>
+                      <a:round/>
+                      <a:headEnd type="none" w="med" len="med"/>
+                      <a:tailEnd type="none" w="med" len="med"/>
+                    </a:lnB>
+                    <a:lnTlToBr w="12700" cmpd="sng">
+                      <a:noFill/>
+                      <a:prstDash val="solid"/>
+                    </a:lnTlToBr>
+                    <a:lnBlToTr w="12700" cmpd="sng">
+                      <a:noFill/>
+                      <a:prstDash val="solid"/>
+                    </a:lnBlToTr>
+                  </a:tcPr>
+                </a:tc>
+                <a:tc>
+                  <a:txBody>
+                    <a:bodyPr/>
+                    <a:lstStyle/>
+                    <a:p>
+                      <a:pPr latinLnBrk="1"/>
+                      <a:endParaRPr lang="ko-KR" altLang="en-US" sz="1600" dirty="0"/>
+                    </a:p>
+                  </a:txBody>
+                  <a:tcPr marL="89354" marR="89354" marT="44677" marB="44677" anchor="ctr">
+                    <a:lnL w="3175" cap="flat" cmpd="sng" algn="ctr">
+                      <a:solidFill>
+                        <a:schemeClr val="tx1"/>
+                      </a:solidFill>
+                      <a:prstDash val="lgDash"/>
+                      <a:round/>
+                      <a:headEnd type="none" w="med" len="med"/>
+                      <a:tailEnd type="none" w="med" len="med"/>
+                    </a:lnL>
+                    <a:lnR w="3175" cap="flat" cmpd="sng" algn="ctr">
+                      <a:solidFill>
+                        <a:schemeClr val="tx1"/>
+                      </a:solidFill>
+                      <a:prstDash val="lgDash"/>
+                      <a:round/>
+                      <a:headEnd type="none" w="med" len="med"/>
+                      <a:tailEnd type="none" w="med" len="med"/>
+                    </a:lnR>
+                    <a:lnT w="3175" cap="flat" cmpd="sng" algn="ctr">
+                      <a:solidFill>
+                        <a:schemeClr val="tx1"/>
+                      </a:solidFill>
+                      <a:prstDash val="lgDash"/>
+                      <a:round/>
+                      <a:headEnd type="none" w="med" len="med"/>
+                      <a:tailEnd type="none" w="med" len="med"/>
+                    </a:lnT>
+                    <a:lnB w="38100" cap="flat" cmpd="sng" algn="ctr">
+                      <a:solidFill>
+                        <a:schemeClr val="accent1"/>
+                      </a:solidFill>
+                      <a:prstDash val="solid"/>
+                      <a:round/>
+                      <a:headEnd type="none" w="med" len="med"/>
+                      <a:tailEnd type="none" w="med" len="med"/>
+                    </a:lnB>
+                    <a:lnTlToBr w="12700" cmpd="sng">
+                      <a:noFill/>
+                      <a:prstDash val="solid"/>
+                    </a:lnTlToBr>
+                    <a:lnBlToTr w="12700" cmpd="sng">
+                      <a:noFill/>
+                      <a:prstDash val="solid"/>
+                    </a:lnBlToTr>
+                  </a:tcPr>
+                </a:tc>
+                <a:tc>
+                  <a:txBody>
+                    <a:bodyPr/>
+                    <a:lstStyle/>
+                    <a:p>
+                      <a:pPr latinLnBrk="1"/>
+                      <a:endParaRPr lang="ko-KR" altLang="en-US" sz="1400" dirty="0"/>
+                    </a:p>
+                  </a:txBody>
+                  <a:tcPr marL="89354" marR="89354" marT="44677" marB="44677" anchor="ctr">
+                    <a:lnL w="3175" cap="flat" cmpd="sng" algn="ctr">
+                      <a:solidFill>
+                        <a:schemeClr val="tx1"/>
+                      </a:solidFill>
+                      <a:prstDash val="lgDash"/>
+                      <a:round/>
+                      <a:headEnd type="none" w="med" len="med"/>
+                      <a:tailEnd type="none" w="med" len="med"/>
+                    </a:lnL>
+                    <a:lnR w="12700" cmpd="sng">
+                      <a:noFill/>
+                    </a:lnR>
+                    <a:lnT w="3175" cap="flat" cmpd="sng" algn="ctr">
+                      <a:solidFill>
+                        <a:schemeClr val="tx1"/>
+                      </a:solidFill>
+                      <a:prstDash val="lgDash"/>
+                      <a:round/>
+                      <a:headEnd type="none" w="med" len="med"/>
+                      <a:tailEnd type="none" w="med" len="med"/>
+                    </a:lnT>
+                    <a:lnB w="38100" cap="flat" cmpd="sng" algn="ctr">
+                      <a:solidFill>
+                        <a:schemeClr val="accent1"/>
+                      </a:solidFill>
+                      <a:prstDash val="solid"/>
+                      <a:round/>
+                      <a:headEnd type="none" w="med" len="med"/>
+                      <a:tailEnd type="none" w="med" len="med"/>
+                    </a:lnB>
+                    <a:lnTlToBr w="12700" cmpd="sng">
+                      <a:noFill/>
+                      <a:prstDash val="solid"/>
+                    </a:lnTlToBr>
+                    <a:lnBlToTr w="12700" cmpd="sng">
+                      <a:noFill/>
+                      <a:prstDash val="solid"/>
+                    </a:lnBlToTr>
+                  </a:tcPr>
+                </a:tc>
+                <a:extLst>
+                  <a:ext uri="{0D108BD9-81ED-4DB2-BD59-A6C34878D82A}">
+                    <a16:rowId xmlns:a16="http://schemas.microsoft.com/office/drawing/2014/main" val="3846831493"/>
+                  </a:ext>
+                </a:extLst>
+              </a:tr>
+              <a:tr h="237264">
+                <a:tc vMerge="1">
+                  <a:txBody>
+                    <a:bodyPr/>
+                    <a:lstStyle/>
+                    <a:p>
+                      <a:pPr latinLnBrk="1"/>
+                      <a:endParaRPr lang="ko-KR" altLang="en-US" sz="1800" dirty="0"/>
+                    </a:p>
+                  </a:txBody>
+                  <a:tcPr marL="89354" marR="89354" marT="44677" marB="44677">
+                    <a:lnT w="38100" cap="flat" cmpd="sng" algn="ctr">
+                      <a:solidFill>
+                        <a:schemeClr val="accent1"/>
+                      </a:solidFill>
+                      <a:prstDash val="solid"/>
+                      <a:round/>
+                      <a:headEnd type="none" w="med" len="med"/>
+                      <a:tailEnd type="none" w="med" len="med"/>
+                    </a:lnT>
+                  </a:tcPr>
+                </a:tc>
+                <a:tc rowSpan="10">
+                  <a:txBody>
+                    <a:bodyPr/>
+                    <a:lstStyle/>
+                    <a:p>
+                      <a:pPr algn="ctr" latinLnBrk="1"/>
+                      <a:r>
+                        <a:rPr lang="en-US" altLang="ko-KR" sz="1600" dirty="0"/>
+                        <a:t>Attributes</a:t>
+                      </a:r>
+                      <a:endParaRPr lang="ko-KR" altLang="en-US" sz="1600" dirty="0"/>
+                    </a:p>
+                  </a:txBody>
+                  <a:tcPr marL="89354" marR="89354" marT="44677" marB="44677" anchor="ctr">
+                    <a:lnL w="3175" cap="flat" cmpd="sng" algn="ctr">
+                      <a:solidFill>
+                        <a:schemeClr val="tx1"/>
+                      </a:solidFill>
+                      <a:prstDash val="lgDash"/>
+                      <a:round/>
+                      <a:headEnd type="none" w="med" len="med"/>
+                      <a:tailEnd type="none" w="med" len="med"/>
+                    </a:lnL>
+                    <a:lnR w="3175" cap="flat" cmpd="sng" algn="ctr">
+                      <a:solidFill>
+                        <a:schemeClr val="tx1"/>
+                      </a:solidFill>
+                      <a:prstDash val="lgDash"/>
+                      <a:round/>
+                      <a:headEnd type="none" w="med" len="med"/>
+                      <a:tailEnd type="none" w="med" len="med"/>
+                    </a:lnR>
+                    <a:lnT w="3175" cap="flat" cmpd="sng" algn="ctr">
+                      <a:solidFill>
+                        <a:schemeClr val="tx1"/>
+                      </a:solidFill>
+                      <a:prstDash val="lgDash"/>
+                      <a:round/>
+                      <a:headEnd type="none" w="med" len="med"/>
+                      <a:tailEnd type="none" w="med" len="med"/>
+                    </a:lnT>
+                    <a:lnB w="38100" cap="flat" cmpd="sng" algn="ctr">
+                      <a:solidFill>
+                        <a:schemeClr val="accent1"/>
+                      </a:solidFill>
+                      <a:prstDash val="solid"/>
+                      <a:round/>
+                      <a:headEnd type="none" w="med" len="med"/>
+                      <a:tailEnd type="none" w="med" len="med"/>
+                    </a:lnB>
+                    <a:lnTlToBr w="12700" cmpd="sng">
+                      <a:noFill/>
+                      <a:prstDash val="solid"/>
+                    </a:lnTlToBr>
+                    <a:lnBlToTr w="12700" cmpd="sng">
+                      <a:noFill/>
+                      <a:prstDash val="solid"/>
+                    </a:lnBlToTr>
+                  </a:tcPr>
+                </a:tc>
+                <a:tc>
+                  <a:txBody>
+                    <a:bodyPr/>
+                    <a:lstStyle/>
+                    <a:p>
+                      <a:pPr algn="ctr" latinLnBrk="1"/>
+                      <a:r>
+                        <a:rPr lang="en-US" altLang="ko-KR" sz="1600" b="1" dirty="0"/>
+                        <a:t>Attribute</a:t>
+                      </a:r>
+                      <a:endParaRPr lang="ko-KR" altLang="en-US" sz="1600" b="1" dirty="0"/>
+                    </a:p>
+                  </a:txBody>
+                  <a:tcPr marL="89354" marR="89354" marT="44677" marB="44677" anchor="ctr">
+                    <a:lnL w="3175" cap="flat" cmpd="sng" algn="ctr">
+                      <a:solidFill>
+                        <a:schemeClr val="tx1"/>
+                      </a:solidFill>
+                      <a:prstDash val="lgDash"/>
+                      <a:round/>
+                      <a:headEnd type="none" w="med" len="med"/>
+                      <a:tailEnd type="none" w="med" len="med"/>
+                    </a:lnL>
+                    <a:lnR w="3175" cap="flat" cmpd="sng" algn="ctr">
+                      <a:solidFill>
+                        <a:schemeClr val="tx1"/>
+                      </a:solidFill>
+                      <a:prstDash val="lgDash"/>
+                      <a:round/>
+                      <a:headEnd type="none" w="med" len="med"/>
+                      <a:tailEnd type="none" w="med" len="med"/>
+                    </a:lnR>
+                    <a:lnT w="38100" cap="flat" cmpd="sng" algn="ctr">
+                      <a:solidFill>
+                        <a:schemeClr val="accent1"/>
+                      </a:solidFill>
+                      <a:prstDash val="solid"/>
+                      <a:round/>
+                      <a:headEnd type="none" w="med" len="med"/>
+                      <a:tailEnd type="none" w="med" len="med"/>
+                    </a:lnT>
+                    <a:lnB w="3175" cap="flat" cmpd="sng" algn="ctr">
+                      <a:solidFill>
+                        <a:schemeClr val="tx1"/>
+                      </a:solidFill>
+                      <a:prstDash val="lgDash"/>
+                      <a:round/>
+                      <a:headEnd type="none" w="med" len="med"/>
+                      <a:tailEnd type="none" w="med" len="med"/>
+                    </a:lnB>
+                    <a:lnTlToBr w="12700" cmpd="sng">
+                      <a:noFill/>
+                      <a:prstDash val="solid"/>
+                    </a:lnTlToBr>
+                    <a:lnBlToTr w="12700" cmpd="sng">
+                      <a:noFill/>
+                      <a:prstDash val="solid"/>
+                    </a:lnBlToTr>
+                    <a:solidFill>
+                      <a:schemeClr val="accent1">
+                        <a:lumMod val="20000"/>
+                        <a:lumOff val="80000"/>
+                      </a:schemeClr>
+                    </a:solidFill>
+                  </a:tcPr>
+                </a:tc>
+                <a:tc>
+                  <a:txBody>
+                    <a:bodyPr/>
+                    <a:lstStyle/>
+                    <a:p>
+                      <a:pPr algn="ctr" latinLnBrk="1"/>
+                      <a:r>
+                        <a:rPr lang="en-US" altLang="ko-KR" sz="1600" b="1" dirty="0"/>
+                        <a:t>Type</a:t>
+                      </a:r>
+                      <a:endParaRPr lang="ko-KR" altLang="en-US" sz="1600" b="1" dirty="0"/>
+                    </a:p>
+                  </a:txBody>
+                  <a:tcPr marL="89354" marR="89354" marT="44677" marB="44677" anchor="ctr">
+                    <a:lnL w="3175" cap="flat" cmpd="sng" algn="ctr">
+                      <a:solidFill>
+                        <a:schemeClr val="tx1"/>
+                      </a:solidFill>
+                      <a:prstDash val="lgDash"/>
+                      <a:round/>
+                      <a:headEnd type="none" w="med" len="med"/>
+                      <a:tailEnd type="none" w="med" len="med"/>
+                    </a:lnL>
+                    <a:lnR w="3175" cap="flat" cmpd="sng" algn="ctr">
+                      <a:solidFill>
+                        <a:schemeClr val="tx1"/>
+                      </a:solidFill>
+                      <a:prstDash val="lgDash"/>
+                      <a:round/>
+                      <a:headEnd type="none" w="med" len="med"/>
+                      <a:tailEnd type="none" w="med" len="med"/>
+                    </a:lnR>
+                    <a:lnT w="38100" cap="flat" cmpd="sng" algn="ctr">
+                      <a:solidFill>
+                        <a:schemeClr val="accent1"/>
+                      </a:solidFill>
+                      <a:prstDash val="solid"/>
+                      <a:round/>
+                      <a:headEnd type="none" w="med" len="med"/>
+                      <a:tailEnd type="none" w="med" len="med"/>
+                    </a:lnT>
+                    <a:lnB w="3175" cap="flat" cmpd="sng" algn="ctr">
+                      <a:solidFill>
+                        <a:schemeClr val="tx1"/>
+                      </a:solidFill>
+                      <a:prstDash val="lgDash"/>
+                      <a:round/>
+                      <a:headEnd type="none" w="med" len="med"/>
+                      <a:tailEnd type="none" w="med" len="med"/>
+                    </a:lnB>
+                    <a:lnTlToBr w="12700" cmpd="sng">
+                      <a:noFill/>
+                      <a:prstDash val="solid"/>
+                    </a:lnTlToBr>
+                    <a:lnBlToTr w="12700" cmpd="sng">
+                      <a:noFill/>
+                      <a:prstDash val="solid"/>
+                    </a:lnBlToTr>
+                    <a:solidFill>
+                      <a:schemeClr val="accent1">
+                        <a:lumMod val="20000"/>
+                        <a:lumOff val="80000"/>
+                      </a:schemeClr>
+                    </a:solidFill>
+                  </a:tcPr>
+                </a:tc>
+                <a:tc>
+                  <a:txBody>
+                    <a:bodyPr/>
+                    <a:lstStyle/>
+                    <a:p>
+                      <a:pPr algn="ctr" latinLnBrk="1"/>
+                      <a:r>
+                        <a:rPr lang="ko-KR" altLang="en-US" sz="1400" b="1" dirty="0"/>
+                        <a:t>설명</a:t>
+                      </a:r>
+                    </a:p>
+                  </a:txBody>
+                  <a:tcPr marL="89354" marR="89354" marT="44677" marB="44677" anchor="ctr">
+                    <a:lnL w="3175" cap="flat" cmpd="sng" algn="ctr">
+                      <a:solidFill>
+                        <a:schemeClr val="tx1"/>
+                      </a:solidFill>
+                      <a:prstDash val="lgDash"/>
+                      <a:round/>
+                      <a:headEnd type="none" w="med" len="med"/>
+                      <a:tailEnd type="none" w="med" len="med"/>
+                    </a:lnL>
+                    <a:lnR w="12700" cmpd="sng">
+                      <a:noFill/>
+                    </a:lnR>
+                    <a:lnT w="38100" cap="flat" cmpd="sng" algn="ctr">
+                      <a:solidFill>
+                        <a:schemeClr val="accent1"/>
+                      </a:solidFill>
+                      <a:prstDash val="solid"/>
+                      <a:round/>
+                      <a:headEnd type="none" w="med" len="med"/>
+                      <a:tailEnd type="none" w="med" len="med"/>
+                    </a:lnT>
+                    <a:lnB w="3175" cap="flat" cmpd="sng" algn="ctr">
+                      <a:solidFill>
+                        <a:schemeClr val="tx1"/>
+                      </a:solidFill>
+                      <a:prstDash val="lgDash"/>
+                      <a:round/>
+                      <a:headEnd type="none" w="med" len="med"/>
+                      <a:tailEnd type="none" w="med" len="med"/>
+                    </a:lnB>
+                    <a:lnTlToBr w="12700" cmpd="sng">
+                      <a:noFill/>
+                      <a:prstDash val="solid"/>
+                    </a:lnTlToBr>
+                    <a:lnBlToTr w="12700" cmpd="sng">
+                      <a:noFill/>
+                      <a:prstDash val="solid"/>
+                    </a:lnBlToTr>
+                    <a:solidFill>
+                      <a:schemeClr val="accent1">
+                        <a:lumMod val="20000"/>
+                        <a:lumOff val="80000"/>
+                      </a:schemeClr>
+                    </a:solidFill>
+                  </a:tcPr>
+                </a:tc>
+                <a:extLst>
+                  <a:ext uri="{0D108BD9-81ED-4DB2-BD59-A6C34878D82A}">
+                    <a16:rowId xmlns:a16="http://schemas.microsoft.com/office/drawing/2014/main" val="1366906639"/>
+                  </a:ext>
+                </a:extLst>
+              </a:tr>
+              <a:tr h="181837">
+                <a:tc vMerge="1">
+                  <a:txBody>
+                    <a:bodyPr/>
+                    <a:lstStyle/>
+                    <a:p>
+                      <a:pPr algn="ctr" latinLnBrk="1"/>
+                      <a:endParaRPr lang="ko-KR" altLang="en-US" sz="1800" dirty="0"/>
+                    </a:p>
+                  </a:txBody>
+                  <a:tcPr marL="89354" marR="89354" marT="44677" marB="44677" anchor="ctr">
+                    <a:lnL w="12700" cmpd="sng">
+                      <a:noFill/>
+                    </a:lnL>
+                    <a:lnR w="3175" cap="flat" cmpd="sng" algn="ctr">
+                      <a:solidFill>
+                        <a:schemeClr val="tx1"/>
+                      </a:solidFill>
+                      <a:prstDash val="lgDash"/>
+                      <a:round/>
+                      <a:headEnd type="none" w="med" len="med"/>
+                      <a:tailEnd type="none" w="med" len="med"/>
+                    </a:lnR>
+                    <a:lnT w="38100" cap="flat" cmpd="sng" algn="ctr">
+                      <a:solidFill>
+                        <a:schemeClr val="accent1"/>
+                      </a:solidFill>
+                      <a:prstDash val="solid"/>
+                      <a:round/>
+                      <a:headEnd type="none" w="med" len="med"/>
+                      <a:tailEnd type="none" w="med" len="med"/>
+                    </a:lnT>
+                    <a:lnB w="38100" cap="flat" cmpd="sng" algn="ctr">
+                      <a:solidFill>
+                        <a:schemeClr val="accent1"/>
+                      </a:solidFill>
+                      <a:prstDash val="solid"/>
+                      <a:round/>
+                      <a:headEnd type="none" w="med" len="med"/>
+                      <a:tailEnd type="none" w="med" len="med"/>
+                    </a:lnB>
+                    <a:lnTlToBr w="12700" cmpd="sng">
+                      <a:noFill/>
+                      <a:prstDash val="solid"/>
+                    </a:lnTlToBr>
+                    <a:lnBlToTr w="12700" cmpd="sng">
+                      <a:noFill/>
+                      <a:prstDash val="solid"/>
+                    </a:lnBlToTr>
+                  </a:tcPr>
+                </a:tc>
+                <a:tc vMerge="1">
+                  <a:txBody>
+                    <a:bodyPr/>
+                    <a:lstStyle/>
+                    <a:p>
+                      <a:pPr algn="ctr" latinLnBrk="1"/>
+                      <a:endParaRPr lang="ko-KR" altLang="en-US" sz="1800" dirty="0"/>
+                    </a:p>
+                  </a:txBody>
+                  <a:tcPr marL="89354" marR="89354" marT="44677" marB="44677" anchor="ctr">
+                    <a:lnL w="3175" cap="flat" cmpd="sng" algn="ctr">
+                      <a:solidFill>
+                        <a:schemeClr val="tx1"/>
+                      </a:solidFill>
+                      <a:prstDash val="lgDash"/>
+                      <a:round/>
+                      <a:headEnd type="none" w="med" len="med"/>
+                      <a:tailEnd type="none" w="med" len="med"/>
+                    </a:lnL>
+                    <a:lnR w="3175" cap="flat" cmpd="sng" algn="ctr">
+                      <a:solidFill>
+                        <a:schemeClr val="tx1"/>
+                      </a:solidFill>
+                      <a:prstDash val="lgDash"/>
+                      <a:round/>
+                      <a:headEnd type="none" w="med" len="med"/>
+                      <a:tailEnd type="none" w="med" len="med"/>
+                    </a:lnR>
+                    <a:lnT w="38100" cap="flat" cmpd="sng" algn="ctr">
+                      <a:solidFill>
+                        <a:schemeClr val="accent1"/>
+                      </a:solidFill>
+                      <a:prstDash val="solid"/>
+                      <a:round/>
+                      <a:headEnd type="none" w="med" len="med"/>
+                      <a:tailEnd type="none" w="med" len="med"/>
+                    </a:lnT>
+                    <a:lnB w="38100" cap="flat" cmpd="sng" algn="ctr">
+                      <a:solidFill>
+                        <a:schemeClr val="accent1"/>
+                      </a:solidFill>
+                      <a:prstDash val="solid"/>
+                      <a:round/>
+                      <a:headEnd type="none" w="med" len="med"/>
+                      <a:tailEnd type="none" w="med" len="med"/>
+                    </a:lnB>
+                    <a:lnTlToBr w="12700" cmpd="sng">
+                      <a:noFill/>
+                      <a:prstDash val="solid"/>
+                    </a:lnTlToBr>
+                    <a:lnBlToTr w="12700" cmpd="sng">
+                      <a:noFill/>
+                      <a:prstDash val="solid"/>
+                    </a:lnBlToTr>
+                  </a:tcPr>
+                </a:tc>
+                <a:tc>
+                  <a:txBody>
+                    <a:bodyPr/>
+                    <a:lstStyle/>
+                    <a:p>
+                      <a:pPr latinLnBrk="1"/>
+                      <a:r>
+                        <a:rPr lang="en-US" altLang="ko-KR" sz="1600" dirty="0" err="1"/>
+                        <a:t>mailpushButton</a:t>
+                      </a:r>
+                      <a:endParaRPr lang="ko-KR" altLang="en-US" sz="1600" dirty="0"/>
+                    </a:p>
+                  </a:txBody>
+                  <a:tcPr marL="89354" marR="89354" marT="44677" marB="44677" anchor="ctr">
+                    <a:lnL w="3175" cap="flat" cmpd="sng" algn="ctr">
+                      <a:solidFill>
+                        <a:schemeClr val="tx1"/>
+                      </a:solidFill>
+                      <a:prstDash val="lgDash"/>
+                      <a:round/>
+                      <a:headEnd type="none" w="med" len="med"/>
+                      <a:tailEnd type="none" w="med" len="med"/>
+                    </a:lnL>
+                    <a:lnR w="3175" cap="flat" cmpd="sng" algn="ctr">
+                      <a:solidFill>
+                        <a:schemeClr val="tx1"/>
+                      </a:solidFill>
+                      <a:prstDash val="lgDash"/>
+                      <a:round/>
+                      <a:headEnd type="none" w="med" len="med"/>
+                      <a:tailEnd type="none" w="med" len="med"/>
+                    </a:lnR>
+                    <a:lnT w="3175" cap="flat" cmpd="sng" algn="ctr">
+                      <a:solidFill>
+                        <a:schemeClr val="tx1"/>
+                      </a:solidFill>
+                      <a:prstDash val="lgDash"/>
+                      <a:round/>
+                      <a:headEnd type="none" w="med" len="med"/>
+                      <a:tailEnd type="none" w="med" len="med"/>
+                    </a:lnT>
+                    <a:lnB w="3175" cap="flat" cmpd="sng" algn="ctr">
+                      <a:solidFill>
+                        <a:schemeClr val="tx1"/>
+                      </a:solidFill>
+                      <a:prstDash val="lgDash"/>
+                      <a:round/>
+                      <a:headEnd type="none" w="med" len="med"/>
+                      <a:tailEnd type="none" w="med" len="med"/>
+                    </a:lnB>
+                    <a:lnTlToBr w="12700" cmpd="sng">
+                      <a:noFill/>
+                      <a:prstDash val="solid"/>
+                    </a:lnTlToBr>
+                    <a:lnBlToTr w="12700" cmpd="sng">
+                      <a:noFill/>
+                      <a:prstDash val="solid"/>
+                    </a:lnBlToTr>
+                  </a:tcPr>
+                </a:tc>
+                <a:tc>
+                  <a:txBody>
+                    <a:bodyPr/>
+                    <a:lstStyle/>
+                    <a:p>
+                      <a:pPr latinLnBrk="1"/>
+                      <a:r>
+                        <a:rPr lang="en-US" altLang="ko-KR" sz="1600" dirty="0" err="1"/>
+                        <a:t>Jbutton</a:t>
+                      </a:r>
+                      <a:endParaRPr lang="ko-KR" altLang="en-US" sz="1600" dirty="0"/>
+                    </a:p>
+                  </a:txBody>
+                  <a:tcPr marL="89354" marR="89354" marT="44677" marB="44677" anchor="ctr">
+                    <a:lnL w="3175" cap="flat" cmpd="sng" algn="ctr">
+                      <a:solidFill>
+                        <a:schemeClr val="tx1"/>
+                      </a:solidFill>
+                      <a:prstDash val="lgDash"/>
+                      <a:round/>
+                      <a:headEnd type="none" w="med" len="med"/>
+                      <a:tailEnd type="none" w="med" len="med"/>
+                    </a:lnL>
+                    <a:lnR w="3175" cap="flat" cmpd="sng" algn="ctr">
+                      <a:solidFill>
+                        <a:schemeClr val="tx1"/>
+                      </a:solidFill>
+                      <a:prstDash val="lgDash"/>
+                      <a:round/>
+                      <a:headEnd type="none" w="med" len="med"/>
+                      <a:tailEnd type="none" w="med" len="med"/>
+                    </a:lnR>
+                    <a:lnT w="3175" cap="flat" cmpd="sng" algn="ctr">
+                      <a:solidFill>
+                        <a:schemeClr val="tx1"/>
+                      </a:solidFill>
+                      <a:prstDash val="lgDash"/>
+                      <a:round/>
+                      <a:headEnd type="none" w="med" len="med"/>
+                      <a:tailEnd type="none" w="med" len="med"/>
+                    </a:lnT>
+                    <a:lnB w="3175" cap="flat" cmpd="sng" algn="ctr">
+                      <a:solidFill>
+                        <a:schemeClr val="tx1"/>
+                      </a:solidFill>
+                      <a:prstDash val="lgDash"/>
+                      <a:round/>
+                      <a:headEnd type="none" w="med" len="med"/>
+                      <a:tailEnd type="none" w="med" len="med"/>
+                    </a:lnB>
+                    <a:lnTlToBr w="12700" cmpd="sng">
+                      <a:noFill/>
+                      <a:prstDash val="solid"/>
+                    </a:lnTlToBr>
+                    <a:lnBlToTr w="12700" cmpd="sng">
+                      <a:noFill/>
+                      <a:prstDash val="solid"/>
+                    </a:lnBlToTr>
+                  </a:tcPr>
+                </a:tc>
+                <a:tc>
+                  <a:txBody>
+                    <a:bodyPr/>
+                    <a:lstStyle/>
+                    <a:p>
+                      <a:pPr latinLnBrk="1"/>
+                      <a:r>
+                        <a:rPr lang="ko-KR" altLang="en-US" sz="1400" dirty="0"/>
+                        <a:t>메일 보냄 버튼</a:t>
+                      </a:r>
+                    </a:p>
+                  </a:txBody>
+                  <a:tcPr marL="89354" marR="89354" marT="44677" marB="44677" anchor="ctr">
+                    <a:lnL w="3175" cap="flat" cmpd="sng" algn="ctr">
+                      <a:solidFill>
+                        <a:schemeClr val="tx1"/>
+                      </a:solidFill>
+                      <a:prstDash val="lgDash"/>
+                      <a:round/>
+                      <a:headEnd type="none" w="med" len="med"/>
+                      <a:tailEnd type="none" w="med" len="med"/>
+                    </a:lnL>
+                    <a:lnR w="12700" cmpd="sng">
+                      <a:noFill/>
+                    </a:lnR>
+                    <a:lnT w="3175" cap="flat" cmpd="sng" algn="ctr">
+                      <a:solidFill>
+                        <a:schemeClr val="tx1"/>
+                      </a:solidFill>
+                      <a:prstDash val="lgDash"/>
+                      <a:round/>
+                      <a:headEnd type="none" w="med" len="med"/>
+                      <a:tailEnd type="none" w="med" len="med"/>
+                    </a:lnT>
+                    <a:lnB w="3175" cap="flat" cmpd="sng" algn="ctr">
+                      <a:solidFill>
+                        <a:schemeClr val="tx1"/>
+                      </a:solidFill>
+                      <a:prstDash val="lgDash"/>
+                      <a:round/>
+                      <a:headEnd type="none" w="med" len="med"/>
+                      <a:tailEnd type="none" w="med" len="med"/>
+                    </a:lnB>
+                    <a:lnTlToBr w="12700" cmpd="sng">
+                      <a:noFill/>
+                      <a:prstDash val="solid"/>
+                    </a:lnTlToBr>
+                    <a:lnBlToTr w="12700" cmpd="sng">
+                      <a:noFill/>
+                      <a:prstDash val="solid"/>
+                    </a:lnBlToTr>
+                  </a:tcPr>
+                </a:tc>
+                <a:extLst>
+                  <a:ext uri="{0D108BD9-81ED-4DB2-BD59-A6C34878D82A}">
+                    <a16:rowId xmlns:a16="http://schemas.microsoft.com/office/drawing/2014/main" val="3818164504"/>
+                  </a:ext>
+                </a:extLst>
+              </a:tr>
+              <a:tr h="181837">
+                <a:tc vMerge="1">
+                  <a:txBody>
+                    <a:bodyPr/>
+                    <a:lstStyle/>
+                    <a:p>
+                      <a:pPr latinLnBrk="1"/>
+                      <a:endParaRPr lang="ko-KR" altLang="en-US"/>
+                    </a:p>
+                  </a:txBody>
+                  <a:tcPr/>
+                </a:tc>
+                <a:tc vMerge="1">
+                  <a:txBody>
+                    <a:bodyPr/>
+                    <a:lstStyle/>
+                    <a:p>
+                      <a:pPr latinLnBrk="1"/>
+                      <a:endParaRPr lang="ko-KR" altLang="en-US"/>
+                    </a:p>
+                  </a:txBody>
+                  <a:tcPr/>
+                </a:tc>
+                <a:tc>
+                  <a:txBody>
+                    <a:bodyPr/>
+                    <a:lstStyle/>
+                    <a:p>
+                      <a:pPr latinLnBrk="1"/>
+                      <a:r>
+                        <a:rPr lang="en-US" altLang="ko-KR" sz="1600" dirty="0" err="1"/>
+                        <a:t>mailLabel</a:t>
+                      </a:r>
+                      <a:endParaRPr lang="ko-KR" altLang="en-US" sz="1600" dirty="0"/>
+                    </a:p>
+                  </a:txBody>
+                  <a:tcPr marL="89354" marR="89354" marT="44677" marB="44677" anchor="ctr">
+                    <a:lnL w="3175" cap="flat" cmpd="sng" algn="ctr">
+                      <a:solidFill>
+                        <a:schemeClr val="tx1"/>
+                      </a:solidFill>
+                      <a:prstDash val="lgDash"/>
+                      <a:round/>
+                      <a:headEnd type="none" w="med" len="med"/>
+                      <a:tailEnd type="none" w="med" len="med"/>
+                    </a:lnL>
+                    <a:lnR w="3175" cap="flat" cmpd="sng" algn="ctr">
+                      <a:solidFill>
+                        <a:schemeClr val="tx1"/>
+                      </a:solidFill>
+                      <a:prstDash val="lgDash"/>
+                      <a:round/>
+                      <a:headEnd type="none" w="med" len="med"/>
+                      <a:tailEnd type="none" w="med" len="med"/>
+                    </a:lnR>
+                    <a:lnT w="3175" cap="flat" cmpd="sng" algn="ctr">
+                      <a:solidFill>
+                        <a:schemeClr val="tx1"/>
+                      </a:solidFill>
+                      <a:prstDash val="lgDash"/>
+                      <a:round/>
+                      <a:headEnd type="none" w="med" len="med"/>
+                      <a:tailEnd type="none" w="med" len="med"/>
+                    </a:lnT>
+                    <a:lnB w="3175" cap="flat" cmpd="sng" algn="ctr">
+                      <a:solidFill>
+                        <a:schemeClr val="tx1"/>
+                      </a:solidFill>
+                      <a:prstDash val="lgDash"/>
+                      <a:round/>
+                      <a:headEnd type="none" w="med" len="med"/>
+                      <a:tailEnd type="none" w="med" len="med"/>
+                    </a:lnB>
+                    <a:lnTlToBr w="12700" cmpd="sng">
+                      <a:noFill/>
+                      <a:prstDash val="solid"/>
+                    </a:lnTlToBr>
+                    <a:lnBlToTr w="12700" cmpd="sng">
+                      <a:noFill/>
+                      <a:prstDash val="solid"/>
+                    </a:lnBlToTr>
+                  </a:tcPr>
+                </a:tc>
+                <a:tc>
+                  <a:txBody>
+                    <a:bodyPr/>
+                    <a:lstStyle/>
+                    <a:p>
+                      <a:pPr latinLnBrk="1"/>
+                      <a:r>
+                        <a:rPr lang="en-US" altLang="ko-KR" sz="1600" dirty="0" err="1"/>
+                        <a:t>JLabel</a:t>
+                      </a:r>
+                      <a:endParaRPr lang="ko-KR" altLang="en-US" sz="1600" dirty="0"/>
+                    </a:p>
+                  </a:txBody>
+                  <a:tcPr marL="89354" marR="89354" marT="44677" marB="44677" anchor="ctr">
+                    <a:lnL w="3175" cap="flat" cmpd="sng" algn="ctr">
+                      <a:solidFill>
+                        <a:schemeClr val="tx1"/>
+                      </a:solidFill>
+                      <a:prstDash val="lgDash"/>
+                      <a:round/>
+                      <a:headEnd type="none" w="med" len="med"/>
+                      <a:tailEnd type="none" w="med" len="med"/>
+                    </a:lnL>
+                    <a:lnR w="3175" cap="flat" cmpd="sng" algn="ctr">
+                      <a:solidFill>
+                        <a:schemeClr val="tx1"/>
+                      </a:solidFill>
+                      <a:prstDash val="lgDash"/>
+                      <a:round/>
+                      <a:headEnd type="none" w="med" len="med"/>
+                      <a:tailEnd type="none" w="med" len="med"/>
+                    </a:lnR>
+                    <a:lnT w="3175" cap="flat" cmpd="sng" algn="ctr">
+                      <a:solidFill>
+                        <a:schemeClr val="tx1"/>
+                      </a:solidFill>
+                      <a:prstDash val="lgDash"/>
+                      <a:round/>
+                      <a:headEnd type="none" w="med" len="med"/>
+                      <a:tailEnd type="none" w="med" len="med"/>
+                    </a:lnT>
+                    <a:lnB w="3175" cap="flat" cmpd="sng" algn="ctr">
+                      <a:solidFill>
+                        <a:schemeClr val="tx1"/>
+                      </a:solidFill>
+                      <a:prstDash val="lgDash"/>
+                      <a:round/>
+                      <a:headEnd type="none" w="med" len="med"/>
+                      <a:tailEnd type="none" w="med" len="med"/>
+                    </a:lnB>
+                    <a:lnTlToBr w="12700" cmpd="sng">
+                      <a:noFill/>
+                      <a:prstDash val="solid"/>
+                    </a:lnTlToBr>
+                    <a:lnBlToTr w="12700" cmpd="sng">
+                      <a:noFill/>
+                      <a:prstDash val="solid"/>
+                    </a:lnBlToTr>
+                  </a:tcPr>
+                </a:tc>
+                <a:tc>
+                  <a:txBody>
+                    <a:bodyPr/>
+                    <a:lstStyle/>
+                    <a:p>
+                      <a:pPr latinLnBrk="1"/>
+                      <a:r>
+                        <a:rPr lang="ko-KR" altLang="en-US" sz="1400" dirty="0"/>
+                        <a:t>이메일 필드의 제목</a:t>
+                      </a:r>
+                    </a:p>
+                  </a:txBody>
+                  <a:tcPr marL="89354" marR="89354" marT="44677" marB="44677" anchor="ctr">
+                    <a:lnL w="3175" cap="flat" cmpd="sng" algn="ctr">
+                      <a:solidFill>
+                        <a:schemeClr val="tx1"/>
+                      </a:solidFill>
+                      <a:prstDash val="lgDash"/>
+                      <a:round/>
+                      <a:headEnd type="none" w="med" len="med"/>
+                      <a:tailEnd type="none" w="med" len="med"/>
+                    </a:lnL>
+                    <a:lnR w="12700" cmpd="sng">
+                      <a:noFill/>
+                    </a:lnR>
+                    <a:lnT w="3175" cap="flat" cmpd="sng" algn="ctr">
+                      <a:solidFill>
+                        <a:schemeClr val="tx1"/>
+                      </a:solidFill>
+                      <a:prstDash val="lgDash"/>
+                      <a:round/>
+                      <a:headEnd type="none" w="med" len="med"/>
+                      <a:tailEnd type="none" w="med" len="med"/>
+                    </a:lnT>
+                    <a:lnB w="3175" cap="flat" cmpd="sng" algn="ctr">
+                      <a:solidFill>
+                        <a:schemeClr val="tx1"/>
+                      </a:solidFill>
+                      <a:prstDash val="lgDash"/>
+                      <a:round/>
+                      <a:headEnd type="none" w="med" len="med"/>
+                      <a:tailEnd type="none" w="med" len="med"/>
+                    </a:lnB>
+                    <a:lnTlToBr w="12700" cmpd="sng">
+                      <a:noFill/>
+                      <a:prstDash val="solid"/>
+                    </a:lnTlToBr>
+                    <a:lnBlToTr w="12700" cmpd="sng">
+                      <a:noFill/>
+                      <a:prstDash val="solid"/>
+                    </a:lnBlToTr>
+                  </a:tcPr>
+                </a:tc>
+                <a:extLst>
+                  <a:ext uri="{0D108BD9-81ED-4DB2-BD59-A6C34878D82A}">
+                    <a16:rowId xmlns:a16="http://schemas.microsoft.com/office/drawing/2014/main" val="623999781"/>
+                  </a:ext>
+                </a:extLst>
+              </a:tr>
+              <a:tr h="181837">
+                <a:tc vMerge="1">
+                  <a:txBody>
+                    <a:bodyPr/>
+                    <a:lstStyle/>
+                    <a:p>
+                      <a:pPr latinLnBrk="1"/>
+                      <a:endParaRPr lang="ko-KR" altLang="en-US"/>
+                    </a:p>
+                  </a:txBody>
+                  <a:tcPr/>
+                </a:tc>
+                <a:tc vMerge="1">
+                  <a:txBody>
+                    <a:bodyPr/>
+                    <a:lstStyle/>
+                    <a:p>
+                      <a:pPr latinLnBrk="1"/>
+                      <a:endParaRPr lang="ko-KR" altLang="en-US"/>
+                    </a:p>
+                  </a:txBody>
+                  <a:tcPr/>
+                </a:tc>
+                <a:tc>
+                  <a:txBody>
+                    <a:bodyPr/>
+                    <a:lstStyle/>
+                    <a:p>
+                      <a:pPr latinLnBrk="1"/>
+                      <a:r>
+                        <a:rPr lang="en-US" altLang="ko-KR" sz="1600" dirty="0" err="1"/>
+                        <a:t>mailTextField</a:t>
+                      </a:r>
+                      <a:endParaRPr lang="ko-KR" altLang="en-US" sz="1600" dirty="0"/>
+                    </a:p>
+                  </a:txBody>
+                  <a:tcPr marL="89354" marR="89354" marT="44677" marB="44677" anchor="ctr">
+                    <a:lnL w="3175" cap="flat" cmpd="sng" algn="ctr">
+                      <a:solidFill>
+                        <a:schemeClr val="tx1"/>
+                      </a:solidFill>
+                      <a:prstDash val="lgDash"/>
+                      <a:round/>
+                      <a:headEnd type="none" w="med" len="med"/>
+                      <a:tailEnd type="none" w="med" len="med"/>
+                    </a:lnL>
+                    <a:lnR w="3175" cap="flat" cmpd="sng" algn="ctr">
+                      <a:solidFill>
+                        <a:schemeClr val="tx1"/>
+                      </a:solidFill>
+                      <a:prstDash val="lgDash"/>
+                      <a:round/>
+                      <a:headEnd type="none" w="med" len="med"/>
+                      <a:tailEnd type="none" w="med" len="med"/>
+                    </a:lnR>
+                    <a:lnT w="3175" cap="flat" cmpd="sng" algn="ctr">
+                      <a:solidFill>
+                        <a:schemeClr val="tx1"/>
+                      </a:solidFill>
+                      <a:prstDash val="lgDash"/>
+                      <a:round/>
+                      <a:headEnd type="none" w="med" len="med"/>
+                      <a:tailEnd type="none" w="med" len="med"/>
+                    </a:lnT>
+                    <a:lnB w="3175" cap="flat" cmpd="sng" algn="ctr">
+                      <a:solidFill>
+                        <a:schemeClr val="tx1"/>
+                      </a:solidFill>
+                      <a:prstDash val="lgDash"/>
+                      <a:round/>
+                      <a:headEnd type="none" w="med" len="med"/>
+                      <a:tailEnd type="none" w="med" len="med"/>
+                    </a:lnB>
+                    <a:lnTlToBr w="12700" cmpd="sng">
+                      <a:noFill/>
+                      <a:prstDash val="solid"/>
+                    </a:lnTlToBr>
+                    <a:lnBlToTr w="12700" cmpd="sng">
+                      <a:noFill/>
+                      <a:prstDash val="solid"/>
+                    </a:lnBlToTr>
+                  </a:tcPr>
+                </a:tc>
+                <a:tc>
+                  <a:txBody>
+                    <a:bodyPr/>
+                    <a:lstStyle/>
+                    <a:p>
+                      <a:pPr latinLnBrk="1"/>
+                      <a:r>
+                        <a:rPr lang="en-US" altLang="ko-KR" sz="1600" dirty="0" err="1"/>
+                        <a:t>JTextField</a:t>
+                      </a:r>
+                      <a:endParaRPr lang="ko-KR" altLang="en-US" sz="1600" dirty="0"/>
+                    </a:p>
+                  </a:txBody>
+                  <a:tcPr marL="89354" marR="89354" marT="44677" marB="44677" anchor="ctr">
+                    <a:lnL w="3175" cap="flat" cmpd="sng" algn="ctr">
+                      <a:solidFill>
+                        <a:schemeClr val="tx1"/>
+                      </a:solidFill>
+                      <a:prstDash val="lgDash"/>
+                      <a:round/>
+                      <a:headEnd type="none" w="med" len="med"/>
+                      <a:tailEnd type="none" w="med" len="med"/>
+                    </a:lnL>
+                    <a:lnR w="3175" cap="flat" cmpd="sng" algn="ctr">
+                      <a:solidFill>
+                        <a:schemeClr val="tx1"/>
+                      </a:solidFill>
+                      <a:prstDash val="lgDash"/>
+                      <a:round/>
+                      <a:headEnd type="none" w="med" len="med"/>
+                      <a:tailEnd type="none" w="med" len="med"/>
+                    </a:lnR>
+                    <a:lnT w="3175" cap="flat" cmpd="sng" algn="ctr">
+                      <a:solidFill>
+                        <a:schemeClr val="tx1"/>
+                      </a:solidFill>
+                      <a:prstDash val="lgDash"/>
+                      <a:round/>
+                      <a:headEnd type="none" w="med" len="med"/>
+                      <a:tailEnd type="none" w="med" len="med"/>
+                    </a:lnT>
+                    <a:lnB w="3175" cap="flat" cmpd="sng" algn="ctr">
+                      <a:solidFill>
+                        <a:schemeClr val="tx1"/>
+                      </a:solidFill>
+                      <a:prstDash val="lgDash"/>
+                      <a:round/>
+                      <a:headEnd type="none" w="med" len="med"/>
+                      <a:tailEnd type="none" w="med" len="med"/>
+                    </a:lnB>
+                    <a:lnTlToBr w="12700" cmpd="sng">
+                      <a:noFill/>
+                      <a:prstDash val="solid"/>
+                    </a:lnTlToBr>
+                    <a:lnBlToTr w="12700" cmpd="sng">
+                      <a:noFill/>
+                      <a:prstDash val="solid"/>
+                    </a:lnBlToTr>
+                  </a:tcPr>
+                </a:tc>
+                <a:tc>
+                  <a:txBody>
+                    <a:bodyPr/>
+                    <a:lstStyle/>
+                    <a:p>
+                      <a:pPr latinLnBrk="1"/>
+                      <a:r>
+                        <a:rPr lang="ko-KR" altLang="en-US" sz="1400" dirty="0"/>
+                        <a:t>이메일 텍스트 필드</a:t>
+                      </a:r>
+                    </a:p>
+                  </a:txBody>
+                  <a:tcPr marL="89354" marR="89354" marT="44677" marB="44677" anchor="ctr">
+                    <a:lnL w="3175" cap="flat" cmpd="sng" algn="ctr">
+                      <a:solidFill>
+                        <a:schemeClr val="tx1"/>
+                      </a:solidFill>
+                      <a:prstDash val="lgDash"/>
+                      <a:round/>
+                      <a:headEnd type="none" w="med" len="med"/>
+                      <a:tailEnd type="none" w="med" len="med"/>
+                    </a:lnL>
+                    <a:lnR w="12700" cmpd="sng">
+                      <a:noFill/>
+                    </a:lnR>
+                    <a:lnT w="3175" cap="flat" cmpd="sng" algn="ctr">
+                      <a:solidFill>
+                        <a:schemeClr val="tx1"/>
+                      </a:solidFill>
+                      <a:prstDash val="lgDash"/>
+                      <a:round/>
+                      <a:headEnd type="none" w="med" len="med"/>
+                      <a:tailEnd type="none" w="med" len="med"/>
+                    </a:lnT>
+                    <a:lnB w="3175" cap="flat" cmpd="sng" algn="ctr">
+                      <a:solidFill>
+                        <a:schemeClr val="tx1"/>
+                      </a:solidFill>
+                      <a:prstDash val="lgDash"/>
+                      <a:round/>
+                      <a:headEnd type="none" w="med" len="med"/>
+                      <a:tailEnd type="none" w="med" len="med"/>
+                    </a:lnB>
+                    <a:lnTlToBr w="12700" cmpd="sng">
+                      <a:noFill/>
+                      <a:prstDash val="solid"/>
+                    </a:lnTlToBr>
+                    <a:lnBlToTr w="12700" cmpd="sng">
+                      <a:noFill/>
+                      <a:prstDash val="solid"/>
+                    </a:lnBlToTr>
+                  </a:tcPr>
+                </a:tc>
+                <a:extLst>
+                  <a:ext uri="{0D108BD9-81ED-4DB2-BD59-A6C34878D82A}">
+                    <a16:rowId xmlns:a16="http://schemas.microsoft.com/office/drawing/2014/main" val="1012679977"/>
+                  </a:ext>
+                </a:extLst>
+              </a:tr>
+              <a:tr h="181837">
+                <a:tc vMerge="1">
+                  <a:txBody>
+                    <a:bodyPr/>
+                    <a:lstStyle/>
+                    <a:p>
+                      <a:pPr latinLnBrk="1"/>
+                      <a:endParaRPr lang="ko-KR" altLang="en-US"/>
+                    </a:p>
+                  </a:txBody>
+                  <a:tcPr/>
+                </a:tc>
+                <a:tc vMerge="1">
+                  <a:txBody>
+                    <a:bodyPr/>
+                    <a:lstStyle/>
+                    <a:p>
+                      <a:pPr latinLnBrk="1"/>
+                      <a:endParaRPr lang="ko-KR" altLang="en-US"/>
+                    </a:p>
+                  </a:txBody>
+                  <a:tcPr/>
+                </a:tc>
+                <a:tc>
+                  <a:txBody>
+                    <a:bodyPr/>
+                    <a:lstStyle/>
+                    <a:p>
+                      <a:pPr latinLnBrk="1"/>
+                      <a:endParaRPr lang="ko-KR" altLang="en-US" sz="1600" dirty="0"/>
+                    </a:p>
+                  </a:txBody>
+                  <a:tcPr marL="89354" marR="89354" marT="44677" marB="44677" anchor="ctr">
+                    <a:lnL w="3175" cap="flat" cmpd="sng" algn="ctr">
+                      <a:solidFill>
+                        <a:schemeClr val="tx1"/>
+                      </a:solidFill>
+                      <a:prstDash val="lgDash"/>
+                      <a:round/>
+                      <a:headEnd type="none" w="med" len="med"/>
+                      <a:tailEnd type="none" w="med" len="med"/>
+                    </a:lnL>
+                    <a:lnR w="3175" cap="flat" cmpd="sng" algn="ctr">
+                      <a:solidFill>
+                        <a:schemeClr val="tx1"/>
+                      </a:solidFill>
+                      <a:prstDash val="lgDash"/>
+                      <a:round/>
+                      <a:headEnd type="none" w="med" len="med"/>
+                      <a:tailEnd type="none" w="med" len="med"/>
+                    </a:lnR>
+                    <a:lnT w="3175" cap="flat" cmpd="sng" algn="ctr">
+                      <a:solidFill>
+                        <a:schemeClr val="tx1"/>
+                      </a:solidFill>
+                      <a:prstDash val="lgDash"/>
+                      <a:round/>
+                      <a:headEnd type="none" w="med" len="med"/>
+                      <a:tailEnd type="none" w="med" len="med"/>
+                    </a:lnT>
+                    <a:lnB w="3175" cap="flat" cmpd="sng" algn="ctr">
+                      <a:solidFill>
+                        <a:schemeClr val="tx1"/>
+                      </a:solidFill>
+                      <a:prstDash val="lgDash"/>
+                      <a:round/>
+                      <a:headEnd type="none" w="med" len="med"/>
+                      <a:tailEnd type="none" w="med" len="med"/>
+                    </a:lnB>
+                    <a:lnTlToBr w="12700" cmpd="sng">
+                      <a:noFill/>
+                      <a:prstDash val="solid"/>
+                    </a:lnTlToBr>
+                    <a:lnBlToTr w="12700" cmpd="sng">
+                      <a:noFill/>
+                      <a:prstDash val="solid"/>
+                    </a:lnBlToTr>
+                  </a:tcPr>
+                </a:tc>
+                <a:tc>
+                  <a:txBody>
+                    <a:bodyPr/>
+                    <a:lstStyle/>
+                    <a:p>
+                      <a:pPr latinLnBrk="1"/>
+                      <a:endParaRPr lang="ko-KR" altLang="en-US" sz="1600" dirty="0"/>
+                    </a:p>
+                  </a:txBody>
+                  <a:tcPr marL="89354" marR="89354" marT="44677" marB="44677" anchor="ctr">
+                    <a:lnL w="3175" cap="flat" cmpd="sng" algn="ctr">
+                      <a:solidFill>
+                        <a:schemeClr val="tx1"/>
+                      </a:solidFill>
+                      <a:prstDash val="lgDash"/>
+                      <a:round/>
+                      <a:headEnd type="none" w="med" len="med"/>
+                      <a:tailEnd type="none" w="med" len="med"/>
+                    </a:lnL>
+                    <a:lnR w="3175" cap="flat" cmpd="sng" algn="ctr">
+                      <a:solidFill>
+                        <a:schemeClr val="tx1"/>
+                      </a:solidFill>
+                      <a:prstDash val="lgDash"/>
+                      <a:round/>
+                      <a:headEnd type="none" w="med" len="med"/>
+                      <a:tailEnd type="none" w="med" len="med"/>
+                    </a:lnR>
+                    <a:lnT w="3175" cap="flat" cmpd="sng" algn="ctr">
+                      <a:solidFill>
+                        <a:schemeClr val="tx1"/>
+                      </a:solidFill>
+                      <a:prstDash val="lgDash"/>
+                      <a:round/>
+                      <a:headEnd type="none" w="med" len="med"/>
+                      <a:tailEnd type="none" w="med" len="med"/>
+                    </a:lnT>
+                    <a:lnB w="3175" cap="flat" cmpd="sng" algn="ctr">
+                      <a:solidFill>
+                        <a:schemeClr val="tx1"/>
+                      </a:solidFill>
+                      <a:prstDash val="lgDash"/>
+                      <a:round/>
+                      <a:headEnd type="none" w="med" len="med"/>
+                      <a:tailEnd type="none" w="med" len="med"/>
+                    </a:lnB>
+                    <a:lnTlToBr w="12700" cmpd="sng">
+                      <a:noFill/>
+                      <a:prstDash val="solid"/>
+                    </a:lnTlToBr>
+                    <a:lnBlToTr w="12700" cmpd="sng">
+                      <a:noFill/>
+                      <a:prstDash val="solid"/>
+                    </a:lnBlToTr>
+                  </a:tcPr>
+                </a:tc>
+                <a:tc>
+                  <a:txBody>
+                    <a:bodyPr/>
+                    <a:lstStyle/>
+                    <a:p>
+                      <a:pPr latinLnBrk="1"/>
+                      <a:endParaRPr lang="ko-KR" altLang="en-US" sz="1400" dirty="0"/>
+                    </a:p>
+                  </a:txBody>
+                  <a:tcPr marL="89354" marR="89354" marT="44677" marB="44677" anchor="ctr">
+                    <a:lnL w="3175" cap="flat" cmpd="sng" algn="ctr">
+                      <a:solidFill>
+                        <a:schemeClr val="tx1"/>
+                      </a:solidFill>
+                      <a:prstDash val="lgDash"/>
+                      <a:round/>
+                      <a:headEnd type="none" w="med" len="med"/>
+                      <a:tailEnd type="none" w="med" len="med"/>
+                    </a:lnL>
+                    <a:lnR w="12700" cmpd="sng">
+                      <a:noFill/>
+                    </a:lnR>
+                    <a:lnT w="3175" cap="flat" cmpd="sng" algn="ctr">
+                      <a:solidFill>
+                        <a:schemeClr val="tx1"/>
+                      </a:solidFill>
+                      <a:prstDash val="lgDash"/>
+                      <a:round/>
+                      <a:headEnd type="none" w="med" len="med"/>
+                      <a:tailEnd type="none" w="med" len="med"/>
+                    </a:lnT>
+                    <a:lnB w="3175" cap="flat" cmpd="sng" algn="ctr">
+                      <a:solidFill>
+                        <a:schemeClr val="tx1"/>
+                      </a:solidFill>
+                      <a:prstDash val="lgDash"/>
+                      <a:round/>
+                      <a:headEnd type="none" w="med" len="med"/>
+                      <a:tailEnd type="none" w="med" len="med"/>
+                    </a:lnB>
+                    <a:lnTlToBr w="12700" cmpd="sng">
+                      <a:noFill/>
+                      <a:prstDash val="solid"/>
+                    </a:lnTlToBr>
+                    <a:lnBlToTr w="12700" cmpd="sng">
+                      <a:noFill/>
+                      <a:prstDash val="solid"/>
+                    </a:lnBlToTr>
+                  </a:tcPr>
+                </a:tc>
+                <a:extLst>
+                  <a:ext uri="{0D108BD9-81ED-4DB2-BD59-A6C34878D82A}">
+                    <a16:rowId xmlns:a16="http://schemas.microsoft.com/office/drawing/2014/main" val="1239598848"/>
+                  </a:ext>
+                </a:extLst>
+              </a:tr>
+              <a:tr h="181837">
+                <a:tc vMerge="1">
+                  <a:txBody>
+                    <a:bodyPr/>
+                    <a:lstStyle/>
+                    <a:p>
+                      <a:pPr latinLnBrk="1"/>
+                      <a:endParaRPr lang="ko-KR" altLang="en-US"/>
+                    </a:p>
+                  </a:txBody>
+                  <a:tcPr/>
+                </a:tc>
+                <a:tc vMerge="1">
+                  <a:txBody>
+                    <a:bodyPr/>
+                    <a:lstStyle/>
+                    <a:p>
+                      <a:pPr latinLnBrk="1"/>
+                      <a:endParaRPr lang="ko-KR" altLang="en-US"/>
+                    </a:p>
+                  </a:txBody>
+                  <a:tcPr/>
+                </a:tc>
+                <a:tc>
+                  <a:txBody>
+                    <a:bodyPr/>
+                    <a:lstStyle/>
+                    <a:p>
+                      <a:pPr latinLnBrk="1"/>
+                      <a:endParaRPr lang="ko-KR" altLang="en-US" sz="1600" dirty="0"/>
+                    </a:p>
+                  </a:txBody>
+                  <a:tcPr marL="89354" marR="89354" marT="44677" marB="44677" anchor="ctr">
+                    <a:lnL w="3175" cap="flat" cmpd="sng" algn="ctr">
+                      <a:solidFill>
+                        <a:schemeClr val="tx1"/>
+                      </a:solidFill>
+                      <a:prstDash val="lgDash"/>
+                      <a:round/>
+                      <a:headEnd type="none" w="med" len="med"/>
+                      <a:tailEnd type="none" w="med" len="med"/>
+                    </a:lnL>
+                    <a:lnR w="3175" cap="flat" cmpd="sng" algn="ctr">
+                      <a:solidFill>
+                        <a:schemeClr val="tx1"/>
+                      </a:solidFill>
+                      <a:prstDash val="lgDash"/>
+                      <a:round/>
+                      <a:headEnd type="none" w="med" len="med"/>
+                      <a:tailEnd type="none" w="med" len="med"/>
+                    </a:lnR>
+                    <a:lnT w="3175" cap="flat" cmpd="sng" algn="ctr">
+                      <a:solidFill>
+                        <a:schemeClr val="tx1"/>
+                      </a:solidFill>
+                      <a:prstDash val="lgDash"/>
+                      <a:round/>
+                      <a:headEnd type="none" w="med" len="med"/>
+                      <a:tailEnd type="none" w="med" len="med"/>
+                    </a:lnT>
+                    <a:lnB w="3175" cap="flat" cmpd="sng" algn="ctr">
+                      <a:solidFill>
+                        <a:schemeClr val="tx1"/>
+                      </a:solidFill>
+                      <a:prstDash val="lgDash"/>
+                      <a:round/>
+                      <a:headEnd type="none" w="med" len="med"/>
+                      <a:tailEnd type="none" w="med" len="med"/>
+                    </a:lnB>
+                    <a:lnTlToBr w="12700" cmpd="sng">
+                      <a:noFill/>
+                      <a:prstDash val="solid"/>
+                    </a:lnTlToBr>
+                    <a:lnBlToTr w="12700" cmpd="sng">
+                      <a:noFill/>
+                      <a:prstDash val="solid"/>
+                    </a:lnBlToTr>
+                  </a:tcPr>
+                </a:tc>
+                <a:tc>
+                  <a:txBody>
+                    <a:bodyPr/>
+                    <a:lstStyle/>
+                    <a:p>
+                      <a:pPr latinLnBrk="1"/>
+                      <a:endParaRPr lang="ko-KR" altLang="en-US" sz="1600" dirty="0"/>
+                    </a:p>
+                  </a:txBody>
+                  <a:tcPr marL="89354" marR="89354" marT="44677" marB="44677" anchor="ctr">
+                    <a:lnL w="3175" cap="flat" cmpd="sng" algn="ctr">
+                      <a:solidFill>
+                        <a:schemeClr val="tx1"/>
+                      </a:solidFill>
+                      <a:prstDash val="lgDash"/>
+                      <a:round/>
+                      <a:headEnd type="none" w="med" len="med"/>
+                      <a:tailEnd type="none" w="med" len="med"/>
+                    </a:lnL>
+                    <a:lnR w="3175" cap="flat" cmpd="sng" algn="ctr">
+                      <a:solidFill>
+                        <a:schemeClr val="tx1"/>
+                      </a:solidFill>
+                      <a:prstDash val="lgDash"/>
+                      <a:round/>
+                      <a:headEnd type="none" w="med" len="med"/>
+                      <a:tailEnd type="none" w="med" len="med"/>
+                    </a:lnR>
+                    <a:lnT w="3175" cap="flat" cmpd="sng" algn="ctr">
+                      <a:solidFill>
+                        <a:schemeClr val="tx1"/>
+                      </a:solidFill>
+                      <a:prstDash val="lgDash"/>
+                      <a:round/>
+                      <a:headEnd type="none" w="med" len="med"/>
+                      <a:tailEnd type="none" w="med" len="med"/>
+                    </a:lnT>
+                    <a:lnB w="3175" cap="flat" cmpd="sng" algn="ctr">
+                      <a:solidFill>
+                        <a:schemeClr val="tx1"/>
+                      </a:solidFill>
+                      <a:prstDash val="lgDash"/>
+                      <a:round/>
+                      <a:headEnd type="none" w="med" len="med"/>
+                      <a:tailEnd type="none" w="med" len="med"/>
+                    </a:lnB>
+                    <a:lnTlToBr w="12700" cmpd="sng">
+                      <a:noFill/>
+                      <a:prstDash val="solid"/>
+                    </a:lnTlToBr>
+                    <a:lnBlToTr w="12700" cmpd="sng">
+                      <a:noFill/>
+                      <a:prstDash val="solid"/>
+                    </a:lnBlToTr>
+                  </a:tcPr>
+                </a:tc>
+                <a:tc>
+                  <a:txBody>
+                    <a:bodyPr/>
+                    <a:lstStyle/>
+                    <a:p>
+                      <a:pPr latinLnBrk="1"/>
+                      <a:endParaRPr lang="ko-KR" altLang="en-US" sz="1400" dirty="0"/>
+                    </a:p>
+                  </a:txBody>
+                  <a:tcPr marL="89354" marR="89354" marT="44677" marB="44677" anchor="ctr">
+                    <a:lnL w="3175" cap="flat" cmpd="sng" algn="ctr">
+                      <a:solidFill>
+                        <a:schemeClr val="tx1"/>
+                      </a:solidFill>
+                      <a:prstDash val="lgDash"/>
+                      <a:round/>
+                      <a:headEnd type="none" w="med" len="med"/>
+                      <a:tailEnd type="none" w="med" len="med"/>
+                    </a:lnL>
+                    <a:lnR w="12700" cmpd="sng">
+                      <a:noFill/>
+                    </a:lnR>
+                    <a:lnT w="3175" cap="flat" cmpd="sng" algn="ctr">
+                      <a:solidFill>
+                        <a:schemeClr val="tx1"/>
+                      </a:solidFill>
+                      <a:prstDash val="lgDash"/>
+                      <a:round/>
+                      <a:headEnd type="none" w="med" len="med"/>
+                      <a:tailEnd type="none" w="med" len="med"/>
+                    </a:lnT>
+                    <a:lnB w="3175" cap="flat" cmpd="sng" algn="ctr">
+                      <a:solidFill>
+                        <a:schemeClr val="tx1"/>
+                      </a:solidFill>
+                      <a:prstDash val="lgDash"/>
+                      <a:round/>
+                      <a:headEnd type="none" w="med" len="med"/>
+                      <a:tailEnd type="none" w="med" len="med"/>
+                    </a:lnB>
+                    <a:lnTlToBr w="12700" cmpd="sng">
+                      <a:noFill/>
+                      <a:prstDash val="solid"/>
+                    </a:lnTlToBr>
+                    <a:lnBlToTr w="12700" cmpd="sng">
+                      <a:noFill/>
+                      <a:prstDash val="solid"/>
+                    </a:lnBlToTr>
+                  </a:tcPr>
+                </a:tc>
+                <a:extLst>
+                  <a:ext uri="{0D108BD9-81ED-4DB2-BD59-A6C34878D82A}">
+                    <a16:rowId xmlns:a16="http://schemas.microsoft.com/office/drawing/2014/main" val="1438418050"/>
+                  </a:ext>
+                </a:extLst>
+              </a:tr>
+              <a:tr h="333194">
+                <a:tc vMerge="1">
+                  <a:txBody>
+                    <a:bodyPr/>
+                    <a:lstStyle/>
+                    <a:p>
+                      <a:pPr latinLnBrk="1"/>
+                      <a:endParaRPr lang="ko-KR" altLang="en-US"/>
+                    </a:p>
+                  </a:txBody>
+                  <a:tcPr/>
+                </a:tc>
+                <a:tc vMerge="1">
+                  <a:txBody>
+                    <a:bodyPr/>
+                    <a:lstStyle/>
+                    <a:p>
+                      <a:pPr latinLnBrk="1"/>
+                      <a:endParaRPr lang="ko-KR" altLang="en-US"/>
+                    </a:p>
+                  </a:txBody>
+                  <a:tcPr/>
+                </a:tc>
+                <a:tc>
+                  <a:txBody>
+                    <a:bodyPr/>
+                    <a:lstStyle/>
+                    <a:p>
+                      <a:pPr latinLnBrk="1"/>
+                      <a:endParaRPr lang="ko-KR" altLang="en-US" sz="1600" dirty="0"/>
+                    </a:p>
+                  </a:txBody>
+                  <a:tcPr marL="89354" marR="89354" marT="44677" marB="44677" anchor="ctr">
+                    <a:lnL w="3175" cap="flat" cmpd="sng" algn="ctr">
+                      <a:solidFill>
+                        <a:schemeClr val="tx1"/>
+                      </a:solidFill>
+                      <a:prstDash val="lgDash"/>
+                      <a:round/>
+                      <a:headEnd type="none" w="med" len="med"/>
+                      <a:tailEnd type="none" w="med" len="med"/>
+                    </a:lnL>
+                    <a:lnR w="3175" cap="flat" cmpd="sng" algn="ctr">
+                      <a:solidFill>
+                        <a:schemeClr val="tx1"/>
+                      </a:solidFill>
+                      <a:prstDash val="lgDash"/>
+                      <a:round/>
+                      <a:headEnd type="none" w="med" len="med"/>
+                      <a:tailEnd type="none" w="med" len="med"/>
+                    </a:lnR>
+                    <a:lnT w="3175" cap="flat" cmpd="sng" algn="ctr">
+                      <a:solidFill>
+                        <a:schemeClr val="tx1"/>
+                      </a:solidFill>
+                      <a:prstDash val="lgDash"/>
+                      <a:round/>
+                      <a:headEnd type="none" w="med" len="med"/>
+                      <a:tailEnd type="none" w="med" len="med"/>
+                    </a:lnT>
+                    <a:lnB w="3175" cap="flat" cmpd="sng" algn="ctr">
+                      <a:solidFill>
+                        <a:schemeClr val="tx1"/>
+                      </a:solidFill>
+                      <a:prstDash val="lgDash"/>
+                      <a:round/>
+                      <a:headEnd type="none" w="med" len="med"/>
+                      <a:tailEnd type="none" w="med" len="med"/>
+                    </a:lnB>
+                    <a:lnTlToBr w="12700" cmpd="sng">
+                      <a:noFill/>
+                      <a:prstDash val="solid"/>
+                    </a:lnTlToBr>
+                    <a:lnBlToTr w="12700" cmpd="sng">
+                      <a:noFill/>
+                      <a:prstDash val="solid"/>
+                    </a:lnBlToTr>
+                  </a:tcPr>
+                </a:tc>
+                <a:tc>
+                  <a:txBody>
+                    <a:bodyPr/>
+                    <a:lstStyle/>
+                    <a:p>
+                      <a:pPr latinLnBrk="1"/>
+                      <a:endParaRPr lang="ko-KR" altLang="en-US" sz="1600" dirty="0"/>
+                    </a:p>
+                  </a:txBody>
+                  <a:tcPr marL="89354" marR="89354" marT="44677" marB="44677" anchor="ctr">
+                    <a:lnL w="3175" cap="flat" cmpd="sng" algn="ctr">
+                      <a:solidFill>
+                        <a:schemeClr val="tx1"/>
+                      </a:solidFill>
+                      <a:prstDash val="lgDash"/>
+                      <a:round/>
+                      <a:headEnd type="none" w="med" len="med"/>
+                      <a:tailEnd type="none" w="med" len="med"/>
+                    </a:lnL>
+                    <a:lnR w="3175" cap="flat" cmpd="sng" algn="ctr">
+                      <a:solidFill>
+                        <a:schemeClr val="tx1"/>
+                      </a:solidFill>
+                      <a:prstDash val="lgDash"/>
+                      <a:round/>
+                      <a:headEnd type="none" w="med" len="med"/>
+                      <a:tailEnd type="none" w="med" len="med"/>
+                    </a:lnR>
+                    <a:lnT w="3175" cap="flat" cmpd="sng" algn="ctr">
+                      <a:solidFill>
+                        <a:schemeClr val="tx1"/>
+                      </a:solidFill>
+                      <a:prstDash val="lgDash"/>
+                      <a:round/>
+                      <a:headEnd type="none" w="med" len="med"/>
+                      <a:tailEnd type="none" w="med" len="med"/>
+                    </a:lnT>
+                    <a:lnB w="3175" cap="flat" cmpd="sng" algn="ctr">
+                      <a:solidFill>
+                        <a:schemeClr val="tx1"/>
+                      </a:solidFill>
+                      <a:prstDash val="lgDash"/>
+                      <a:round/>
+                      <a:headEnd type="none" w="med" len="med"/>
+                      <a:tailEnd type="none" w="med" len="med"/>
+                    </a:lnB>
+                    <a:lnTlToBr w="12700" cmpd="sng">
+                      <a:noFill/>
+                      <a:prstDash val="solid"/>
+                    </a:lnTlToBr>
+                    <a:lnBlToTr w="12700" cmpd="sng">
+                      <a:noFill/>
+                      <a:prstDash val="solid"/>
+                    </a:lnBlToTr>
+                  </a:tcPr>
+                </a:tc>
+                <a:tc>
+                  <a:txBody>
+                    <a:bodyPr/>
+                    <a:lstStyle/>
+                    <a:p>
+                      <a:pPr latinLnBrk="1"/>
+                      <a:endParaRPr lang="ko-KR" altLang="en-US" sz="1400" dirty="0"/>
+                    </a:p>
+                  </a:txBody>
+                  <a:tcPr marL="89354" marR="89354" marT="44677" marB="44677" anchor="ctr">
+                    <a:lnL w="3175" cap="flat" cmpd="sng" algn="ctr">
+                      <a:solidFill>
+                        <a:schemeClr val="tx1"/>
+                      </a:solidFill>
+                      <a:prstDash val="lgDash"/>
+                      <a:round/>
+                      <a:headEnd type="none" w="med" len="med"/>
+                      <a:tailEnd type="none" w="med" len="med"/>
+                    </a:lnL>
+                    <a:lnR w="12700" cmpd="sng">
+                      <a:noFill/>
+                    </a:lnR>
+                    <a:lnT w="3175" cap="flat" cmpd="sng" algn="ctr">
+                      <a:solidFill>
+                        <a:schemeClr val="tx1"/>
+                      </a:solidFill>
+                      <a:prstDash val="lgDash"/>
+                      <a:round/>
+                      <a:headEnd type="none" w="med" len="med"/>
+                      <a:tailEnd type="none" w="med" len="med"/>
+                    </a:lnT>
+                    <a:lnB w="3175" cap="flat" cmpd="sng" algn="ctr">
+                      <a:solidFill>
+                        <a:schemeClr val="tx1"/>
+                      </a:solidFill>
+                      <a:prstDash val="lgDash"/>
+                      <a:round/>
+                      <a:headEnd type="none" w="med" len="med"/>
+                      <a:tailEnd type="none" w="med" len="med"/>
+                    </a:lnB>
+                    <a:lnTlToBr w="12700" cmpd="sng">
+                      <a:noFill/>
+                      <a:prstDash val="solid"/>
+                    </a:lnTlToBr>
+                    <a:lnBlToTr w="12700" cmpd="sng">
+                      <a:noFill/>
+                      <a:prstDash val="solid"/>
+                    </a:lnBlToTr>
+                  </a:tcPr>
+                </a:tc>
+                <a:extLst>
+                  <a:ext uri="{0D108BD9-81ED-4DB2-BD59-A6C34878D82A}">
+                    <a16:rowId xmlns:a16="http://schemas.microsoft.com/office/drawing/2014/main" val="3444710794"/>
+                  </a:ext>
+                </a:extLst>
+              </a:tr>
+              <a:tr h="166597">
+                <a:tc vMerge="1">
+                  <a:txBody>
+                    <a:bodyPr/>
+                    <a:lstStyle/>
+                    <a:p>
+                      <a:pPr latinLnBrk="1"/>
+                      <a:endParaRPr lang="ko-KR" altLang="en-US"/>
+                    </a:p>
+                  </a:txBody>
+                  <a:tcPr>
+                    <a:lnT w="38100" cap="flat" cmpd="sng" algn="ctr">
+                      <a:solidFill>
+                        <a:schemeClr val="accent1"/>
+                      </a:solidFill>
+                      <a:prstDash val="solid"/>
+                      <a:round/>
+                      <a:headEnd type="none" w="med" len="med"/>
+                      <a:tailEnd type="none" w="med" len="med"/>
+                    </a:lnT>
+                  </a:tcPr>
+                </a:tc>
+                <a:tc vMerge="1">
+                  <a:txBody>
+                    <a:bodyPr/>
+                    <a:lstStyle/>
+                    <a:p>
+                      <a:pPr latinLnBrk="1"/>
+                      <a:endParaRPr lang="ko-KR" altLang="en-US"/>
+                    </a:p>
+                  </a:txBody>
+                  <a:tcPr>
+                    <a:lnT w="38100" cap="flat" cmpd="sng" algn="ctr">
+                      <a:solidFill>
+                        <a:schemeClr val="accent1"/>
+                      </a:solidFill>
+                      <a:prstDash val="solid"/>
+                      <a:round/>
+                      <a:headEnd type="none" w="med" len="med"/>
+                      <a:tailEnd type="none" w="med" len="med"/>
+                    </a:lnT>
+                  </a:tcPr>
+                </a:tc>
+                <a:tc>
+                  <a:txBody>
+                    <a:bodyPr/>
+                    <a:lstStyle/>
+                    <a:p>
+                      <a:pPr latinLnBrk="1"/>
+                      <a:endParaRPr lang="ko-KR" altLang="en-US" sz="1600" dirty="0"/>
+                    </a:p>
+                  </a:txBody>
+                  <a:tcPr marL="89354" marR="89354" marT="44677" marB="44677" anchor="ctr">
+                    <a:lnL w="3175" cap="flat" cmpd="sng" algn="ctr">
+                      <a:solidFill>
+                        <a:schemeClr val="tx1"/>
+                      </a:solidFill>
+                      <a:prstDash val="lgDash"/>
+                      <a:round/>
+                      <a:headEnd type="none" w="med" len="med"/>
+                      <a:tailEnd type="none" w="med" len="med"/>
+                    </a:lnL>
+                    <a:lnR w="3175" cap="flat" cmpd="sng" algn="ctr">
+                      <a:solidFill>
+                        <a:schemeClr val="tx1"/>
+                      </a:solidFill>
+                      <a:prstDash val="lgDash"/>
+                      <a:round/>
+                      <a:headEnd type="none" w="med" len="med"/>
+                      <a:tailEnd type="none" w="med" len="med"/>
+                    </a:lnR>
+                    <a:lnT w="3175" cap="flat" cmpd="sng" algn="ctr">
+                      <a:solidFill>
+                        <a:schemeClr val="tx1"/>
+                      </a:solidFill>
+                      <a:prstDash val="lgDash"/>
+                      <a:round/>
+                      <a:headEnd type="none" w="med" len="med"/>
+                      <a:tailEnd type="none" w="med" len="med"/>
+                    </a:lnT>
+                    <a:lnB w="3175" cap="flat" cmpd="sng" algn="ctr">
+                      <a:solidFill>
+                        <a:schemeClr val="tx1"/>
+                      </a:solidFill>
+                      <a:prstDash val="lgDash"/>
+                      <a:round/>
+                      <a:headEnd type="none" w="med" len="med"/>
+                      <a:tailEnd type="none" w="med" len="med"/>
+                    </a:lnB>
+                    <a:lnTlToBr w="12700" cmpd="sng">
+                      <a:noFill/>
+                      <a:prstDash val="solid"/>
+                    </a:lnTlToBr>
+                    <a:lnBlToTr w="12700" cmpd="sng">
+                      <a:noFill/>
+                      <a:prstDash val="solid"/>
+                    </a:lnBlToTr>
+                  </a:tcPr>
+                </a:tc>
+                <a:tc>
+                  <a:txBody>
+                    <a:bodyPr/>
+                    <a:lstStyle/>
+                    <a:p>
+                      <a:pPr latinLnBrk="1"/>
+                      <a:endParaRPr lang="ko-KR" altLang="en-US" sz="1600" dirty="0"/>
+                    </a:p>
+                  </a:txBody>
+                  <a:tcPr marL="89354" marR="89354" marT="44677" marB="44677" anchor="ctr">
+                    <a:lnL w="3175" cap="flat" cmpd="sng" algn="ctr">
+                      <a:solidFill>
+                        <a:schemeClr val="tx1"/>
+                      </a:solidFill>
+                      <a:prstDash val="lgDash"/>
+                      <a:round/>
+                      <a:headEnd type="none" w="med" len="med"/>
+                      <a:tailEnd type="none" w="med" len="med"/>
+                    </a:lnL>
+                    <a:lnR w="3175" cap="flat" cmpd="sng" algn="ctr">
+                      <a:solidFill>
+                        <a:schemeClr val="tx1"/>
+                      </a:solidFill>
+                      <a:prstDash val="lgDash"/>
+                      <a:round/>
+                      <a:headEnd type="none" w="med" len="med"/>
+                      <a:tailEnd type="none" w="med" len="med"/>
+                    </a:lnR>
+                    <a:lnT w="3175" cap="flat" cmpd="sng" algn="ctr">
+                      <a:solidFill>
+                        <a:schemeClr val="tx1"/>
+                      </a:solidFill>
+                      <a:prstDash val="lgDash"/>
+                      <a:round/>
+                      <a:headEnd type="none" w="med" len="med"/>
+                      <a:tailEnd type="none" w="med" len="med"/>
+                    </a:lnT>
+                    <a:lnB w="3175" cap="flat" cmpd="sng" algn="ctr">
+                      <a:solidFill>
+                        <a:schemeClr val="tx1"/>
+                      </a:solidFill>
+                      <a:prstDash val="lgDash"/>
+                      <a:round/>
+                      <a:headEnd type="none" w="med" len="med"/>
+                      <a:tailEnd type="none" w="med" len="med"/>
+                    </a:lnB>
+                    <a:lnTlToBr w="12700" cmpd="sng">
+                      <a:noFill/>
+                      <a:prstDash val="solid"/>
+                    </a:lnTlToBr>
+                    <a:lnBlToTr w="12700" cmpd="sng">
+                      <a:noFill/>
+                      <a:prstDash val="solid"/>
+                    </a:lnBlToTr>
+                  </a:tcPr>
+                </a:tc>
+                <a:tc>
+                  <a:txBody>
+                    <a:bodyPr/>
+                    <a:lstStyle/>
+                    <a:p>
+                      <a:pPr latinLnBrk="1"/>
+                      <a:endParaRPr lang="ko-KR" altLang="en-US" sz="1400" dirty="0"/>
+                    </a:p>
+                  </a:txBody>
+                  <a:tcPr marL="89354" marR="89354" marT="44677" marB="44677" anchor="ctr">
+                    <a:lnL w="3175" cap="flat" cmpd="sng" algn="ctr">
+                      <a:solidFill>
+                        <a:schemeClr val="tx1"/>
+                      </a:solidFill>
+                      <a:prstDash val="lgDash"/>
+                      <a:round/>
+                      <a:headEnd type="none" w="med" len="med"/>
+                      <a:tailEnd type="none" w="med" len="med"/>
+                    </a:lnL>
+                    <a:lnR w="12700" cmpd="sng">
+                      <a:noFill/>
+                    </a:lnR>
+                    <a:lnT w="3175" cap="flat" cmpd="sng" algn="ctr">
+                      <a:solidFill>
+                        <a:schemeClr val="tx1"/>
+                      </a:solidFill>
+                      <a:prstDash val="lgDash"/>
+                      <a:round/>
+                      <a:headEnd type="none" w="med" len="med"/>
+                      <a:tailEnd type="none" w="med" len="med"/>
+                    </a:lnT>
+                    <a:lnB w="3175" cap="flat" cmpd="sng" algn="ctr">
+                      <a:solidFill>
+                        <a:schemeClr val="tx1"/>
+                      </a:solidFill>
+                      <a:prstDash val="lgDash"/>
+                      <a:round/>
+                      <a:headEnd type="none" w="med" len="med"/>
+                      <a:tailEnd type="none" w="med" len="med"/>
+                    </a:lnB>
+                    <a:lnTlToBr w="12700" cmpd="sng">
+                      <a:noFill/>
+                      <a:prstDash val="solid"/>
+                    </a:lnTlToBr>
+                    <a:lnBlToTr w="12700" cmpd="sng">
+                      <a:noFill/>
+                      <a:prstDash val="solid"/>
+                    </a:lnBlToTr>
+                  </a:tcPr>
+                </a:tc>
+                <a:extLst>
+                  <a:ext uri="{0D108BD9-81ED-4DB2-BD59-A6C34878D82A}">
+                    <a16:rowId xmlns:a16="http://schemas.microsoft.com/office/drawing/2014/main" val="3408609472"/>
+                  </a:ext>
+                </a:extLst>
+              </a:tr>
+              <a:tr h="166597">
+                <a:tc vMerge="1">
+                  <a:txBody>
+                    <a:bodyPr/>
+                    <a:lstStyle/>
+                    <a:p>
+                      <a:pPr latinLnBrk="1"/>
+                      <a:endParaRPr lang="ko-KR" altLang="en-US"/>
+                    </a:p>
+                  </a:txBody>
+                  <a:tcPr/>
+                </a:tc>
+                <a:tc vMerge="1">
+                  <a:txBody>
+                    <a:bodyPr/>
+                    <a:lstStyle/>
+                    <a:p>
+                      <a:pPr latinLnBrk="1"/>
+                      <a:endParaRPr lang="ko-KR" altLang="en-US"/>
+                    </a:p>
+                  </a:txBody>
+                  <a:tcPr/>
+                </a:tc>
+                <a:tc>
+                  <a:txBody>
+                    <a:bodyPr/>
+                    <a:lstStyle/>
+                    <a:p>
+                      <a:pPr latinLnBrk="1"/>
+                      <a:endParaRPr lang="ko-KR" altLang="en-US" sz="1600" dirty="0"/>
+                    </a:p>
+                  </a:txBody>
+                  <a:tcPr marL="89354" marR="89354" marT="44677" marB="44677" anchor="ctr">
+                    <a:lnL w="3175" cap="flat" cmpd="sng" algn="ctr">
+                      <a:solidFill>
+                        <a:schemeClr val="tx1"/>
+                      </a:solidFill>
+                      <a:prstDash val="lgDash"/>
+                      <a:round/>
+                      <a:headEnd type="none" w="med" len="med"/>
+                      <a:tailEnd type="none" w="med" len="med"/>
+                    </a:lnL>
+                    <a:lnR w="3175" cap="flat" cmpd="sng" algn="ctr">
+                      <a:solidFill>
+                        <a:schemeClr val="tx1"/>
+                      </a:solidFill>
+                      <a:prstDash val="lgDash"/>
+                      <a:round/>
+                      <a:headEnd type="none" w="med" len="med"/>
+                      <a:tailEnd type="none" w="med" len="med"/>
+                    </a:lnR>
+                    <a:lnT w="3175" cap="flat" cmpd="sng" algn="ctr">
+                      <a:solidFill>
+                        <a:schemeClr val="tx1"/>
+                      </a:solidFill>
+                      <a:prstDash val="lgDash"/>
+                      <a:round/>
+                      <a:headEnd type="none" w="med" len="med"/>
+                      <a:tailEnd type="none" w="med" len="med"/>
+                    </a:lnT>
+                    <a:lnB w="3175" cap="flat" cmpd="sng" algn="ctr">
+                      <a:solidFill>
+                        <a:schemeClr val="tx1"/>
+                      </a:solidFill>
+                      <a:prstDash val="lgDash"/>
+                      <a:round/>
+                      <a:headEnd type="none" w="med" len="med"/>
+                      <a:tailEnd type="none" w="med" len="med"/>
+                    </a:lnB>
+                    <a:lnTlToBr w="12700" cmpd="sng">
+                      <a:noFill/>
+                      <a:prstDash val="solid"/>
+                    </a:lnTlToBr>
+                    <a:lnBlToTr w="12700" cmpd="sng">
+                      <a:noFill/>
+                      <a:prstDash val="solid"/>
+                    </a:lnBlToTr>
+                  </a:tcPr>
+                </a:tc>
+                <a:tc>
+                  <a:txBody>
+                    <a:bodyPr/>
+                    <a:lstStyle/>
+                    <a:p>
+                      <a:pPr latinLnBrk="1"/>
+                      <a:endParaRPr lang="ko-KR" altLang="en-US" sz="1600" dirty="0"/>
+                    </a:p>
+                  </a:txBody>
+                  <a:tcPr marL="89354" marR="89354" marT="44677" marB="44677" anchor="ctr">
+                    <a:lnL w="3175" cap="flat" cmpd="sng" algn="ctr">
+                      <a:solidFill>
+                        <a:schemeClr val="tx1"/>
+                      </a:solidFill>
+                      <a:prstDash val="lgDash"/>
+                      <a:round/>
+                      <a:headEnd type="none" w="med" len="med"/>
+                      <a:tailEnd type="none" w="med" len="med"/>
+                    </a:lnL>
+                    <a:lnR w="3175" cap="flat" cmpd="sng" algn="ctr">
+                      <a:solidFill>
+                        <a:schemeClr val="tx1"/>
+                      </a:solidFill>
+                      <a:prstDash val="lgDash"/>
+                      <a:round/>
+                      <a:headEnd type="none" w="med" len="med"/>
+                      <a:tailEnd type="none" w="med" len="med"/>
+                    </a:lnR>
+                    <a:lnT w="3175" cap="flat" cmpd="sng" algn="ctr">
+                      <a:solidFill>
+                        <a:schemeClr val="tx1"/>
+                      </a:solidFill>
+                      <a:prstDash val="lgDash"/>
+                      <a:round/>
+                      <a:headEnd type="none" w="med" len="med"/>
+                      <a:tailEnd type="none" w="med" len="med"/>
+                    </a:lnT>
+                    <a:lnB w="3175" cap="flat" cmpd="sng" algn="ctr">
+                      <a:solidFill>
+                        <a:schemeClr val="tx1"/>
+                      </a:solidFill>
+                      <a:prstDash val="lgDash"/>
+                      <a:round/>
+                      <a:headEnd type="none" w="med" len="med"/>
+                      <a:tailEnd type="none" w="med" len="med"/>
+                    </a:lnB>
+                    <a:lnTlToBr w="12700" cmpd="sng">
+                      <a:noFill/>
+                      <a:prstDash val="solid"/>
+                    </a:lnTlToBr>
+                    <a:lnBlToTr w="12700" cmpd="sng">
+                      <a:noFill/>
+                      <a:prstDash val="solid"/>
+                    </a:lnBlToTr>
+                  </a:tcPr>
+                </a:tc>
+                <a:tc>
+                  <a:txBody>
+                    <a:bodyPr/>
+                    <a:lstStyle/>
+                    <a:p>
+                      <a:pPr latinLnBrk="1"/>
+                      <a:endParaRPr lang="ko-KR" altLang="en-US" sz="1400" dirty="0"/>
+                    </a:p>
+                  </a:txBody>
+                  <a:tcPr marL="89354" marR="89354" marT="44677" marB="44677" anchor="ctr">
+                    <a:lnL w="3175" cap="flat" cmpd="sng" algn="ctr">
+                      <a:solidFill>
+                        <a:schemeClr val="tx1"/>
+                      </a:solidFill>
+                      <a:prstDash val="lgDash"/>
+                      <a:round/>
+                      <a:headEnd type="none" w="med" len="med"/>
+                      <a:tailEnd type="none" w="med" len="med"/>
+                    </a:lnL>
+                    <a:lnR w="12700" cmpd="sng">
+                      <a:noFill/>
+                    </a:lnR>
+                    <a:lnT w="3175" cap="flat" cmpd="sng" algn="ctr">
+                      <a:solidFill>
+                        <a:schemeClr val="tx1"/>
+                      </a:solidFill>
+                      <a:prstDash val="lgDash"/>
+                      <a:round/>
+                      <a:headEnd type="none" w="med" len="med"/>
+                      <a:tailEnd type="none" w="med" len="med"/>
+                    </a:lnT>
+                    <a:lnB w="3175" cap="flat" cmpd="sng" algn="ctr">
+                      <a:solidFill>
+                        <a:schemeClr val="tx1"/>
+                      </a:solidFill>
+                      <a:prstDash val="lgDash"/>
+                      <a:round/>
+                      <a:headEnd type="none" w="med" len="med"/>
+                      <a:tailEnd type="none" w="med" len="med"/>
+                    </a:lnB>
+                    <a:lnTlToBr w="12700" cmpd="sng">
+                      <a:noFill/>
+                      <a:prstDash val="solid"/>
+                    </a:lnTlToBr>
+                    <a:lnBlToTr w="12700" cmpd="sng">
+                      <a:noFill/>
+                      <a:prstDash val="solid"/>
+                    </a:lnBlToTr>
+                  </a:tcPr>
+                </a:tc>
+                <a:extLst>
+                  <a:ext uri="{0D108BD9-81ED-4DB2-BD59-A6C34878D82A}">
+                    <a16:rowId xmlns:a16="http://schemas.microsoft.com/office/drawing/2014/main" val="574434596"/>
+                  </a:ext>
+                </a:extLst>
+              </a:tr>
+              <a:tr h="181837">
+                <a:tc vMerge="1">
+                  <a:txBody>
+                    <a:bodyPr/>
+                    <a:lstStyle/>
+                    <a:p>
+                      <a:pPr algn="ctr" latinLnBrk="1"/>
+                      <a:endParaRPr lang="ko-KR" altLang="en-US" sz="1800" dirty="0"/>
+                    </a:p>
+                  </a:txBody>
+                  <a:tcPr marL="89354" marR="89354" marT="44677" marB="44677" anchor="ctr">
+                    <a:lnL w="12700" cmpd="sng">
+                      <a:noFill/>
+                    </a:lnL>
+                    <a:lnR w="3175" cap="flat" cmpd="sng" algn="ctr">
+                      <a:solidFill>
+                        <a:schemeClr val="tx1"/>
+                      </a:solidFill>
+                      <a:prstDash val="lgDash"/>
+                      <a:round/>
+                      <a:headEnd type="none" w="med" len="med"/>
+                      <a:tailEnd type="none" w="med" len="med"/>
+                    </a:lnR>
+                    <a:lnT w="38100" cap="flat" cmpd="sng" algn="ctr">
+                      <a:solidFill>
+                        <a:schemeClr val="accent1"/>
+                      </a:solidFill>
+                      <a:prstDash val="solid"/>
+                      <a:round/>
+                      <a:headEnd type="none" w="med" len="med"/>
+                      <a:tailEnd type="none" w="med" len="med"/>
+                    </a:lnT>
+                    <a:lnB w="38100" cap="flat" cmpd="sng" algn="ctr">
+                      <a:solidFill>
+                        <a:schemeClr val="accent1"/>
+                      </a:solidFill>
+                      <a:prstDash val="solid"/>
+                      <a:round/>
+                      <a:headEnd type="none" w="med" len="med"/>
+                      <a:tailEnd type="none" w="med" len="med"/>
+                    </a:lnB>
+                    <a:lnTlToBr w="12700" cmpd="sng">
+                      <a:noFill/>
+                      <a:prstDash val="solid"/>
+                    </a:lnTlToBr>
+                    <a:lnBlToTr w="12700" cmpd="sng">
+                      <a:noFill/>
+                      <a:prstDash val="solid"/>
+                    </a:lnBlToTr>
+                  </a:tcPr>
+                </a:tc>
+                <a:tc vMerge="1">
+                  <a:txBody>
+                    <a:bodyPr/>
+                    <a:lstStyle/>
+                    <a:p>
+                      <a:pPr algn="ctr" latinLnBrk="1"/>
+                      <a:endParaRPr lang="ko-KR" altLang="en-US" sz="1800" dirty="0"/>
+                    </a:p>
+                  </a:txBody>
+                  <a:tcPr marL="89354" marR="89354" marT="44677" marB="44677" anchor="ctr">
+                    <a:lnL w="3175" cap="flat" cmpd="sng" algn="ctr">
+                      <a:solidFill>
+                        <a:schemeClr val="tx1"/>
+                      </a:solidFill>
+                      <a:prstDash val="lgDash"/>
+                      <a:round/>
+                      <a:headEnd type="none" w="med" len="med"/>
+                      <a:tailEnd type="none" w="med" len="med"/>
+                    </a:lnL>
+                    <a:lnR w="3175" cap="flat" cmpd="sng" algn="ctr">
+                      <a:solidFill>
+                        <a:schemeClr val="tx1"/>
+                      </a:solidFill>
+                      <a:prstDash val="lgDash"/>
+                      <a:round/>
+                      <a:headEnd type="none" w="med" len="med"/>
+                      <a:tailEnd type="none" w="med" len="med"/>
+                    </a:lnR>
+                    <a:lnT w="38100" cap="flat" cmpd="sng" algn="ctr">
+                      <a:solidFill>
+                        <a:schemeClr val="accent1"/>
+                      </a:solidFill>
+                      <a:prstDash val="solid"/>
+                      <a:round/>
+                      <a:headEnd type="none" w="med" len="med"/>
+                      <a:tailEnd type="none" w="med" len="med"/>
+                    </a:lnT>
+                    <a:lnB w="38100" cap="flat" cmpd="sng" algn="ctr">
+                      <a:solidFill>
+                        <a:schemeClr val="accent1"/>
+                      </a:solidFill>
+                      <a:prstDash val="solid"/>
+                      <a:round/>
+                      <a:headEnd type="none" w="med" len="med"/>
+                      <a:tailEnd type="none" w="med" len="med"/>
+                    </a:lnB>
+                    <a:lnTlToBr w="12700" cmpd="sng">
+                      <a:noFill/>
+                      <a:prstDash val="solid"/>
+                    </a:lnTlToBr>
+                    <a:lnBlToTr w="12700" cmpd="sng">
+                      <a:noFill/>
+                      <a:prstDash val="solid"/>
+                    </a:lnBlToTr>
+                  </a:tcPr>
+                </a:tc>
+                <a:tc>
+                  <a:txBody>
+                    <a:bodyPr/>
+                    <a:lstStyle/>
+                    <a:p>
+                      <a:pPr latinLnBrk="1"/>
+                      <a:endParaRPr lang="ko-KR" altLang="en-US" sz="1600" dirty="0"/>
+                    </a:p>
+                  </a:txBody>
+                  <a:tcPr marL="89354" marR="89354" marT="44677" marB="44677" anchor="ctr">
+                    <a:lnL w="3175" cap="flat" cmpd="sng" algn="ctr">
+                      <a:solidFill>
+                        <a:schemeClr val="tx1"/>
+                      </a:solidFill>
+                      <a:prstDash val="lgDash"/>
+                      <a:round/>
+                      <a:headEnd type="none" w="med" len="med"/>
+                      <a:tailEnd type="none" w="med" len="med"/>
+                    </a:lnL>
+                    <a:lnR w="3175" cap="flat" cmpd="sng" algn="ctr">
+                      <a:solidFill>
+                        <a:schemeClr val="tx1"/>
+                      </a:solidFill>
+                      <a:prstDash val="lgDash"/>
+                      <a:round/>
+                      <a:headEnd type="none" w="med" len="med"/>
+                      <a:tailEnd type="none" w="med" len="med"/>
+                    </a:lnR>
+                    <a:lnT w="3175" cap="flat" cmpd="sng" algn="ctr">
+                      <a:solidFill>
+                        <a:schemeClr val="tx1"/>
+                      </a:solidFill>
+                      <a:prstDash val="lgDash"/>
+                      <a:round/>
+                      <a:headEnd type="none" w="med" len="med"/>
+                      <a:tailEnd type="none" w="med" len="med"/>
+                    </a:lnT>
+                    <a:lnB w="38100" cap="flat" cmpd="sng" algn="ctr">
+                      <a:solidFill>
+                        <a:schemeClr val="accent1"/>
+                      </a:solidFill>
+                      <a:prstDash val="solid"/>
+                      <a:round/>
+                      <a:headEnd type="none" w="med" len="med"/>
+                      <a:tailEnd type="none" w="med" len="med"/>
+                    </a:lnB>
+                    <a:lnTlToBr w="12700" cmpd="sng">
+                      <a:noFill/>
+                      <a:prstDash val="solid"/>
+                    </a:lnTlToBr>
+                    <a:lnBlToTr w="12700" cmpd="sng">
+                      <a:noFill/>
+                      <a:prstDash val="solid"/>
+                    </a:lnBlToTr>
+                  </a:tcPr>
+                </a:tc>
+                <a:tc>
+                  <a:txBody>
+                    <a:bodyPr/>
+                    <a:lstStyle/>
+                    <a:p>
+                      <a:pPr latinLnBrk="1"/>
+                      <a:endParaRPr lang="ko-KR" altLang="en-US" sz="1600" dirty="0"/>
+                    </a:p>
+                  </a:txBody>
+                  <a:tcPr marL="89354" marR="89354" marT="44677" marB="44677" anchor="ctr">
+                    <a:lnL w="3175" cap="flat" cmpd="sng" algn="ctr">
+                      <a:solidFill>
+                        <a:schemeClr val="tx1"/>
+                      </a:solidFill>
+                      <a:prstDash val="lgDash"/>
+                      <a:round/>
+                      <a:headEnd type="none" w="med" len="med"/>
+                      <a:tailEnd type="none" w="med" len="med"/>
+                    </a:lnL>
+                    <a:lnR w="3175" cap="flat" cmpd="sng" algn="ctr">
+                      <a:solidFill>
+                        <a:schemeClr val="tx1"/>
+                      </a:solidFill>
+                      <a:prstDash val="lgDash"/>
+                      <a:round/>
+                      <a:headEnd type="none" w="med" len="med"/>
+                      <a:tailEnd type="none" w="med" len="med"/>
+                    </a:lnR>
+                    <a:lnT w="3175" cap="flat" cmpd="sng" algn="ctr">
+                      <a:solidFill>
+                        <a:schemeClr val="tx1"/>
+                      </a:solidFill>
+                      <a:prstDash val="lgDash"/>
+                      <a:round/>
+                      <a:headEnd type="none" w="med" len="med"/>
+                      <a:tailEnd type="none" w="med" len="med"/>
+                    </a:lnT>
+                    <a:lnB w="38100" cap="flat" cmpd="sng" algn="ctr">
+                      <a:solidFill>
+                        <a:schemeClr val="accent1"/>
+                      </a:solidFill>
+                      <a:prstDash val="solid"/>
+                      <a:round/>
+                      <a:headEnd type="none" w="med" len="med"/>
+                      <a:tailEnd type="none" w="med" len="med"/>
+                    </a:lnB>
+                    <a:lnTlToBr w="12700" cmpd="sng">
+                      <a:noFill/>
+                      <a:prstDash val="solid"/>
+                    </a:lnTlToBr>
+                    <a:lnBlToTr w="12700" cmpd="sng">
+                      <a:noFill/>
+                      <a:prstDash val="solid"/>
+                    </a:lnBlToTr>
+                  </a:tcPr>
+                </a:tc>
+                <a:tc>
+                  <a:txBody>
+                    <a:bodyPr/>
+                    <a:lstStyle/>
+                    <a:p>
+                      <a:pPr latinLnBrk="1"/>
+                      <a:endParaRPr lang="ko-KR" altLang="en-US" sz="1400" dirty="0"/>
+                    </a:p>
+                  </a:txBody>
+                  <a:tcPr marL="89354" marR="89354" marT="44677" marB="44677" anchor="ctr">
+                    <a:lnL w="3175" cap="flat" cmpd="sng" algn="ctr">
+                      <a:solidFill>
+                        <a:schemeClr val="tx1"/>
+                      </a:solidFill>
+                      <a:prstDash val="lgDash"/>
+                      <a:round/>
+                      <a:headEnd type="none" w="med" len="med"/>
+                      <a:tailEnd type="none" w="med" len="med"/>
+                    </a:lnL>
+                    <a:lnR w="12700" cmpd="sng">
+                      <a:noFill/>
+                    </a:lnR>
+                    <a:lnT w="3175" cap="flat" cmpd="sng" algn="ctr">
+                      <a:solidFill>
+                        <a:schemeClr val="tx1"/>
+                      </a:solidFill>
+                      <a:prstDash val="lgDash"/>
+                      <a:round/>
+                      <a:headEnd type="none" w="med" len="med"/>
+                      <a:tailEnd type="none" w="med" len="med"/>
+                    </a:lnT>
+                    <a:lnB w="38100" cap="flat" cmpd="sng" algn="ctr">
+                      <a:solidFill>
+                        <a:schemeClr val="accent1"/>
+                      </a:solidFill>
+                      <a:prstDash val="solid"/>
+                      <a:round/>
+                      <a:headEnd type="none" w="med" len="med"/>
+                      <a:tailEnd type="none" w="med" len="med"/>
+                    </a:lnB>
+                    <a:lnTlToBr w="12700" cmpd="sng">
+                      <a:noFill/>
+                      <a:prstDash val="solid"/>
+                    </a:lnTlToBr>
+                    <a:lnBlToTr w="12700" cmpd="sng">
+                      <a:noFill/>
+                      <a:prstDash val="solid"/>
+                    </a:lnBlToTr>
+                  </a:tcPr>
+                </a:tc>
+                <a:extLst>
+                  <a:ext uri="{0D108BD9-81ED-4DB2-BD59-A6C34878D82A}">
+                    <a16:rowId xmlns:a16="http://schemas.microsoft.com/office/drawing/2014/main" val="2535147477"/>
+                  </a:ext>
+                </a:extLst>
+              </a:tr>
+            </a:tbl>
+          </a:graphicData>
+        </a:graphic>
+      </p:graphicFrame>
+    </p:spTree>
+    <p:extLst>
+      <p:ext uri="{BB962C8B-B14F-4D97-AF65-F5344CB8AC3E}">
+        <p14:creationId xmlns:p14="http://schemas.microsoft.com/office/powerpoint/2010/main" val="3668011846"/>
+      </p:ext>
+    </p:extLst>
+  </p:cSld>
+  <p:clrMapOvr>
+    <a:masterClrMapping/>
+  </p:clrMapOvr>
+</p:sld>
+</file>
+
 <file path=ppt/slides/slide2.xml><?xml version="1.0" encoding="utf-8"?>
 <p:sld xmlns:a="http://schemas.openxmlformats.org/drawingml/2006/main" xmlns:r="http://schemas.openxmlformats.org/officeDocument/2006/relationships" xmlns:p="http://schemas.openxmlformats.org/presentationml/2006/main">
   <p:cSld>
@@ -3158,14 +11084,14 @@
             <p:ph idx="1"/>
             <p:extLst>
               <p:ext uri="{D42A27DB-BD31-4B8C-83A1-F6EECF244321}">
-                <p14:modId xmlns:p14="http://schemas.microsoft.com/office/powerpoint/2010/main" val="1448749740"/>
+                <p14:modId xmlns:p14="http://schemas.microsoft.com/office/powerpoint/2010/main" val="1459854629"/>
               </p:ext>
             </p:extLst>
           </p:nvPr>
         </p:nvGraphicFramePr>
         <p:xfrm>
           <a:off x="280988" y="1025525"/>
-          <a:ext cx="8582024" cy="3053080"/>
+          <a:ext cx="8582024" cy="3139440"/>
         </p:xfrm>
         <a:graphic>
           <a:graphicData uri="http://schemas.openxmlformats.org/drawingml/2006/table">
@@ -3778,27 +11704,16 @@
                     <a:lstStyle/>
                     <a:p>
                       <a:pPr algn="ctr" latinLnBrk="1"/>
-                      <a:endParaRPr lang="ko-KR" altLang="en-US" sz="1200" b="0">
-                        <a:solidFill>
-                          <a:schemeClr val="tx1"/>
-                        </a:solidFill>
-                        <a:latin typeface="맑은 고딕" pitchFamily="50" charset="-127"/>
-                        <a:ea typeface="맑은 고딕" pitchFamily="50" charset="-127"/>
-                      </a:endParaRPr>
-                    </a:p>
-                  </a:txBody>
-                  <a:tcPr anchor="ctr">
-                    <a:solidFill>
-                      <a:schemeClr val="bg1"/>
-                    </a:solidFill>
-                  </a:tcPr>
-                </a:tc>
-                <a:tc>
-                  <a:txBody>
-                    <a:bodyPr/>
-                    <a:lstStyle/>
-                    <a:p>
-                      <a:pPr algn="ctr" latinLnBrk="1"/>
+                      <a:r>
+                        <a:rPr lang="en-US" altLang="ko-KR" sz="1200" b="0" dirty="0">
+                          <a:solidFill>
+                            <a:schemeClr val="tx1"/>
+                          </a:solidFill>
+                          <a:latin typeface="맑은 고딕" pitchFamily="50" charset="-127"/>
+                          <a:ea typeface="맑은 고딕" pitchFamily="50" charset="-127"/>
+                        </a:rPr>
+                        <a:t>2017 – 05 – 25</a:t>
+                      </a:r>
                       <a:endParaRPr lang="ko-KR" altLang="en-US" sz="1200" b="0" dirty="0">
                         <a:solidFill>
                           <a:schemeClr val="tx1"/>
@@ -3820,6 +11735,16 @@
                     <a:lstStyle/>
                     <a:p>
                       <a:pPr algn="ctr" latinLnBrk="1"/>
+                      <a:r>
+                        <a:rPr lang="en-US" altLang="ko-KR" sz="1200" b="0" dirty="0">
+                          <a:solidFill>
+                            <a:schemeClr val="tx1"/>
+                          </a:solidFill>
+                          <a:latin typeface="맑은 고딕" pitchFamily="50" charset="-127"/>
+                          <a:ea typeface="맑은 고딕" pitchFamily="50" charset="-127"/>
+                        </a:rPr>
+                        <a:t>Ver 1.1.0.</a:t>
+                      </a:r>
                       <a:endParaRPr lang="ko-KR" altLang="en-US" sz="1200" b="0" dirty="0">
                         <a:solidFill>
                           <a:schemeClr val="tx1"/>
@@ -3841,13 +11766,80 @@
                     <a:lstStyle/>
                     <a:p>
                       <a:pPr algn="ctr" latinLnBrk="1"/>
-                      <a:endParaRPr lang="ko-KR" altLang="en-US" sz="1200" b="0" dirty="0">
-                        <a:solidFill>
-                          <a:schemeClr val="tx1"/>
-                        </a:solidFill>
-                        <a:latin typeface="맑은 고딕" pitchFamily="50" charset="-127"/>
-                        <a:ea typeface="맑은 고딕" pitchFamily="50" charset="-127"/>
-                      </a:endParaRPr>
+                      <a:r>
+                        <a:rPr lang="en-US" altLang="ko-KR" sz="1200" b="0" dirty="0" err="1">
+                          <a:solidFill>
+                            <a:schemeClr val="tx1"/>
+                          </a:solidFill>
+                          <a:latin typeface="맑은 고딕" pitchFamily="50" charset="-127"/>
+                          <a:ea typeface="맑은 고딕" pitchFamily="50" charset="-127"/>
+                        </a:rPr>
+                        <a:t>RegistUser</a:t>
+                      </a:r>
+                      <a:r>
+                        <a:rPr lang="en-US" altLang="ko-KR" sz="1200" b="0" dirty="0">
+                          <a:solidFill>
+                            <a:schemeClr val="tx1"/>
+                          </a:solidFill>
+                          <a:latin typeface="맑은 고딕" pitchFamily="50" charset="-127"/>
+                          <a:ea typeface="맑은 고딕" pitchFamily="50" charset="-127"/>
+                        </a:rPr>
+                        <a:t>, </a:t>
+                      </a:r>
+                      <a:r>
+                        <a:rPr lang="en-US" altLang="ko-KR" sz="1200" b="0" dirty="0" err="1">
+                          <a:solidFill>
+                            <a:schemeClr val="tx1"/>
+                          </a:solidFill>
+                          <a:latin typeface="맑은 고딕" pitchFamily="50" charset="-127"/>
+                          <a:ea typeface="맑은 고딕" pitchFamily="50" charset="-127"/>
+                        </a:rPr>
+                        <a:t>LoginSolution</a:t>
+                      </a:r>
+                      <a:r>
+                        <a:rPr lang="en-US" altLang="ko-KR" sz="1200" b="0" dirty="0">
+                          <a:solidFill>
+                            <a:schemeClr val="tx1"/>
+                          </a:solidFill>
+                          <a:latin typeface="맑은 고딕" pitchFamily="50" charset="-127"/>
+                          <a:ea typeface="맑은 고딕" pitchFamily="50" charset="-127"/>
+                        </a:rPr>
+                        <a:t> </a:t>
+                      </a:r>
+                      <a:r>
+                        <a:rPr lang="ko-KR" altLang="en-US" sz="1200" b="0" dirty="0">
+                          <a:solidFill>
+                            <a:schemeClr val="tx1"/>
+                          </a:solidFill>
+                          <a:latin typeface="맑은 고딕" pitchFamily="50" charset="-127"/>
+                          <a:ea typeface="맑은 고딕" pitchFamily="50" charset="-127"/>
+                        </a:rPr>
+                        <a:t>클래스 추가</a:t>
+                      </a:r>
+                    </a:p>
+                  </a:txBody>
+                  <a:tcPr anchor="ctr">
+                    <a:solidFill>
+                      <a:schemeClr val="bg1"/>
+                    </a:solidFill>
+                  </a:tcPr>
+                </a:tc>
+                <a:tc>
+                  <a:txBody>
+                    <a:bodyPr/>
+                    <a:lstStyle/>
+                    <a:p>
+                      <a:pPr algn="ctr" latinLnBrk="1"/>
+                      <a:r>
+                        <a:rPr lang="ko-KR" altLang="en-US" sz="1200" b="0" dirty="0">
+                          <a:solidFill>
+                            <a:schemeClr val="tx1"/>
+                          </a:solidFill>
+                          <a:latin typeface="맑은 고딕" pitchFamily="50" charset="-127"/>
+                          <a:ea typeface="맑은 고딕" pitchFamily="50" charset="-127"/>
+                        </a:rPr>
+                        <a:t>임현</a:t>
+                      </a:r>
                     </a:p>
                   </a:txBody>
                   <a:tcPr anchor="ctr">
